--- a/Final Presentation.pptx
+++ b/Final Presentation.pptx
@@ -1,6 +1,6 @@
 
 <file path=ppt/presentation.xml><?xml version="1.0" encoding="utf-8"?>
-<p:presentation xmlns:a="http://schemas.openxmlformats.org/drawingml/2006/main" xmlns:r="http://schemas.openxmlformats.org/officeDocument/2006/relationships" xmlns:p="http://schemas.openxmlformats.org/presentationml/2006/main" compatMode="1" saveSubsetFonts="1" autoCompressPictures="0">
+<p:presentation xmlns:a="http://schemas.openxmlformats.org/drawingml/2006/main" xmlns:r="http://schemas.openxmlformats.org/officeDocument/2006/relationships" xmlns:p="http://schemas.openxmlformats.org/presentationml/2006/main" saveSubsetFonts="1" autoCompressPictures="0">
   <p:sldMasterIdLst>
     <p:sldMasterId id="2147483756" r:id="rId1"/>
   </p:sldMasterIdLst>
@@ -4922,21 +4922,21 @@
     </dgm:pt>
   </dgm:ptLst>
   <dgm:cxnLst>
+    <dgm:cxn modelId="{33DB37BB-0261-BC41-AAA7-79063DDB42F8}" type="presOf" srcId="{0BE9100E-BA88-804E-8D64-758F89A32E64}" destId="{E9B3EFE5-2655-5443-88AD-8EDA201C4ECF}" srcOrd="0" destOrd="0" presId="urn:microsoft.com/office/officeart/2005/8/layout/radial5"/>
+    <dgm:cxn modelId="{3C7E38EB-8556-BD42-9717-7D40CD684C8D}" type="presOf" srcId="{06BD4977-0FCA-A549-A1C8-80A27B0DDFA9}" destId="{E63D1589-15EC-7245-84B0-59F57218363C}" srcOrd="0" destOrd="0" presId="urn:microsoft.com/office/officeart/2005/8/layout/radial5"/>
+    <dgm:cxn modelId="{3A7DCE39-7344-544B-AF6D-58AE68866EFE}" type="presOf" srcId="{27FD9694-2A89-7345-8831-0A537BFB40E9}" destId="{4D2DAA32-605F-8A45-AE11-4BB1939DFA85}" srcOrd="0" destOrd="0" presId="urn:microsoft.com/office/officeart/2005/8/layout/radial5"/>
+    <dgm:cxn modelId="{F1002746-C71A-D248-B118-2A8C2AC47D0C}" type="presOf" srcId="{7B136662-C2EA-F348-8C07-D2AA06B9FAD6}" destId="{D7AE7219-C472-6C4D-9CE8-996041C59F44}" srcOrd="1" destOrd="0" presId="urn:microsoft.com/office/officeart/2005/8/layout/radial5"/>
+    <dgm:cxn modelId="{6E6EF7C8-1542-804A-B14A-C5884E1D1D06}" type="presOf" srcId="{F64F6941-A29A-2B42-9440-12DF7C123AD9}" destId="{FDBDBB6E-D5CF-EF4B-AEA6-EA99398FEDF5}" srcOrd="0" destOrd="0" presId="urn:microsoft.com/office/officeart/2005/8/layout/radial5"/>
+    <dgm:cxn modelId="{49FD5B95-0173-0A44-9D3B-7B11DFCE2EF9}" type="presOf" srcId="{D2DBB98F-707F-554E-B671-2A889B408112}" destId="{C329B5B2-E90F-5B4A-991A-8FC1B4192D25}" srcOrd="0" destOrd="0" presId="urn:microsoft.com/office/officeart/2005/8/layout/radial5"/>
+    <dgm:cxn modelId="{CBE291BC-AC68-CE4B-B8E5-FA8BB0C26195}" type="presOf" srcId="{5BE97988-44D9-624E-8E10-201926E8D67B}" destId="{4B2FA548-BB8D-524F-AE76-05AE8DF482C7}" srcOrd="0" destOrd="0" presId="urn:microsoft.com/office/officeart/2005/8/layout/radial5"/>
+    <dgm:cxn modelId="{4B73D263-8127-2146-B952-6CAF0239D1F4}" type="presOf" srcId="{5BE97988-44D9-624E-8E10-201926E8D67B}" destId="{252EB804-E907-854D-9BB2-D0BF11AF3EC4}" srcOrd="1" destOrd="0" presId="urn:microsoft.com/office/officeart/2005/8/layout/radial5"/>
     <dgm:cxn modelId="{FA6E2021-FA6C-6447-BE49-D5A148D7A537}" type="presOf" srcId="{D2DBB98F-707F-554E-B671-2A889B408112}" destId="{E517587D-D0E0-DA42-84B6-46F05DBAD042}" srcOrd="1" destOrd="0" presId="urn:microsoft.com/office/officeart/2005/8/layout/radial5"/>
     <dgm:cxn modelId="{050E0276-A18D-5547-9879-C51C931001A9}" srcId="{0BE9100E-BA88-804E-8D64-758F89A32E64}" destId="{27FD9694-2A89-7345-8831-0A537BFB40E9}" srcOrd="2" destOrd="0" parTransId="{5BE97988-44D9-624E-8E10-201926E8D67B}" sibTransId="{701999CD-5E10-2646-BAC2-4022F4D1E1D6}"/>
+    <dgm:cxn modelId="{1E65523C-1B01-C447-9ECE-32C1A15195A0}" srcId="{711021A0-9BE5-0940-BC58-66F14613AB3D}" destId="{0BE9100E-BA88-804E-8D64-758F89A32E64}" srcOrd="0" destOrd="0" parTransId="{E7615F51-AA3C-2A4C-B335-635A9C825943}" sibTransId="{0A6516BC-3B62-B644-8505-846054D85B36}"/>
+    <dgm:cxn modelId="{805C152F-43CD-E542-85AA-496097CBD40E}" srcId="{0BE9100E-BA88-804E-8D64-758F89A32E64}" destId="{F64F6941-A29A-2B42-9440-12DF7C123AD9}" srcOrd="1" destOrd="0" parTransId="{7B136662-C2EA-F348-8C07-D2AA06B9FAD6}" sibTransId="{C4FBFA1E-5259-BD4A-827D-4DED0074700B}"/>
     <dgm:cxn modelId="{DAAD5D7A-401A-5E4E-A223-4F22B97492AF}" type="presOf" srcId="{7B136662-C2EA-F348-8C07-D2AA06B9FAD6}" destId="{3363E7E5-BBD1-1042-8106-D7C3196101E1}" srcOrd="0" destOrd="0" presId="urn:microsoft.com/office/officeart/2005/8/layout/radial5"/>
-    <dgm:cxn modelId="{49FD5B95-0173-0A44-9D3B-7B11DFCE2EF9}" type="presOf" srcId="{D2DBB98F-707F-554E-B671-2A889B408112}" destId="{C329B5B2-E90F-5B4A-991A-8FC1B4192D25}" srcOrd="0" destOrd="0" presId="urn:microsoft.com/office/officeart/2005/8/layout/radial5"/>
-    <dgm:cxn modelId="{4B73D263-8127-2146-B952-6CAF0239D1F4}" type="presOf" srcId="{5BE97988-44D9-624E-8E10-201926E8D67B}" destId="{252EB804-E907-854D-9BB2-D0BF11AF3EC4}" srcOrd="1" destOrd="0" presId="urn:microsoft.com/office/officeart/2005/8/layout/radial5"/>
-    <dgm:cxn modelId="{1E65523C-1B01-C447-9ECE-32C1A15195A0}" srcId="{711021A0-9BE5-0940-BC58-66F14613AB3D}" destId="{0BE9100E-BA88-804E-8D64-758F89A32E64}" srcOrd="0" destOrd="0" parTransId="{E7615F51-AA3C-2A4C-B335-635A9C825943}" sibTransId="{0A6516BC-3B62-B644-8505-846054D85B36}"/>
-    <dgm:cxn modelId="{3C7E38EB-8556-BD42-9717-7D40CD684C8D}" type="presOf" srcId="{06BD4977-0FCA-A549-A1C8-80A27B0DDFA9}" destId="{E63D1589-15EC-7245-84B0-59F57218363C}" srcOrd="0" destOrd="0" presId="urn:microsoft.com/office/officeart/2005/8/layout/radial5"/>
-    <dgm:cxn modelId="{3A7DCE39-7344-544B-AF6D-58AE68866EFE}" type="presOf" srcId="{27FD9694-2A89-7345-8831-0A537BFB40E9}" destId="{4D2DAA32-605F-8A45-AE11-4BB1939DFA85}" srcOrd="0" destOrd="0" presId="urn:microsoft.com/office/officeart/2005/8/layout/radial5"/>
     <dgm:cxn modelId="{4000D617-A0BE-2344-9A98-13E907B5D493}" type="presOf" srcId="{711021A0-9BE5-0940-BC58-66F14613AB3D}" destId="{9C49BFEE-1E8B-BE41-9993-4BC970561310}" srcOrd="0" destOrd="0" presId="urn:microsoft.com/office/officeart/2005/8/layout/radial5"/>
-    <dgm:cxn modelId="{33DB37BB-0261-BC41-AAA7-79063DDB42F8}" type="presOf" srcId="{0BE9100E-BA88-804E-8D64-758F89A32E64}" destId="{E9B3EFE5-2655-5443-88AD-8EDA201C4ECF}" srcOrd="0" destOrd="0" presId="urn:microsoft.com/office/officeart/2005/8/layout/radial5"/>
     <dgm:cxn modelId="{17273830-1155-CD49-AB18-3EB7636380F6}" srcId="{0BE9100E-BA88-804E-8D64-758F89A32E64}" destId="{06BD4977-0FCA-A549-A1C8-80A27B0DDFA9}" srcOrd="0" destOrd="0" parTransId="{D2DBB98F-707F-554E-B671-2A889B408112}" sibTransId="{B87FB1F1-ABE2-994C-83B6-50D502C4FA7B}"/>
-    <dgm:cxn modelId="{805C152F-43CD-E542-85AA-496097CBD40E}" srcId="{0BE9100E-BA88-804E-8D64-758F89A32E64}" destId="{F64F6941-A29A-2B42-9440-12DF7C123AD9}" srcOrd="1" destOrd="0" parTransId="{7B136662-C2EA-F348-8C07-D2AA06B9FAD6}" sibTransId="{C4FBFA1E-5259-BD4A-827D-4DED0074700B}"/>
-    <dgm:cxn modelId="{CBE291BC-AC68-CE4B-B8E5-FA8BB0C26195}" type="presOf" srcId="{5BE97988-44D9-624E-8E10-201926E8D67B}" destId="{4B2FA548-BB8D-524F-AE76-05AE8DF482C7}" srcOrd="0" destOrd="0" presId="urn:microsoft.com/office/officeart/2005/8/layout/radial5"/>
-    <dgm:cxn modelId="{6E6EF7C8-1542-804A-B14A-C5884E1D1D06}" type="presOf" srcId="{F64F6941-A29A-2B42-9440-12DF7C123AD9}" destId="{FDBDBB6E-D5CF-EF4B-AEA6-EA99398FEDF5}" srcOrd="0" destOrd="0" presId="urn:microsoft.com/office/officeart/2005/8/layout/radial5"/>
-    <dgm:cxn modelId="{F1002746-C71A-D248-B118-2A8C2AC47D0C}" type="presOf" srcId="{7B136662-C2EA-F348-8C07-D2AA06B9FAD6}" destId="{D7AE7219-C472-6C4D-9CE8-996041C59F44}" srcOrd="1" destOrd="0" presId="urn:microsoft.com/office/officeart/2005/8/layout/radial5"/>
     <dgm:cxn modelId="{6286C8D8-8732-FC4E-83CD-CA501DEA7A82}" type="presParOf" srcId="{9C49BFEE-1E8B-BE41-9993-4BC970561310}" destId="{E9B3EFE5-2655-5443-88AD-8EDA201C4ECF}" srcOrd="0" destOrd="0" presId="urn:microsoft.com/office/officeart/2005/8/layout/radial5"/>
     <dgm:cxn modelId="{B4CF021A-64B5-514F-9A98-2D36CE6F63FD}" type="presParOf" srcId="{9C49BFEE-1E8B-BE41-9993-4BC970561310}" destId="{C329B5B2-E90F-5B4A-991A-8FC1B4192D25}" srcOrd="1" destOrd="0" presId="urn:microsoft.com/office/officeart/2005/8/layout/radial5"/>
     <dgm:cxn modelId="{13937E01-7A41-404D-AA8C-34997DB55D6E}" type="presParOf" srcId="{C329B5B2-E90F-5B4A-991A-8FC1B4192D25}" destId="{E517587D-D0E0-DA42-84B6-46F05DBAD042}" srcOrd="0" destOrd="0" presId="urn:microsoft.com/office/officeart/2005/8/layout/radial5"/>
@@ -4952,7 +4952,7 @@
   <dgm:whole/>
   <dgm:extLst>
     <a:ext uri="http://schemas.microsoft.com/office/drawing/2008/diagram">
-      <dsp:dataModelExt xmlns:dsp="http://schemas.microsoft.com/office/drawing/2008/diagram" relId="rId7" minVer="http://schemas.openxmlformats.org/drawingml/2006/diagram"/>
+      <dsp:dataModelExt xmlns:dsp="http://schemas.microsoft.com/office/drawing/2008/diagram" xmlns="" relId="rId7" minVer="http://schemas.openxmlformats.org/drawingml/2006/diagram"/>
     </a:ext>
   </dgm:extLst>
 </dgm:dataModel>
@@ -5277,21 +5277,21 @@
     </dgm:pt>
   </dgm:ptLst>
   <dgm:cxnLst>
+    <dgm:cxn modelId="{549D0581-934D-9F43-9353-C430256A9CA8}" type="presOf" srcId="{7B136662-C2EA-F348-8C07-D2AA06B9FAD6}" destId="{3363E7E5-BBD1-1042-8106-D7C3196101E1}" srcOrd="0" destOrd="0" presId="urn:microsoft.com/office/officeart/2005/8/layout/radial5"/>
+    <dgm:cxn modelId="{7A2D1305-767A-224B-ADC4-6EF767488ED0}" type="presOf" srcId="{711021A0-9BE5-0940-BC58-66F14613AB3D}" destId="{9C49BFEE-1E8B-BE41-9993-4BC970561310}" srcOrd="0" destOrd="0" presId="urn:microsoft.com/office/officeart/2005/8/layout/radial5"/>
+    <dgm:cxn modelId="{0114F79E-A213-0648-AB30-349634F273C5}" type="presOf" srcId="{5BE97988-44D9-624E-8E10-201926E8D67B}" destId="{252EB804-E907-854D-9BB2-D0BF11AF3EC4}" srcOrd="1" destOrd="0" presId="urn:microsoft.com/office/officeart/2005/8/layout/radial5"/>
+    <dgm:cxn modelId="{514173A8-CE86-9B48-825D-7A2E2D91A92F}" type="presOf" srcId="{06BD4977-0FCA-A549-A1C8-80A27B0DDFA9}" destId="{E63D1589-15EC-7245-84B0-59F57218363C}" srcOrd="0" destOrd="0" presId="urn:microsoft.com/office/officeart/2005/8/layout/radial5"/>
+    <dgm:cxn modelId="{050E0276-A18D-5547-9879-C51C931001A9}" srcId="{0BE9100E-BA88-804E-8D64-758F89A32E64}" destId="{27FD9694-2A89-7345-8831-0A537BFB40E9}" srcOrd="2" destOrd="0" parTransId="{5BE97988-44D9-624E-8E10-201926E8D67B}" sibTransId="{701999CD-5E10-2646-BAC2-4022F4D1E1D6}"/>
+    <dgm:cxn modelId="{AF7DB907-B611-AD46-94E5-8551D0F709C1}" type="presOf" srcId="{7B136662-C2EA-F348-8C07-D2AA06B9FAD6}" destId="{D7AE7219-C472-6C4D-9CE8-996041C59F44}" srcOrd="1" destOrd="0" presId="urn:microsoft.com/office/officeart/2005/8/layout/radial5"/>
+    <dgm:cxn modelId="{1E65523C-1B01-C447-9ECE-32C1A15195A0}" srcId="{711021A0-9BE5-0940-BC58-66F14613AB3D}" destId="{0BE9100E-BA88-804E-8D64-758F89A32E64}" srcOrd="0" destOrd="0" parTransId="{E7615F51-AA3C-2A4C-B335-635A9C825943}" sibTransId="{0A6516BC-3B62-B644-8505-846054D85B36}"/>
+    <dgm:cxn modelId="{7F86C71A-5C5C-174B-85B8-C34108B6C332}" type="presOf" srcId="{0BE9100E-BA88-804E-8D64-758F89A32E64}" destId="{E9B3EFE5-2655-5443-88AD-8EDA201C4ECF}" srcOrd="0" destOrd="0" presId="urn:microsoft.com/office/officeart/2005/8/layout/radial5"/>
+    <dgm:cxn modelId="{805C152F-43CD-E542-85AA-496097CBD40E}" srcId="{0BE9100E-BA88-804E-8D64-758F89A32E64}" destId="{F64F6941-A29A-2B42-9440-12DF7C123AD9}" srcOrd="1" destOrd="0" parTransId="{7B136662-C2EA-F348-8C07-D2AA06B9FAD6}" sibTransId="{C4FBFA1E-5259-BD4A-827D-4DED0074700B}"/>
+    <dgm:cxn modelId="{532C102A-F059-BD45-9D0B-AE0F3BF6BCC4}" type="presOf" srcId="{5BE97988-44D9-624E-8E10-201926E8D67B}" destId="{4B2FA548-BB8D-524F-AE76-05AE8DF482C7}" srcOrd="0" destOrd="0" presId="urn:microsoft.com/office/officeart/2005/8/layout/radial5"/>
+    <dgm:cxn modelId="{5BDBC528-8F76-5945-B67D-7BE59437F22A}" type="presOf" srcId="{D2DBB98F-707F-554E-B671-2A889B408112}" destId="{E517587D-D0E0-DA42-84B6-46F05DBAD042}" srcOrd="1" destOrd="0" presId="urn:microsoft.com/office/officeart/2005/8/layout/radial5"/>
+    <dgm:cxn modelId="{811DE2E2-0CDA-2443-9901-F615B01DBF85}" type="presOf" srcId="{D2DBB98F-707F-554E-B671-2A889B408112}" destId="{C329B5B2-E90F-5B4A-991A-8FC1B4192D25}" srcOrd="0" destOrd="0" presId="urn:microsoft.com/office/officeart/2005/8/layout/radial5"/>
     <dgm:cxn modelId="{5B8D7DEE-4632-914C-915B-8EF58154B0D0}" type="presOf" srcId="{27FD9694-2A89-7345-8831-0A537BFB40E9}" destId="{4D2DAA32-605F-8A45-AE11-4BB1939DFA85}" srcOrd="0" destOrd="0" presId="urn:microsoft.com/office/officeart/2005/8/layout/radial5"/>
     <dgm:cxn modelId="{5288E538-5ADE-DA4C-9011-1EAF6D6A8FEA}" type="presOf" srcId="{F64F6941-A29A-2B42-9440-12DF7C123AD9}" destId="{FDBDBB6E-D5CF-EF4B-AEA6-EA99398FEDF5}" srcOrd="0" destOrd="0" presId="urn:microsoft.com/office/officeart/2005/8/layout/radial5"/>
-    <dgm:cxn modelId="{549D0581-934D-9F43-9353-C430256A9CA8}" type="presOf" srcId="{7B136662-C2EA-F348-8C07-D2AA06B9FAD6}" destId="{3363E7E5-BBD1-1042-8106-D7C3196101E1}" srcOrd="0" destOrd="0" presId="urn:microsoft.com/office/officeart/2005/8/layout/radial5"/>
-    <dgm:cxn modelId="{805C152F-43CD-E542-85AA-496097CBD40E}" srcId="{0BE9100E-BA88-804E-8D64-758F89A32E64}" destId="{F64F6941-A29A-2B42-9440-12DF7C123AD9}" srcOrd="1" destOrd="0" parTransId="{7B136662-C2EA-F348-8C07-D2AA06B9FAD6}" sibTransId="{C4FBFA1E-5259-BD4A-827D-4DED0074700B}"/>
-    <dgm:cxn modelId="{5BDBC528-8F76-5945-B67D-7BE59437F22A}" type="presOf" srcId="{D2DBB98F-707F-554E-B671-2A889B408112}" destId="{E517587D-D0E0-DA42-84B6-46F05DBAD042}" srcOrd="1" destOrd="0" presId="urn:microsoft.com/office/officeart/2005/8/layout/radial5"/>
-    <dgm:cxn modelId="{050E0276-A18D-5547-9879-C51C931001A9}" srcId="{0BE9100E-BA88-804E-8D64-758F89A32E64}" destId="{27FD9694-2A89-7345-8831-0A537BFB40E9}" srcOrd="2" destOrd="0" parTransId="{5BE97988-44D9-624E-8E10-201926E8D67B}" sibTransId="{701999CD-5E10-2646-BAC2-4022F4D1E1D6}"/>
-    <dgm:cxn modelId="{7A2D1305-767A-224B-ADC4-6EF767488ED0}" type="presOf" srcId="{711021A0-9BE5-0940-BC58-66F14613AB3D}" destId="{9C49BFEE-1E8B-BE41-9993-4BC970561310}" srcOrd="0" destOrd="0" presId="urn:microsoft.com/office/officeart/2005/8/layout/radial5"/>
     <dgm:cxn modelId="{17273830-1155-CD49-AB18-3EB7636380F6}" srcId="{0BE9100E-BA88-804E-8D64-758F89A32E64}" destId="{06BD4977-0FCA-A549-A1C8-80A27B0DDFA9}" srcOrd="0" destOrd="0" parTransId="{D2DBB98F-707F-554E-B671-2A889B408112}" sibTransId="{B87FB1F1-ABE2-994C-83B6-50D502C4FA7B}"/>
-    <dgm:cxn modelId="{7F86C71A-5C5C-174B-85B8-C34108B6C332}" type="presOf" srcId="{0BE9100E-BA88-804E-8D64-758F89A32E64}" destId="{E9B3EFE5-2655-5443-88AD-8EDA201C4ECF}" srcOrd="0" destOrd="0" presId="urn:microsoft.com/office/officeart/2005/8/layout/radial5"/>
-    <dgm:cxn modelId="{AF7DB907-B611-AD46-94E5-8551D0F709C1}" type="presOf" srcId="{7B136662-C2EA-F348-8C07-D2AA06B9FAD6}" destId="{D7AE7219-C472-6C4D-9CE8-996041C59F44}" srcOrd="1" destOrd="0" presId="urn:microsoft.com/office/officeart/2005/8/layout/radial5"/>
-    <dgm:cxn modelId="{532C102A-F059-BD45-9D0B-AE0F3BF6BCC4}" type="presOf" srcId="{5BE97988-44D9-624E-8E10-201926E8D67B}" destId="{4B2FA548-BB8D-524F-AE76-05AE8DF482C7}" srcOrd="0" destOrd="0" presId="urn:microsoft.com/office/officeart/2005/8/layout/radial5"/>
-    <dgm:cxn modelId="{811DE2E2-0CDA-2443-9901-F615B01DBF85}" type="presOf" srcId="{D2DBB98F-707F-554E-B671-2A889B408112}" destId="{C329B5B2-E90F-5B4A-991A-8FC1B4192D25}" srcOrd="0" destOrd="0" presId="urn:microsoft.com/office/officeart/2005/8/layout/radial5"/>
-    <dgm:cxn modelId="{514173A8-CE86-9B48-825D-7A2E2D91A92F}" type="presOf" srcId="{06BD4977-0FCA-A549-A1C8-80A27B0DDFA9}" destId="{E63D1589-15EC-7245-84B0-59F57218363C}" srcOrd="0" destOrd="0" presId="urn:microsoft.com/office/officeart/2005/8/layout/radial5"/>
-    <dgm:cxn modelId="{0114F79E-A213-0648-AB30-349634F273C5}" type="presOf" srcId="{5BE97988-44D9-624E-8E10-201926E8D67B}" destId="{252EB804-E907-854D-9BB2-D0BF11AF3EC4}" srcOrd="1" destOrd="0" presId="urn:microsoft.com/office/officeart/2005/8/layout/radial5"/>
-    <dgm:cxn modelId="{1E65523C-1B01-C447-9ECE-32C1A15195A0}" srcId="{711021A0-9BE5-0940-BC58-66F14613AB3D}" destId="{0BE9100E-BA88-804E-8D64-758F89A32E64}" srcOrd="0" destOrd="0" parTransId="{E7615F51-AA3C-2A4C-B335-635A9C825943}" sibTransId="{0A6516BC-3B62-B644-8505-846054D85B36}"/>
     <dgm:cxn modelId="{6A86EAE8-3A30-C647-A6B0-CDFE4D95B5E0}" type="presParOf" srcId="{9C49BFEE-1E8B-BE41-9993-4BC970561310}" destId="{E9B3EFE5-2655-5443-88AD-8EDA201C4ECF}" srcOrd="0" destOrd="0" presId="urn:microsoft.com/office/officeart/2005/8/layout/radial5"/>
     <dgm:cxn modelId="{DEA47DBE-C4CF-504F-A043-F76BE30BB1DB}" type="presParOf" srcId="{9C49BFEE-1E8B-BE41-9993-4BC970561310}" destId="{C329B5B2-E90F-5B4A-991A-8FC1B4192D25}" srcOrd="1" destOrd="0" presId="urn:microsoft.com/office/officeart/2005/8/layout/radial5"/>
     <dgm:cxn modelId="{3B01B067-874D-4042-BD7D-0CA1E9D7298B}" type="presParOf" srcId="{C329B5B2-E90F-5B4A-991A-8FC1B4192D25}" destId="{E517587D-D0E0-DA42-84B6-46F05DBAD042}" srcOrd="0" destOrd="0" presId="urn:microsoft.com/office/officeart/2005/8/layout/radial5"/>
@@ -5307,7 +5307,7 @@
   <dgm:whole/>
   <dgm:extLst>
     <a:ext uri="http://schemas.microsoft.com/office/drawing/2008/diagram">
-      <dsp:dataModelExt xmlns:dsp="http://schemas.microsoft.com/office/drawing/2008/diagram" relId="rId7" minVer="http://schemas.openxmlformats.org/drawingml/2006/diagram"/>
+      <dsp:dataModelExt xmlns:dsp="http://schemas.microsoft.com/office/drawing/2008/diagram" xmlns="" relId="rId7" minVer="http://schemas.openxmlformats.org/drawingml/2006/diagram"/>
     </a:ext>
   </dgm:extLst>
 </dgm:dataModel>
@@ -5647,21 +5647,21 @@
     </dgm:pt>
   </dgm:ptLst>
   <dgm:cxnLst>
+    <dgm:cxn modelId="{764DEA7E-3900-1E48-B90E-53071B1BB0D4}" type="presOf" srcId="{7B136662-C2EA-F348-8C07-D2AA06B9FAD6}" destId="{D7AE7219-C472-6C4D-9CE8-996041C59F44}" srcOrd="1" destOrd="0" presId="urn:microsoft.com/office/officeart/2005/8/layout/radial5"/>
+    <dgm:cxn modelId="{77DFFCFE-E296-6B4A-84E9-76A5C9D1A141}" type="presOf" srcId="{5BE97988-44D9-624E-8E10-201926E8D67B}" destId="{4B2FA548-BB8D-524F-AE76-05AE8DF482C7}" srcOrd="0" destOrd="0" presId="urn:microsoft.com/office/officeart/2005/8/layout/radial5"/>
+    <dgm:cxn modelId="{BAE8EC29-157E-F942-8EA1-4B652A82ECE9}" type="presOf" srcId="{5BE97988-44D9-624E-8E10-201926E8D67B}" destId="{252EB804-E907-854D-9BB2-D0BF11AF3EC4}" srcOrd="1" destOrd="0" presId="urn:microsoft.com/office/officeart/2005/8/layout/radial5"/>
+    <dgm:cxn modelId="{3D7845C7-FC79-CD43-A3D1-4F19713E463B}" type="presOf" srcId="{711021A0-9BE5-0940-BC58-66F14613AB3D}" destId="{9C49BFEE-1E8B-BE41-9993-4BC970561310}" srcOrd="0" destOrd="0" presId="urn:microsoft.com/office/officeart/2005/8/layout/radial5"/>
+    <dgm:cxn modelId="{DE45873B-DE78-C74F-BC94-C23A9C92629B}" type="presOf" srcId="{F64F6941-A29A-2B42-9440-12DF7C123AD9}" destId="{FDBDBB6E-D5CF-EF4B-AEA6-EA99398FEDF5}" srcOrd="0" destOrd="0" presId="urn:microsoft.com/office/officeart/2005/8/layout/radial5"/>
     <dgm:cxn modelId="{050E0276-A18D-5547-9879-C51C931001A9}" srcId="{0BE9100E-BA88-804E-8D64-758F89A32E64}" destId="{27FD9694-2A89-7345-8831-0A537BFB40E9}" srcOrd="2" destOrd="0" parTransId="{5BE97988-44D9-624E-8E10-201926E8D67B}" sibTransId="{701999CD-5E10-2646-BAC2-4022F4D1E1D6}"/>
+    <dgm:cxn modelId="{1E65523C-1B01-C447-9ECE-32C1A15195A0}" srcId="{711021A0-9BE5-0940-BC58-66F14613AB3D}" destId="{0BE9100E-BA88-804E-8D64-758F89A32E64}" srcOrd="0" destOrd="0" parTransId="{E7615F51-AA3C-2A4C-B335-635A9C825943}" sibTransId="{0A6516BC-3B62-B644-8505-846054D85B36}"/>
+    <dgm:cxn modelId="{626362CA-F4B2-4943-B3A3-B0431A7898A3}" type="presOf" srcId="{D2DBB98F-707F-554E-B671-2A889B408112}" destId="{C329B5B2-E90F-5B4A-991A-8FC1B4192D25}" srcOrd="0" destOrd="0" presId="urn:microsoft.com/office/officeart/2005/8/layout/radial5"/>
+    <dgm:cxn modelId="{A904FD57-3B0E-9940-AF41-69E362567C54}" type="presOf" srcId="{27FD9694-2A89-7345-8831-0A537BFB40E9}" destId="{4D2DAA32-605F-8A45-AE11-4BB1939DFA85}" srcOrd="0" destOrd="0" presId="urn:microsoft.com/office/officeart/2005/8/layout/radial5"/>
+    <dgm:cxn modelId="{65D09BF9-D990-D34C-9004-BA9C31A4DDCC}" type="presOf" srcId="{7B136662-C2EA-F348-8C07-D2AA06B9FAD6}" destId="{3363E7E5-BBD1-1042-8106-D7C3196101E1}" srcOrd="0" destOrd="0" presId="urn:microsoft.com/office/officeart/2005/8/layout/radial5"/>
+    <dgm:cxn modelId="{805C152F-43CD-E542-85AA-496097CBD40E}" srcId="{0BE9100E-BA88-804E-8D64-758F89A32E64}" destId="{F64F6941-A29A-2B42-9440-12DF7C123AD9}" srcOrd="1" destOrd="0" parTransId="{7B136662-C2EA-F348-8C07-D2AA06B9FAD6}" sibTransId="{C4FBFA1E-5259-BD4A-827D-4DED0074700B}"/>
+    <dgm:cxn modelId="{78F0E734-802E-AD4F-A706-2DFB5B525CAA}" type="presOf" srcId="{D2DBB98F-707F-554E-B671-2A889B408112}" destId="{E517587D-D0E0-DA42-84B6-46F05DBAD042}" srcOrd="1" destOrd="0" presId="urn:microsoft.com/office/officeart/2005/8/layout/radial5"/>
+    <dgm:cxn modelId="{17273830-1155-CD49-AB18-3EB7636380F6}" srcId="{0BE9100E-BA88-804E-8D64-758F89A32E64}" destId="{06BD4977-0FCA-A549-A1C8-80A27B0DDFA9}" srcOrd="0" destOrd="0" parTransId="{D2DBB98F-707F-554E-B671-2A889B408112}" sibTransId="{B87FB1F1-ABE2-994C-83B6-50D502C4FA7B}"/>
+    <dgm:cxn modelId="{2680E435-BB42-E448-9CAE-5877513FECE5}" type="presOf" srcId="{06BD4977-0FCA-A549-A1C8-80A27B0DDFA9}" destId="{E63D1589-15EC-7245-84B0-59F57218363C}" srcOrd="0" destOrd="0" presId="urn:microsoft.com/office/officeart/2005/8/layout/radial5"/>
     <dgm:cxn modelId="{629ABDCD-4CAD-634E-84A0-4524A09C7A21}" type="presOf" srcId="{0BE9100E-BA88-804E-8D64-758F89A32E64}" destId="{E9B3EFE5-2655-5443-88AD-8EDA201C4ECF}" srcOrd="0" destOrd="0" presId="urn:microsoft.com/office/officeart/2005/8/layout/radial5"/>
-    <dgm:cxn modelId="{626362CA-F4B2-4943-B3A3-B0431A7898A3}" type="presOf" srcId="{D2DBB98F-707F-554E-B671-2A889B408112}" destId="{C329B5B2-E90F-5B4A-991A-8FC1B4192D25}" srcOrd="0" destOrd="0" presId="urn:microsoft.com/office/officeart/2005/8/layout/radial5"/>
-    <dgm:cxn modelId="{65D09BF9-D990-D34C-9004-BA9C31A4DDCC}" type="presOf" srcId="{7B136662-C2EA-F348-8C07-D2AA06B9FAD6}" destId="{3363E7E5-BBD1-1042-8106-D7C3196101E1}" srcOrd="0" destOrd="0" presId="urn:microsoft.com/office/officeart/2005/8/layout/radial5"/>
-    <dgm:cxn modelId="{A904FD57-3B0E-9940-AF41-69E362567C54}" type="presOf" srcId="{27FD9694-2A89-7345-8831-0A537BFB40E9}" destId="{4D2DAA32-605F-8A45-AE11-4BB1939DFA85}" srcOrd="0" destOrd="0" presId="urn:microsoft.com/office/officeart/2005/8/layout/radial5"/>
-    <dgm:cxn modelId="{DE45873B-DE78-C74F-BC94-C23A9C92629B}" type="presOf" srcId="{F64F6941-A29A-2B42-9440-12DF7C123AD9}" destId="{FDBDBB6E-D5CF-EF4B-AEA6-EA99398FEDF5}" srcOrd="0" destOrd="0" presId="urn:microsoft.com/office/officeart/2005/8/layout/radial5"/>
-    <dgm:cxn modelId="{3D7845C7-FC79-CD43-A3D1-4F19713E463B}" type="presOf" srcId="{711021A0-9BE5-0940-BC58-66F14613AB3D}" destId="{9C49BFEE-1E8B-BE41-9993-4BC970561310}" srcOrd="0" destOrd="0" presId="urn:microsoft.com/office/officeart/2005/8/layout/radial5"/>
-    <dgm:cxn modelId="{764DEA7E-3900-1E48-B90E-53071B1BB0D4}" type="presOf" srcId="{7B136662-C2EA-F348-8C07-D2AA06B9FAD6}" destId="{D7AE7219-C472-6C4D-9CE8-996041C59F44}" srcOrd="1" destOrd="0" presId="urn:microsoft.com/office/officeart/2005/8/layout/radial5"/>
-    <dgm:cxn modelId="{1E65523C-1B01-C447-9ECE-32C1A15195A0}" srcId="{711021A0-9BE5-0940-BC58-66F14613AB3D}" destId="{0BE9100E-BA88-804E-8D64-758F89A32E64}" srcOrd="0" destOrd="0" parTransId="{E7615F51-AA3C-2A4C-B335-635A9C825943}" sibTransId="{0A6516BC-3B62-B644-8505-846054D85B36}"/>
-    <dgm:cxn modelId="{2680E435-BB42-E448-9CAE-5877513FECE5}" type="presOf" srcId="{06BD4977-0FCA-A549-A1C8-80A27B0DDFA9}" destId="{E63D1589-15EC-7245-84B0-59F57218363C}" srcOrd="0" destOrd="0" presId="urn:microsoft.com/office/officeart/2005/8/layout/radial5"/>
-    <dgm:cxn modelId="{78F0E734-802E-AD4F-A706-2DFB5B525CAA}" type="presOf" srcId="{D2DBB98F-707F-554E-B671-2A889B408112}" destId="{E517587D-D0E0-DA42-84B6-46F05DBAD042}" srcOrd="1" destOrd="0" presId="urn:microsoft.com/office/officeart/2005/8/layout/radial5"/>
-    <dgm:cxn modelId="{77DFFCFE-E296-6B4A-84E9-76A5C9D1A141}" type="presOf" srcId="{5BE97988-44D9-624E-8E10-201926E8D67B}" destId="{4B2FA548-BB8D-524F-AE76-05AE8DF482C7}" srcOrd="0" destOrd="0" presId="urn:microsoft.com/office/officeart/2005/8/layout/radial5"/>
-    <dgm:cxn modelId="{17273830-1155-CD49-AB18-3EB7636380F6}" srcId="{0BE9100E-BA88-804E-8D64-758F89A32E64}" destId="{06BD4977-0FCA-A549-A1C8-80A27B0DDFA9}" srcOrd="0" destOrd="0" parTransId="{D2DBB98F-707F-554E-B671-2A889B408112}" sibTransId="{B87FB1F1-ABE2-994C-83B6-50D502C4FA7B}"/>
-    <dgm:cxn modelId="{805C152F-43CD-E542-85AA-496097CBD40E}" srcId="{0BE9100E-BA88-804E-8D64-758F89A32E64}" destId="{F64F6941-A29A-2B42-9440-12DF7C123AD9}" srcOrd="1" destOrd="0" parTransId="{7B136662-C2EA-F348-8C07-D2AA06B9FAD6}" sibTransId="{C4FBFA1E-5259-BD4A-827D-4DED0074700B}"/>
-    <dgm:cxn modelId="{BAE8EC29-157E-F942-8EA1-4B652A82ECE9}" type="presOf" srcId="{5BE97988-44D9-624E-8E10-201926E8D67B}" destId="{252EB804-E907-854D-9BB2-D0BF11AF3EC4}" srcOrd="1" destOrd="0" presId="urn:microsoft.com/office/officeart/2005/8/layout/radial5"/>
     <dgm:cxn modelId="{EDFD33B6-9EBE-1342-A59F-C8315F53E3B0}" type="presParOf" srcId="{9C49BFEE-1E8B-BE41-9993-4BC970561310}" destId="{E9B3EFE5-2655-5443-88AD-8EDA201C4ECF}" srcOrd="0" destOrd="0" presId="urn:microsoft.com/office/officeart/2005/8/layout/radial5"/>
     <dgm:cxn modelId="{51AF8469-A161-5146-A1A9-DBD36B9A4250}" type="presParOf" srcId="{9C49BFEE-1E8B-BE41-9993-4BC970561310}" destId="{C329B5B2-E90F-5B4A-991A-8FC1B4192D25}" srcOrd="1" destOrd="0" presId="urn:microsoft.com/office/officeart/2005/8/layout/radial5"/>
     <dgm:cxn modelId="{4218CBBF-4B79-4E44-9786-4022CD8C3506}" type="presParOf" srcId="{C329B5B2-E90F-5B4A-991A-8FC1B4192D25}" destId="{E517587D-D0E0-DA42-84B6-46F05DBAD042}" srcOrd="0" destOrd="0" presId="urn:microsoft.com/office/officeart/2005/8/layout/radial5"/>
@@ -5677,7 +5677,7 @@
   <dgm:whole/>
   <dgm:extLst>
     <a:ext uri="http://schemas.microsoft.com/office/drawing/2008/diagram">
-      <dsp:dataModelExt xmlns:dsp="http://schemas.microsoft.com/office/drawing/2008/diagram" relId="rId7" minVer="http://schemas.openxmlformats.org/drawingml/2006/diagram"/>
+      <dsp:dataModelExt xmlns:dsp="http://schemas.microsoft.com/office/drawing/2008/diagram" xmlns="" relId="rId7" minVer="http://schemas.openxmlformats.org/drawingml/2006/diagram"/>
     </a:ext>
   </dgm:extLst>
 </dgm:dataModel>
@@ -6032,21 +6032,21 @@
     </dgm:pt>
   </dgm:ptLst>
   <dgm:cxnLst>
+    <dgm:cxn modelId="{1E65523C-1B01-C447-9ECE-32C1A15195A0}" srcId="{711021A0-9BE5-0940-BC58-66F14613AB3D}" destId="{0BE9100E-BA88-804E-8D64-758F89A32E64}" srcOrd="0" destOrd="0" parTransId="{E7615F51-AA3C-2A4C-B335-635A9C825943}" sibTransId="{0A6516BC-3B62-B644-8505-846054D85B36}"/>
+    <dgm:cxn modelId="{805C152F-43CD-E542-85AA-496097CBD40E}" srcId="{0BE9100E-BA88-804E-8D64-758F89A32E64}" destId="{F64F6941-A29A-2B42-9440-12DF7C123AD9}" srcOrd="1" destOrd="0" parTransId="{7B136662-C2EA-F348-8C07-D2AA06B9FAD6}" sibTransId="{C4FBFA1E-5259-BD4A-827D-4DED0074700B}"/>
+    <dgm:cxn modelId="{849B6FB9-9D7B-1544-996E-5D51D7EF6462}" type="presOf" srcId="{D2DBB98F-707F-554E-B671-2A889B408112}" destId="{C329B5B2-E90F-5B4A-991A-8FC1B4192D25}" srcOrd="0" destOrd="0" presId="urn:microsoft.com/office/officeart/2005/8/layout/radial5"/>
+    <dgm:cxn modelId="{15587A1B-3620-A14F-9746-B73C29F2CC13}" type="presOf" srcId="{5BE97988-44D9-624E-8E10-201926E8D67B}" destId="{4B2FA548-BB8D-524F-AE76-05AE8DF482C7}" srcOrd="0" destOrd="0" presId="urn:microsoft.com/office/officeart/2005/8/layout/radial5"/>
+    <dgm:cxn modelId="{C0D70CBD-5D63-4549-9300-87897684B188}" type="presOf" srcId="{F64F6941-A29A-2B42-9440-12DF7C123AD9}" destId="{FDBDBB6E-D5CF-EF4B-AEA6-EA99398FEDF5}" srcOrd="0" destOrd="0" presId="urn:microsoft.com/office/officeart/2005/8/layout/radial5"/>
+    <dgm:cxn modelId="{D0F6DB4C-EA8B-6E4B-AA61-3F2E1953A69D}" type="presOf" srcId="{D2DBB98F-707F-554E-B671-2A889B408112}" destId="{E517587D-D0E0-DA42-84B6-46F05DBAD042}" srcOrd="1" destOrd="0" presId="urn:microsoft.com/office/officeart/2005/8/layout/radial5"/>
+    <dgm:cxn modelId="{2273B851-B3DE-6D40-B8AA-4254042ABA86}" type="presOf" srcId="{711021A0-9BE5-0940-BC58-66F14613AB3D}" destId="{9C49BFEE-1E8B-BE41-9993-4BC970561310}" srcOrd="0" destOrd="0" presId="urn:microsoft.com/office/officeart/2005/8/layout/radial5"/>
+    <dgm:cxn modelId="{019EADCD-3AD7-2542-BF2D-30382BD4E795}" type="presOf" srcId="{7B136662-C2EA-F348-8C07-D2AA06B9FAD6}" destId="{3363E7E5-BBD1-1042-8106-D7C3196101E1}" srcOrd="0" destOrd="0" presId="urn:microsoft.com/office/officeart/2005/8/layout/radial5"/>
+    <dgm:cxn modelId="{03E387DC-77E8-5243-9455-7C014AE5848B}" type="presOf" srcId="{06BD4977-0FCA-A549-A1C8-80A27B0DDFA9}" destId="{E63D1589-15EC-7245-84B0-59F57218363C}" srcOrd="0" destOrd="0" presId="urn:microsoft.com/office/officeart/2005/8/layout/radial5"/>
+    <dgm:cxn modelId="{17273830-1155-CD49-AB18-3EB7636380F6}" srcId="{0BE9100E-BA88-804E-8D64-758F89A32E64}" destId="{06BD4977-0FCA-A549-A1C8-80A27B0DDFA9}" srcOrd="0" destOrd="0" parTransId="{D2DBB98F-707F-554E-B671-2A889B408112}" sibTransId="{B87FB1F1-ABE2-994C-83B6-50D502C4FA7B}"/>
     <dgm:cxn modelId="{94038D4E-B778-9348-9B4A-CC663413E6FB}" type="presOf" srcId="{27FD9694-2A89-7345-8831-0A537BFB40E9}" destId="{4D2DAA32-605F-8A45-AE11-4BB1939DFA85}" srcOrd="0" destOrd="0" presId="urn:microsoft.com/office/officeart/2005/8/layout/radial5"/>
-    <dgm:cxn modelId="{849B6FB9-9D7B-1544-996E-5D51D7EF6462}" type="presOf" srcId="{D2DBB98F-707F-554E-B671-2A889B408112}" destId="{C329B5B2-E90F-5B4A-991A-8FC1B4192D25}" srcOrd="0" destOrd="0" presId="urn:microsoft.com/office/officeart/2005/8/layout/radial5"/>
+    <dgm:cxn modelId="{B9FCC9C8-8D53-C148-8A4E-BC8FF02EDF0C}" type="presOf" srcId="{7B136662-C2EA-F348-8C07-D2AA06B9FAD6}" destId="{D7AE7219-C472-6C4D-9CE8-996041C59F44}" srcOrd="1" destOrd="0" presId="urn:microsoft.com/office/officeart/2005/8/layout/radial5"/>
+    <dgm:cxn modelId="{050E0276-A18D-5547-9879-C51C931001A9}" srcId="{0BE9100E-BA88-804E-8D64-758F89A32E64}" destId="{27FD9694-2A89-7345-8831-0A537BFB40E9}" srcOrd="2" destOrd="0" parTransId="{5BE97988-44D9-624E-8E10-201926E8D67B}" sibTransId="{701999CD-5E10-2646-BAC2-4022F4D1E1D6}"/>
+    <dgm:cxn modelId="{07EFD8A1-3AFD-464E-A4D7-0267077CA120}" type="presOf" srcId="{0BE9100E-BA88-804E-8D64-758F89A32E64}" destId="{E9B3EFE5-2655-5443-88AD-8EDA201C4ECF}" srcOrd="0" destOrd="0" presId="urn:microsoft.com/office/officeart/2005/8/layout/radial5"/>
     <dgm:cxn modelId="{378FDE0B-1B95-2A4C-BFEE-4D2EB579A50E}" type="presOf" srcId="{5BE97988-44D9-624E-8E10-201926E8D67B}" destId="{252EB804-E907-854D-9BB2-D0BF11AF3EC4}" srcOrd="1" destOrd="0" presId="urn:microsoft.com/office/officeart/2005/8/layout/radial5"/>
-    <dgm:cxn modelId="{050E0276-A18D-5547-9879-C51C931001A9}" srcId="{0BE9100E-BA88-804E-8D64-758F89A32E64}" destId="{27FD9694-2A89-7345-8831-0A537BFB40E9}" srcOrd="2" destOrd="0" parTransId="{5BE97988-44D9-624E-8E10-201926E8D67B}" sibTransId="{701999CD-5E10-2646-BAC2-4022F4D1E1D6}"/>
-    <dgm:cxn modelId="{C0D70CBD-5D63-4549-9300-87897684B188}" type="presOf" srcId="{F64F6941-A29A-2B42-9440-12DF7C123AD9}" destId="{FDBDBB6E-D5CF-EF4B-AEA6-EA99398FEDF5}" srcOrd="0" destOrd="0" presId="urn:microsoft.com/office/officeart/2005/8/layout/radial5"/>
-    <dgm:cxn modelId="{019EADCD-3AD7-2542-BF2D-30382BD4E795}" type="presOf" srcId="{7B136662-C2EA-F348-8C07-D2AA06B9FAD6}" destId="{3363E7E5-BBD1-1042-8106-D7C3196101E1}" srcOrd="0" destOrd="0" presId="urn:microsoft.com/office/officeart/2005/8/layout/radial5"/>
-    <dgm:cxn modelId="{15587A1B-3620-A14F-9746-B73C29F2CC13}" type="presOf" srcId="{5BE97988-44D9-624E-8E10-201926E8D67B}" destId="{4B2FA548-BB8D-524F-AE76-05AE8DF482C7}" srcOrd="0" destOrd="0" presId="urn:microsoft.com/office/officeart/2005/8/layout/radial5"/>
-    <dgm:cxn modelId="{B9FCC9C8-8D53-C148-8A4E-BC8FF02EDF0C}" type="presOf" srcId="{7B136662-C2EA-F348-8C07-D2AA06B9FAD6}" destId="{D7AE7219-C472-6C4D-9CE8-996041C59F44}" srcOrd="1" destOrd="0" presId="urn:microsoft.com/office/officeart/2005/8/layout/radial5"/>
-    <dgm:cxn modelId="{03E387DC-77E8-5243-9455-7C014AE5848B}" type="presOf" srcId="{06BD4977-0FCA-A549-A1C8-80A27B0DDFA9}" destId="{E63D1589-15EC-7245-84B0-59F57218363C}" srcOrd="0" destOrd="0" presId="urn:microsoft.com/office/officeart/2005/8/layout/radial5"/>
-    <dgm:cxn modelId="{1E65523C-1B01-C447-9ECE-32C1A15195A0}" srcId="{711021A0-9BE5-0940-BC58-66F14613AB3D}" destId="{0BE9100E-BA88-804E-8D64-758F89A32E64}" srcOrd="0" destOrd="0" parTransId="{E7615F51-AA3C-2A4C-B335-635A9C825943}" sibTransId="{0A6516BC-3B62-B644-8505-846054D85B36}"/>
-    <dgm:cxn modelId="{07EFD8A1-3AFD-464E-A4D7-0267077CA120}" type="presOf" srcId="{0BE9100E-BA88-804E-8D64-758F89A32E64}" destId="{E9B3EFE5-2655-5443-88AD-8EDA201C4ECF}" srcOrd="0" destOrd="0" presId="urn:microsoft.com/office/officeart/2005/8/layout/radial5"/>
-    <dgm:cxn modelId="{2273B851-B3DE-6D40-B8AA-4254042ABA86}" type="presOf" srcId="{711021A0-9BE5-0940-BC58-66F14613AB3D}" destId="{9C49BFEE-1E8B-BE41-9993-4BC970561310}" srcOrd="0" destOrd="0" presId="urn:microsoft.com/office/officeart/2005/8/layout/radial5"/>
-    <dgm:cxn modelId="{D0F6DB4C-EA8B-6E4B-AA61-3F2E1953A69D}" type="presOf" srcId="{D2DBB98F-707F-554E-B671-2A889B408112}" destId="{E517587D-D0E0-DA42-84B6-46F05DBAD042}" srcOrd="1" destOrd="0" presId="urn:microsoft.com/office/officeart/2005/8/layout/radial5"/>
-    <dgm:cxn modelId="{17273830-1155-CD49-AB18-3EB7636380F6}" srcId="{0BE9100E-BA88-804E-8D64-758F89A32E64}" destId="{06BD4977-0FCA-A549-A1C8-80A27B0DDFA9}" srcOrd="0" destOrd="0" parTransId="{D2DBB98F-707F-554E-B671-2A889B408112}" sibTransId="{B87FB1F1-ABE2-994C-83B6-50D502C4FA7B}"/>
-    <dgm:cxn modelId="{805C152F-43CD-E542-85AA-496097CBD40E}" srcId="{0BE9100E-BA88-804E-8D64-758F89A32E64}" destId="{F64F6941-A29A-2B42-9440-12DF7C123AD9}" srcOrd="1" destOrd="0" parTransId="{7B136662-C2EA-F348-8C07-D2AA06B9FAD6}" sibTransId="{C4FBFA1E-5259-BD4A-827D-4DED0074700B}"/>
     <dgm:cxn modelId="{D5DECE14-5A69-0F48-9C0F-0267074CEBE2}" type="presParOf" srcId="{9C49BFEE-1E8B-BE41-9993-4BC970561310}" destId="{E9B3EFE5-2655-5443-88AD-8EDA201C4ECF}" srcOrd="0" destOrd="0" presId="urn:microsoft.com/office/officeart/2005/8/layout/radial5"/>
     <dgm:cxn modelId="{0577BCEC-92E3-4644-8577-032151C4B0DD}" type="presParOf" srcId="{9C49BFEE-1E8B-BE41-9993-4BC970561310}" destId="{C329B5B2-E90F-5B4A-991A-8FC1B4192D25}" srcOrd="1" destOrd="0" presId="urn:microsoft.com/office/officeart/2005/8/layout/radial5"/>
     <dgm:cxn modelId="{AE1A14CD-0015-7348-B728-91DA8C057BE3}" type="presParOf" srcId="{C329B5B2-E90F-5B4A-991A-8FC1B4192D25}" destId="{E517587D-D0E0-DA42-84B6-46F05DBAD042}" srcOrd="0" destOrd="0" presId="urn:microsoft.com/office/officeart/2005/8/layout/radial5"/>
@@ -6062,7 +6062,7 @@
   <dgm:whole/>
   <dgm:extLst>
     <a:ext uri="http://schemas.microsoft.com/office/drawing/2008/diagram">
-      <dsp:dataModelExt xmlns:dsp="http://schemas.microsoft.com/office/drawing/2008/diagram" relId="rId7" minVer="http://schemas.openxmlformats.org/drawingml/2006/diagram"/>
+      <dsp:dataModelExt xmlns:dsp="http://schemas.microsoft.com/office/drawing/2008/diagram" xmlns="" relId="rId7" minVer="http://schemas.openxmlformats.org/drawingml/2006/diagram"/>
     </a:ext>
   </dgm:extLst>
 </dgm:dataModel>
@@ -6432,21 +6432,21 @@
     </dgm:pt>
   </dgm:ptLst>
   <dgm:cxnLst>
+    <dgm:cxn modelId="{9146809A-BFA5-2946-8957-3F839F8665A9}" type="presOf" srcId="{711021A0-9BE5-0940-BC58-66F14613AB3D}" destId="{9C49BFEE-1E8B-BE41-9993-4BC970561310}" srcOrd="0" destOrd="0" presId="urn:microsoft.com/office/officeart/2005/8/layout/radial5"/>
+    <dgm:cxn modelId="{0D176581-190B-AF43-935A-59DBB5C06C83}" type="presOf" srcId="{0BE9100E-BA88-804E-8D64-758F89A32E64}" destId="{E9B3EFE5-2655-5443-88AD-8EDA201C4ECF}" srcOrd="0" destOrd="0" presId="urn:microsoft.com/office/officeart/2005/8/layout/radial5"/>
+    <dgm:cxn modelId="{805C152F-43CD-E542-85AA-496097CBD40E}" srcId="{0BE9100E-BA88-804E-8D64-758F89A32E64}" destId="{F64F6941-A29A-2B42-9440-12DF7C123AD9}" srcOrd="1" destOrd="0" parTransId="{7B136662-C2EA-F348-8C07-D2AA06B9FAD6}" sibTransId="{C4FBFA1E-5259-BD4A-827D-4DED0074700B}"/>
+    <dgm:cxn modelId="{1E65523C-1B01-C447-9ECE-32C1A15195A0}" srcId="{711021A0-9BE5-0940-BC58-66F14613AB3D}" destId="{0BE9100E-BA88-804E-8D64-758F89A32E64}" srcOrd="0" destOrd="0" parTransId="{E7615F51-AA3C-2A4C-B335-635A9C825943}" sibTransId="{0A6516BC-3B62-B644-8505-846054D85B36}"/>
+    <dgm:cxn modelId="{27DE02A5-4F83-BE4D-BA12-AB03508BDA69}" type="presOf" srcId="{06BD4977-0FCA-A549-A1C8-80A27B0DDFA9}" destId="{E63D1589-15EC-7245-84B0-59F57218363C}" srcOrd="0" destOrd="0" presId="urn:microsoft.com/office/officeart/2005/8/layout/radial5"/>
+    <dgm:cxn modelId="{8548DE5C-FE40-C743-8005-0F4FB4E5E572}" type="presOf" srcId="{D2DBB98F-707F-554E-B671-2A889B408112}" destId="{E517587D-D0E0-DA42-84B6-46F05DBAD042}" srcOrd="1" destOrd="0" presId="urn:microsoft.com/office/officeart/2005/8/layout/radial5"/>
+    <dgm:cxn modelId="{32CDAF54-C802-9741-9F0F-87418122614B}" type="presOf" srcId="{5BE97988-44D9-624E-8E10-201926E8D67B}" destId="{252EB804-E907-854D-9BB2-D0BF11AF3EC4}" srcOrd="1" destOrd="0" presId="urn:microsoft.com/office/officeart/2005/8/layout/radial5"/>
+    <dgm:cxn modelId="{623A76ED-B849-064A-A280-D4E34325D982}" type="presOf" srcId="{27FD9694-2A89-7345-8831-0A537BFB40E9}" destId="{4D2DAA32-605F-8A45-AE11-4BB1939DFA85}" srcOrd="0" destOrd="0" presId="urn:microsoft.com/office/officeart/2005/8/layout/radial5"/>
+    <dgm:cxn modelId="{7A0F69B2-AB01-A74E-AFED-E935767FE3E7}" type="presOf" srcId="{F64F6941-A29A-2B42-9440-12DF7C123AD9}" destId="{FDBDBB6E-D5CF-EF4B-AEA6-EA99398FEDF5}" srcOrd="0" destOrd="0" presId="urn:microsoft.com/office/officeart/2005/8/layout/radial5"/>
+    <dgm:cxn modelId="{17273830-1155-CD49-AB18-3EB7636380F6}" srcId="{0BE9100E-BA88-804E-8D64-758F89A32E64}" destId="{06BD4977-0FCA-A549-A1C8-80A27B0DDFA9}" srcOrd="0" destOrd="0" parTransId="{D2DBB98F-707F-554E-B671-2A889B408112}" sibTransId="{B87FB1F1-ABE2-994C-83B6-50D502C4FA7B}"/>
+    <dgm:cxn modelId="{11B6754C-1ACC-544B-A75E-890FE0FC5FBD}" type="presOf" srcId="{7B136662-C2EA-F348-8C07-D2AA06B9FAD6}" destId="{D7AE7219-C472-6C4D-9CE8-996041C59F44}" srcOrd="1" destOrd="0" presId="urn:microsoft.com/office/officeart/2005/8/layout/radial5"/>
     <dgm:cxn modelId="{050E0276-A18D-5547-9879-C51C931001A9}" srcId="{0BE9100E-BA88-804E-8D64-758F89A32E64}" destId="{27FD9694-2A89-7345-8831-0A537BFB40E9}" srcOrd="2" destOrd="0" parTransId="{5BE97988-44D9-624E-8E10-201926E8D67B}" sibTransId="{701999CD-5E10-2646-BAC2-4022F4D1E1D6}"/>
-    <dgm:cxn modelId="{0D176581-190B-AF43-935A-59DBB5C06C83}" type="presOf" srcId="{0BE9100E-BA88-804E-8D64-758F89A32E64}" destId="{E9B3EFE5-2655-5443-88AD-8EDA201C4ECF}" srcOrd="0" destOrd="0" presId="urn:microsoft.com/office/officeart/2005/8/layout/radial5"/>
-    <dgm:cxn modelId="{11B6754C-1ACC-544B-A75E-890FE0FC5FBD}" type="presOf" srcId="{7B136662-C2EA-F348-8C07-D2AA06B9FAD6}" destId="{D7AE7219-C472-6C4D-9CE8-996041C59F44}" srcOrd="1" destOrd="0" presId="urn:microsoft.com/office/officeart/2005/8/layout/radial5"/>
-    <dgm:cxn modelId="{27DE02A5-4F83-BE4D-BA12-AB03508BDA69}" type="presOf" srcId="{06BD4977-0FCA-A549-A1C8-80A27B0DDFA9}" destId="{E63D1589-15EC-7245-84B0-59F57218363C}" srcOrd="0" destOrd="0" presId="urn:microsoft.com/office/officeart/2005/8/layout/radial5"/>
-    <dgm:cxn modelId="{9146809A-BFA5-2946-8957-3F839F8665A9}" type="presOf" srcId="{711021A0-9BE5-0940-BC58-66F14613AB3D}" destId="{9C49BFEE-1E8B-BE41-9993-4BC970561310}" srcOrd="0" destOrd="0" presId="urn:microsoft.com/office/officeart/2005/8/layout/radial5"/>
-    <dgm:cxn modelId="{623A76ED-B849-064A-A280-D4E34325D982}" type="presOf" srcId="{27FD9694-2A89-7345-8831-0A537BFB40E9}" destId="{4D2DAA32-605F-8A45-AE11-4BB1939DFA85}" srcOrd="0" destOrd="0" presId="urn:microsoft.com/office/officeart/2005/8/layout/radial5"/>
-    <dgm:cxn modelId="{1E65523C-1B01-C447-9ECE-32C1A15195A0}" srcId="{711021A0-9BE5-0940-BC58-66F14613AB3D}" destId="{0BE9100E-BA88-804E-8D64-758F89A32E64}" srcOrd="0" destOrd="0" parTransId="{E7615F51-AA3C-2A4C-B335-635A9C825943}" sibTransId="{0A6516BC-3B62-B644-8505-846054D85B36}"/>
     <dgm:cxn modelId="{C6820641-551A-7E43-B0F1-889D31AD6E8D}" type="presOf" srcId="{5BE97988-44D9-624E-8E10-201926E8D67B}" destId="{4B2FA548-BB8D-524F-AE76-05AE8DF482C7}" srcOrd="0" destOrd="0" presId="urn:microsoft.com/office/officeart/2005/8/layout/radial5"/>
-    <dgm:cxn modelId="{32CDAF54-C802-9741-9F0F-87418122614B}" type="presOf" srcId="{5BE97988-44D9-624E-8E10-201926E8D67B}" destId="{252EB804-E907-854D-9BB2-D0BF11AF3EC4}" srcOrd="1" destOrd="0" presId="urn:microsoft.com/office/officeart/2005/8/layout/radial5"/>
     <dgm:cxn modelId="{4E1261B0-3823-614F-8A91-61573EAE3F74}" type="presOf" srcId="{D2DBB98F-707F-554E-B671-2A889B408112}" destId="{C329B5B2-E90F-5B4A-991A-8FC1B4192D25}" srcOrd="0" destOrd="0" presId="urn:microsoft.com/office/officeart/2005/8/layout/radial5"/>
     <dgm:cxn modelId="{DE5B5599-0A80-944A-B9FD-13B7FE499AC7}" type="presOf" srcId="{7B136662-C2EA-F348-8C07-D2AA06B9FAD6}" destId="{3363E7E5-BBD1-1042-8106-D7C3196101E1}" srcOrd="0" destOrd="0" presId="urn:microsoft.com/office/officeart/2005/8/layout/radial5"/>
-    <dgm:cxn modelId="{8548DE5C-FE40-C743-8005-0F4FB4E5E572}" type="presOf" srcId="{D2DBB98F-707F-554E-B671-2A889B408112}" destId="{E517587D-D0E0-DA42-84B6-46F05DBAD042}" srcOrd="1" destOrd="0" presId="urn:microsoft.com/office/officeart/2005/8/layout/radial5"/>
-    <dgm:cxn modelId="{17273830-1155-CD49-AB18-3EB7636380F6}" srcId="{0BE9100E-BA88-804E-8D64-758F89A32E64}" destId="{06BD4977-0FCA-A549-A1C8-80A27B0DDFA9}" srcOrd="0" destOrd="0" parTransId="{D2DBB98F-707F-554E-B671-2A889B408112}" sibTransId="{B87FB1F1-ABE2-994C-83B6-50D502C4FA7B}"/>
-    <dgm:cxn modelId="{805C152F-43CD-E542-85AA-496097CBD40E}" srcId="{0BE9100E-BA88-804E-8D64-758F89A32E64}" destId="{F64F6941-A29A-2B42-9440-12DF7C123AD9}" srcOrd="1" destOrd="0" parTransId="{7B136662-C2EA-F348-8C07-D2AA06B9FAD6}" sibTransId="{C4FBFA1E-5259-BD4A-827D-4DED0074700B}"/>
-    <dgm:cxn modelId="{7A0F69B2-AB01-A74E-AFED-E935767FE3E7}" type="presOf" srcId="{F64F6941-A29A-2B42-9440-12DF7C123AD9}" destId="{FDBDBB6E-D5CF-EF4B-AEA6-EA99398FEDF5}" srcOrd="0" destOrd="0" presId="urn:microsoft.com/office/officeart/2005/8/layout/radial5"/>
     <dgm:cxn modelId="{A68BFF25-A8A4-2D4F-8903-C961DD473F7D}" type="presParOf" srcId="{9C49BFEE-1E8B-BE41-9993-4BC970561310}" destId="{E9B3EFE5-2655-5443-88AD-8EDA201C4ECF}" srcOrd="0" destOrd="0" presId="urn:microsoft.com/office/officeart/2005/8/layout/radial5"/>
     <dgm:cxn modelId="{BFE82A6C-F98A-F44E-BA17-53062556107E}" type="presParOf" srcId="{9C49BFEE-1E8B-BE41-9993-4BC970561310}" destId="{C329B5B2-E90F-5B4A-991A-8FC1B4192D25}" srcOrd="1" destOrd="0" presId="urn:microsoft.com/office/officeart/2005/8/layout/radial5"/>
     <dgm:cxn modelId="{C45D6612-D450-944B-8E83-7AD9134BCED8}" type="presParOf" srcId="{C329B5B2-E90F-5B4A-991A-8FC1B4192D25}" destId="{E517587D-D0E0-DA42-84B6-46F05DBAD042}" srcOrd="0" destOrd="0" presId="urn:microsoft.com/office/officeart/2005/8/layout/radial5"/>
@@ -6462,7 +6462,7 @@
   <dgm:whole/>
   <dgm:extLst>
     <a:ext uri="http://schemas.microsoft.com/office/drawing/2008/diagram">
-      <dsp:dataModelExt xmlns:dsp="http://schemas.microsoft.com/office/drawing/2008/diagram" relId="rId7" minVer="http://schemas.openxmlformats.org/drawingml/2006/diagram"/>
+      <dsp:dataModelExt xmlns:dsp="http://schemas.microsoft.com/office/drawing/2008/diagram" xmlns="" relId="rId7" minVer="http://schemas.openxmlformats.org/drawingml/2006/diagram"/>
     </a:ext>
   </dgm:extLst>
 </dgm:dataModel>
@@ -8294,70 +8294,70 @@
     </dgm:pt>
   </dgm:ptLst>
   <dgm:cxnLst>
+    <dgm:cxn modelId="{4FD281DE-D929-1D49-8235-A8B8BB7A13D2}" type="presOf" srcId="{C6134BB7-BDA7-0C46-A754-43E1539FA855}" destId="{7EBE6F90-A15A-2749-A1BA-56DA788768E3}" srcOrd="0" destOrd="0" presId="urn:microsoft.com/office/officeart/2008/layout/HalfCircleOrganizationChart"/>
+    <dgm:cxn modelId="{08CECBF7-6287-D047-B5A9-26116507F5DA}" type="presOf" srcId="{CE325756-8187-E24B-9D16-C0F7E17416A1}" destId="{CD725205-A6B4-7441-8980-896E2CFA45F7}" srcOrd="0" destOrd="0" presId="urn:microsoft.com/office/officeart/2008/layout/HalfCircleOrganizationChart"/>
+    <dgm:cxn modelId="{9BE68AC7-C67F-C04B-B3FE-3838B1A371B5}" type="presOf" srcId="{93D39F01-D7A7-8645-8268-D98F2FB67957}" destId="{CF8D4989-10C2-124D-B56F-AFBF15FE11F1}" srcOrd="1" destOrd="0" presId="urn:microsoft.com/office/officeart/2008/layout/HalfCircleOrganizationChart"/>
+    <dgm:cxn modelId="{41C599B5-20CB-424D-BF0B-FDEDA1BBDC19}" type="presOf" srcId="{80F16AE9-BA8A-194A-A442-FDC9FED80C4D}" destId="{A7C06185-B48B-CC44-B1CA-97A40718CC1A}" srcOrd="1" destOrd="0" presId="urn:microsoft.com/office/officeart/2008/layout/HalfCircleOrganizationChart"/>
+    <dgm:cxn modelId="{6E9813A0-B8B4-F84B-AFD4-B51FF239238A}" type="presOf" srcId="{C7BD36D9-5D57-3644-B269-B9C5C30979A0}" destId="{4C311BA5-01D7-0C4D-8CFE-D37CDB587069}" srcOrd="0" destOrd="0" presId="urn:microsoft.com/office/officeart/2008/layout/HalfCircleOrganizationChart"/>
+    <dgm:cxn modelId="{106FD975-B0B5-F745-8C82-E202107D8F78}" srcId="{C6134BB7-BDA7-0C46-A754-43E1539FA855}" destId="{63ED8B29-B523-CC45-8BC8-D555D91852A3}" srcOrd="0" destOrd="0" parTransId="{FDABD4C3-4BCF-CE4C-B32A-675AC17A417B}" sibTransId="{46A43B54-D464-C247-A352-C58D36BC20A5}"/>
+    <dgm:cxn modelId="{D20F8FD2-F19A-5343-A7DA-4A23883AB0A8}" srcId="{93D39F01-D7A7-8645-8268-D98F2FB67957}" destId="{8298B447-E4CB-9745-8ED7-77501E6A3685}" srcOrd="1" destOrd="0" parTransId="{CAD71EF4-DAE1-444D-9954-630CA9661F52}" sibTransId="{D5D14F7B-6CE5-3A49-8BFC-1FA76539F607}"/>
+    <dgm:cxn modelId="{3CEEAE77-1242-9E42-A20B-B902368D9A27}" type="presOf" srcId="{9AE7D88A-CE81-7E4B-B0B3-E920F572DD11}" destId="{EB332AEA-9F5B-7247-BD2C-ADF9C672632E}" srcOrd="0" destOrd="0" presId="urn:microsoft.com/office/officeart/2008/layout/HalfCircleOrganizationChart"/>
+    <dgm:cxn modelId="{D2D3FE06-08EC-F14D-8413-9A7371ED0AF6}" type="presOf" srcId="{E33975C1-00DE-874F-B6E7-E89FA08C6664}" destId="{F5CF6B98-E79D-BA41-9BBC-D31E86B10EA8}" srcOrd="0" destOrd="0" presId="urn:microsoft.com/office/officeart/2008/layout/HalfCircleOrganizationChart"/>
+    <dgm:cxn modelId="{8C681224-FFE0-CE4C-9C5D-6268A5E41F9D}" srcId="{93D39F01-D7A7-8645-8268-D98F2FB67957}" destId="{80F16AE9-BA8A-194A-A442-FDC9FED80C4D}" srcOrd="0" destOrd="0" parTransId="{BBCD4285-0C47-9049-B9C3-F945428CB954}" sibTransId="{E5FD62A4-16C6-2D46-9F46-4E97BDE142DE}"/>
+    <dgm:cxn modelId="{23575EB2-1440-F74B-81C5-8F13D1EB06B6}" type="presOf" srcId="{E33975C1-00DE-874F-B6E7-E89FA08C6664}" destId="{B2C81A12-E1A8-D544-9DE2-FF1CFDA8AC1D}" srcOrd="1" destOrd="0" presId="urn:microsoft.com/office/officeart/2008/layout/HalfCircleOrganizationChart"/>
+    <dgm:cxn modelId="{7DBFC0E1-382F-FA4B-9ACD-3A353013940A}" type="presOf" srcId="{49706E14-51A7-7A49-94C3-153BB905A5AA}" destId="{C4F021CB-DD4D-DE4D-AF76-3D5926A41C6C}" srcOrd="1" destOrd="0" presId="urn:microsoft.com/office/officeart/2008/layout/HalfCircleOrganizationChart"/>
+    <dgm:cxn modelId="{E2F33C3C-2104-FE45-8AE9-364E0908184F}" type="presOf" srcId="{63ED8B29-B523-CC45-8BC8-D555D91852A3}" destId="{7D91FEA1-2DE5-8D43-AD32-334E72300C89}" srcOrd="1" destOrd="0" presId="urn:microsoft.com/office/officeart/2008/layout/HalfCircleOrganizationChart"/>
+    <dgm:cxn modelId="{64808E8F-F22F-A34B-A5F3-028B54580120}" type="presOf" srcId="{0D019006-AAB0-8441-BBFE-A94C5D068F97}" destId="{7B6C9743-8E16-654D-A281-3C0F65E27843}" srcOrd="1" destOrd="0" presId="urn:microsoft.com/office/officeart/2008/layout/HalfCircleOrganizationChart"/>
+    <dgm:cxn modelId="{D3E882EE-CCDB-1F44-B985-AE13CA9C1FD0}" srcId="{49706E14-51A7-7A49-94C3-153BB905A5AA}" destId="{AB30E957-E4C4-A348-BE2A-BAB96A81C68E}" srcOrd="1" destOrd="0" parTransId="{085B0388-7CF8-6D4A-91D5-3334F6FF34B0}" sibTransId="{14D16C03-7DFF-024C-BF03-8B7F6B996B02}"/>
+    <dgm:cxn modelId="{F56D1D00-89F4-1048-B424-649814829395}" type="presOf" srcId="{844BFB3D-91A8-4C4E-BD4A-ED040FC5BAEC}" destId="{C6DD3C19-5163-7F43-8517-53E0A1254A20}" srcOrd="0" destOrd="0" presId="urn:microsoft.com/office/officeart/2008/layout/HalfCircleOrganizationChart"/>
+    <dgm:cxn modelId="{83030281-DCBF-2649-AD1B-7AAB5CDE7B46}" type="presOf" srcId="{49706E14-51A7-7A49-94C3-153BB905A5AA}" destId="{E1530F26-0C51-5E41-939C-988C655E0101}" srcOrd="0" destOrd="0" presId="urn:microsoft.com/office/officeart/2008/layout/HalfCircleOrganizationChart"/>
+    <dgm:cxn modelId="{F578774D-9C0F-F04C-BF48-4D0C75D1C23D}" srcId="{93D39F01-D7A7-8645-8268-D98F2FB67957}" destId="{C6134BB7-BDA7-0C46-A754-43E1539FA855}" srcOrd="3" destOrd="0" parTransId="{A5659CBF-7354-8B43-AF6C-E393CB185025}" sibTransId="{BC80E2C4-0053-BC41-B5FD-4CF1BC6EC315}"/>
+    <dgm:cxn modelId="{6C24AE3D-2F80-5F47-9199-F9909FF387F7}" type="presOf" srcId="{909714E3-86DA-AB45-9E25-F61DB92D3265}" destId="{53852991-0C91-A54D-BEE5-845A35BCA526}" srcOrd="0" destOrd="0" presId="urn:microsoft.com/office/officeart/2008/layout/HalfCircleOrganizationChart"/>
+    <dgm:cxn modelId="{27786722-9DD1-B340-8616-F974D6998EA5}" type="presOf" srcId="{A5659CBF-7354-8B43-AF6C-E393CB185025}" destId="{8B2F67F6-6D69-2D46-B0E8-74FB4E55C4DC}" srcOrd="0" destOrd="0" presId="urn:microsoft.com/office/officeart/2008/layout/HalfCircleOrganizationChart"/>
+    <dgm:cxn modelId="{AA304A5D-B89E-6D41-92A7-D5C10D358F5A}" srcId="{909714E3-86DA-AB45-9E25-F61DB92D3265}" destId="{844BFB3D-91A8-4C4E-BD4A-ED040FC5BAEC}" srcOrd="0" destOrd="0" parTransId="{4537D776-A602-B040-8E9E-5DFCE24F21E7}" sibTransId="{12A19EBF-2C87-B147-9DCE-3B0C27F4201A}"/>
+    <dgm:cxn modelId="{F23F8D6A-274F-374C-82ED-9CF9E9AA0015}" type="presOf" srcId="{98DA013F-EE79-7C42-863F-13A53D099995}" destId="{C9600E08-C700-104F-AC38-D611C7C39124}" srcOrd="0" destOrd="0" presId="urn:microsoft.com/office/officeart/2008/layout/HalfCircleOrganizationChart"/>
+    <dgm:cxn modelId="{D9C10984-1457-AE47-8F36-7C70B4A35339}" type="presOf" srcId="{085B0388-7CF8-6D4A-91D5-3334F6FF34B0}" destId="{287622B6-5AB8-EE4A-918A-190B3DD0E47C}" srcOrd="0" destOrd="0" presId="urn:microsoft.com/office/officeart/2008/layout/HalfCircleOrganizationChart"/>
+    <dgm:cxn modelId="{AA18657F-C5DA-3B4F-A775-9E4EDB9C9ACF}" srcId="{49706E14-51A7-7A49-94C3-153BB905A5AA}" destId="{B30AF451-210A-0648-921F-5E9AEEDAF2DE}" srcOrd="0" destOrd="0" parTransId="{52E8E076-B56D-884A-9709-740E25DA0ADD}" sibTransId="{5A8FC4BE-FCA8-824D-8118-6AF5E5E63434}"/>
+    <dgm:cxn modelId="{DA06EB10-6908-5046-AB8D-EF950B893EC0}" type="presOf" srcId="{93D39F01-D7A7-8645-8268-D98F2FB67957}" destId="{9F8A746C-382D-904A-942A-0C06E726BBA0}" srcOrd="0" destOrd="0" presId="urn:microsoft.com/office/officeart/2008/layout/HalfCircleOrganizationChart"/>
+    <dgm:cxn modelId="{DD0BA552-D830-C34B-961E-FF22AAF7EECB}" srcId="{4F0E1DFC-8BCE-4B48-800B-CA949BBBA04D}" destId="{E33975C1-00DE-874F-B6E7-E89FA08C6664}" srcOrd="0" destOrd="0" parTransId="{215540F3-7E05-6A49-B154-8CA7C04E2D9E}" sibTransId="{365954CF-49F8-6543-A28B-9ECB70AB5466}"/>
+    <dgm:cxn modelId="{C737DD64-6341-E143-9333-01D8D3CCF4C3}" srcId="{4F0E1DFC-8BCE-4B48-800B-CA949BBBA04D}" destId="{9AE7D88A-CE81-7E4B-B0B3-E920F572DD11}" srcOrd="1" destOrd="0" parTransId="{C7BD36D9-5D57-3644-B269-B9C5C30979A0}" sibTransId="{8F3EEFC9-CAC1-6F4F-8CB1-5F4BCBA8987D}"/>
+    <dgm:cxn modelId="{B1FFF42D-EC1C-E34F-A21F-98EF148F0407}" type="presOf" srcId="{0D019006-AAB0-8441-BBFE-A94C5D068F97}" destId="{42ACABE2-DAD8-5640-9308-8CA18259477B}" srcOrd="0" destOrd="0" presId="urn:microsoft.com/office/officeart/2008/layout/HalfCircleOrganizationChart"/>
+    <dgm:cxn modelId="{C30641F1-B180-BF43-880C-3E41908886D0}" type="presOf" srcId="{D8AFF4E4-E91B-224B-837C-C84AE80358B6}" destId="{FEDAE610-A231-6041-AEA0-9A73FF3CBF51}" srcOrd="1" destOrd="0" presId="urn:microsoft.com/office/officeart/2008/layout/HalfCircleOrganizationChart"/>
+    <dgm:cxn modelId="{9BED379C-ED0B-604A-BCD7-A16A0FB5E76F}" type="presOf" srcId="{80F16AE9-BA8A-194A-A442-FDC9FED80C4D}" destId="{EBCDB603-880E-FA49-8814-542DC0CFC6F3}" srcOrd="0" destOrd="0" presId="urn:microsoft.com/office/officeart/2008/layout/HalfCircleOrganizationChart"/>
+    <dgm:cxn modelId="{3BB7F303-33EE-2443-B18F-274EFF243562}" type="presOf" srcId="{BBCD4285-0C47-9049-B9C3-F945428CB954}" destId="{CE0C1BE6-C747-0042-AB4E-36DC42FD71B2}" srcOrd="0" destOrd="0" presId="urn:microsoft.com/office/officeart/2008/layout/HalfCircleOrganizationChart"/>
+    <dgm:cxn modelId="{EE3A5D3B-9238-D04B-9FD4-EC2E4CC1A6B1}" srcId="{8298B447-E4CB-9745-8ED7-77501E6A3685}" destId="{CE325756-8187-E24B-9D16-C0F7E17416A1}" srcOrd="1" destOrd="0" parTransId="{608B68AC-6184-2845-972A-4B3FCBFAEFDE}" sibTransId="{D67372BD-57C0-B348-8475-B1FA4DEDD557}"/>
+    <dgm:cxn modelId="{C88D5B2D-E320-204C-BA4D-366D70F3570E}" type="presOf" srcId="{9AE7D88A-CE81-7E4B-B0B3-E920F572DD11}" destId="{BBC8658B-D3D6-B84D-8495-46F7A487B1CB}" srcOrd="1" destOrd="0" presId="urn:microsoft.com/office/officeart/2008/layout/HalfCircleOrganizationChart"/>
+    <dgm:cxn modelId="{6855BF36-B77C-474D-AAAD-6015AA4607B3}" type="presOf" srcId="{AB30E957-E4C4-A348-BE2A-BAB96A81C68E}" destId="{1F1DCA84-AB96-414B-AC76-40448C2A762A}" srcOrd="0" destOrd="0" presId="urn:microsoft.com/office/officeart/2008/layout/HalfCircleOrganizationChart"/>
+    <dgm:cxn modelId="{E63E298D-C777-244C-9F76-2F1C6C2D85AB}" srcId="{844BFB3D-91A8-4C4E-BD4A-ED040FC5BAEC}" destId="{93D39F01-D7A7-8645-8268-D98F2FB67957}" srcOrd="0" destOrd="0" parTransId="{49E1D0BD-0B22-344E-9E61-9EE0E8CB8F16}" sibTransId="{0DB39949-F4BC-5249-8FA6-653104FE55EC}"/>
+    <dgm:cxn modelId="{14D9290F-BACC-BF45-86EA-5F396031235D}" type="presOf" srcId="{80C75DA2-3DFC-9745-9652-EB9426A77244}" destId="{BDFB205B-D8F5-1040-89D2-DCDD073B6DA6}" srcOrd="0" destOrd="0" presId="urn:microsoft.com/office/officeart/2008/layout/HalfCircleOrganizationChart"/>
+    <dgm:cxn modelId="{F800AA62-3E9D-F847-950C-A592EC311BCA}" type="presOf" srcId="{0A81C799-E59D-6144-A34D-9C108A11A59A}" destId="{5FE8C360-710C-794E-A4F8-244C905FEA13}" srcOrd="0" destOrd="0" presId="urn:microsoft.com/office/officeart/2008/layout/HalfCircleOrganizationChart"/>
+    <dgm:cxn modelId="{F69F16BD-1294-5F40-922D-797928169C29}" type="presOf" srcId="{0BDE024E-0B32-3A4B-90CA-2602D9221BEF}" destId="{4D98ECEC-D05A-2F4B-9248-54EE13156C92}" srcOrd="0" destOrd="0" presId="urn:microsoft.com/office/officeart/2008/layout/HalfCircleOrganizationChart"/>
+    <dgm:cxn modelId="{5E0120AD-97CE-154B-AFF6-5C5752383A06}" type="presOf" srcId="{844BFB3D-91A8-4C4E-BD4A-ED040FC5BAEC}" destId="{168F479F-86B8-7147-9E64-9484FFD61BF8}" srcOrd="1" destOrd="0" presId="urn:microsoft.com/office/officeart/2008/layout/HalfCircleOrganizationChart"/>
+    <dgm:cxn modelId="{A493025B-FD17-4841-923C-92F812D76B07}" type="presOf" srcId="{CAD71EF4-DAE1-444D-9954-630CA9661F52}" destId="{36C10B0D-FA8D-8941-BDCA-710FD6F4870B}" srcOrd="0" destOrd="0" presId="urn:microsoft.com/office/officeart/2008/layout/HalfCircleOrganizationChart"/>
+    <dgm:cxn modelId="{00E47490-AB71-6544-B9FC-D997363F2333}" type="presOf" srcId="{63ED8B29-B523-CC45-8BC8-D555D91852A3}" destId="{DEDDB231-FAF1-EC42-93DE-86B91BE34348}" srcOrd="0" destOrd="0" presId="urn:microsoft.com/office/officeart/2008/layout/HalfCircleOrganizationChart"/>
+    <dgm:cxn modelId="{CEB3CB0C-26F5-BA40-9579-AE21EBDC7876}" type="presOf" srcId="{C6134BB7-BDA7-0C46-A754-43E1539FA855}" destId="{C8310978-5AC6-1741-BD2E-E108D3D9F4EE}" srcOrd="1" destOrd="0" presId="urn:microsoft.com/office/officeart/2008/layout/HalfCircleOrganizationChart"/>
+    <dgm:cxn modelId="{2BACFF86-D55A-7449-A82A-95B342DBC528}" type="presOf" srcId="{49E1D0BD-0B22-344E-9E61-9EE0E8CB8F16}" destId="{00C989B8-2A6F-024C-8B4C-D58A7FD85D16}" srcOrd="0" destOrd="0" presId="urn:microsoft.com/office/officeart/2008/layout/HalfCircleOrganizationChart"/>
+    <dgm:cxn modelId="{AF0A248B-D588-824F-9FE4-DCB1052DF205}" type="presOf" srcId="{D8AFF4E4-E91B-224B-837C-C84AE80358B6}" destId="{12C48166-73C4-9747-85E1-F24FF4C289FE}" srcOrd="0" destOrd="0" presId="urn:microsoft.com/office/officeart/2008/layout/HalfCircleOrganizationChart"/>
     <dgm:cxn modelId="{DD3605EC-E0E6-1147-A919-EF03088F5392}" type="presOf" srcId="{8298B447-E4CB-9745-8ED7-77501E6A3685}" destId="{D9959AE0-881A-B044-92B7-A17E91CB2B63}" srcOrd="1" destOrd="0" presId="urn:microsoft.com/office/officeart/2008/layout/HalfCircleOrganizationChart"/>
-    <dgm:cxn modelId="{D9C10984-1457-AE47-8F36-7C70B4A35339}" type="presOf" srcId="{085B0388-7CF8-6D4A-91D5-3334F6FF34B0}" destId="{287622B6-5AB8-EE4A-918A-190B3DD0E47C}" srcOrd="0" destOrd="0" presId="urn:microsoft.com/office/officeart/2008/layout/HalfCircleOrganizationChart"/>
-    <dgm:cxn modelId="{D2D3FE06-08EC-F14D-8413-9A7371ED0AF6}" type="presOf" srcId="{E33975C1-00DE-874F-B6E7-E89FA08C6664}" destId="{F5CF6B98-E79D-BA41-9BBC-D31E86B10EA8}" srcOrd="0" destOrd="0" presId="urn:microsoft.com/office/officeart/2008/layout/HalfCircleOrganizationChart"/>
-    <dgm:cxn modelId="{AA18657F-C5DA-3B4F-A775-9E4EDB9C9ACF}" srcId="{49706E14-51A7-7A49-94C3-153BB905A5AA}" destId="{B30AF451-210A-0648-921F-5E9AEEDAF2DE}" srcOrd="0" destOrd="0" parTransId="{52E8E076-B56D-884A-9709-740E25DA0ADD}" sibTransId="{5A8FC4BE-FCA8-824D-8118-6AF5E5E63434}"/>
-    <dgm:cxn modelId="{C88D5B2D-E320-204C-BA4D-366D70F3570E}" type="presOf" srcId="{9AE7D88A-CE81-7E4B-B0B3-E920F572DD11}" destId="{BBC8658B-D3D6-B84D-8495-46F7A487B1CB}" srcOrd="1" destOrd="0" presId="urn:microsoft.com/office/officeart/2008/layout/HalfCircleOrganizationChart"/>
+    <dgm:cxn modelId="{D4521A9C-77BF-BB4D-A64D-5B6711A0CF8F}" type="presOf" srcId="{52E8E076-B56D-884A-9709-740E25DA0ADD}" destId="{31792343-F598-144A-9752-6534AC3D2EB6}" srcOrd="0" destOrd="0" presId="urn:microsoft.com/office/officeart/2008/layout/HalfCircleOrganizationChart"/>
+    <dgm:cxn modelId="{364CE470-29AB-9F4D-A5B7-C5F1247441C5}" type="presOf" srcId="{4F0E1DFC-8BCE-4B48-800B-CA949BBBA04D}" destId="{E00797FE-1822-5E4B-A497-5787826B496C}" srcOrd="1" destOrd="0" presId="urn:microsoft.com/office/officeart/2008/layout/HalfCircleOrganizationChart"/>
+    <dgm:cxn modelId="{693C8E88-266C-4440-A5A1-CF5A3306E709}" type="presOf" srcId="{AB30E957-E4C4-A348-BE2A-BAB96A81C68E}" destId="{BBBAB8C5-0DE5-3643-9777-22B2C3953BB4}" srcOrd="1" destOrd="0" presId="urn:microsoft.com/office/officeart/2008/layout/HalfCircleOrganizationChart"/>
+    <dgm:cxn modelId="{33BE7E8C-EE5C-674A-9092-7ADA8AE5A572}" type="presOf" srcId="{4F0E1DFC-8BCE-4B48-800B-CA949BBBA04D}" destId="{85CB4ABC-A628-3445-AEF3-C002677DEE81}" srcOrd="0" destOrd="0" presId="urn:microsoft.com/office/officeart/2008/layout/HalfCircleOrganizationChart"/>
+    <dgm:cxn modelId="{FD049B0A-55A3-6B4D-8A6B-B7833B1D316A}" type="presOf" srcId="{D5332F42-32EF-AB48-AD03-80A410546265}" destId="{1311BC5E-D9C9-D741-AAEC-ABF686C2C38A}" srcOrd="0" destOrd="0" presId="urn:microsoft.com/office/officeart/2008/layout/HalfCircleOrganizationChart"/>
+    <dgm:cxn modelId="{477FE72F-2761-D74D-B0D5-013439A606A9}" srcId="{844BFB3D-91A8-4C4E-BD4A-ED040FC5BAEC}" destId="{4F0E1DFC-8BCE-4B48-800B-CA949BBBA04D}" srcOrd="2" destOrd="0" parTransId="{0BDE024E-0B32-3A4B-90CA-2602D9221BEF}" sibTransId="{A7DAC283-A0CE-634E-95D7-4BA1AD4217AC}"/>
+    <dgm:cxn modelId="{FC0C8935-80A2-3646-B2D8-4F661DEED977}" type="presOf" srcId="{608B68AC-6184-2845-972A-4B3FCBFAEFDE}" destId="{0688E2E5-E36E-CD41-90CA-C2EFE1C6A421}" srcOrd="0" destOrd="0" presId="urn:microsoft.com/office/officeart/2008/layout/HalfCircleOrganizationChart"/>
+    <dgm:cxn modelId="{00BF2522-1281-A14F-A974-B2785340E904}" type="presOf" srcId="{B30AF451-210A-0648-921F-5E9AEEDAF2DE}" destId="{F11A1292-5ED6-1440-B858-78C401006084}" srcOrd="0" destOrd="0" presId="urn:microsoft.com/office/officeart/2008/layout/HalfCircleOrganizationChart"/>
+    <dgm:cxn modelId="{F9C412D7-EB54-C44A-A738-15F2EFF648E3}" type="presOf" srcId="{215540F3-7E05-6A49-B154-8CA7C04E2D9E}" destId="{45B3F5BB-3D9D-4C4A-875D-CDB62129165E}" srcOrd="0" destOrd="0" presId="urn:microsoft.com/office/officeart/2008/layout/HalfCircleOrganizationChart"/>
+    <dgm:cxn modelId="{5C09D1C5-8487-3948-9892-6F365AA22185}" type="presOf" srcId="{8298B447-E4CB-9745-8ED7-77501E6A3685}" destId="{905CAC0D-7F33-1449-BADB-62381662CE68}" srcOrd="0" destOrd="0" presId="urn:microsoft.com/office/officeart/2008/layout/HalfCircleOrganizationChart"/>
+    <dgm:cxn modelId="{00C436E6-819E-B545-927A-D5C455C3DA14}" type="presOf" srcId="{98DA013F-EE79-7C42-863F-13A53D099995}" destId="{8CE25388-9AEE-CD47-96F2-1D17F9B275B0}" srcOrd="1" destOrd="0" presId="urn:microsoft.com/office/officeart/2008/layout/HalfCircleOrganizationChart"/>
+    <dgm:cxn modelId="{BDFC5990-4BA2-044D-A80E-778CD5988E86}" type="presOf" srcId="{B30AF451-210A-0648-921F-5E9AEEDAF2DE}" destId="{3C62D288-5135-3843-B4BF-5612B8C9AE21}" srcOrd="1" destOrd="0" presId="urn:microsoft.com/office/officeart/2008/layout/HalfCircleOrganizationChart"/>
+    <dgm:cxn modelId="{73DDE0A0-4018-2048-B08B-2C9A07B8DFE8}" srcId="{8298B447-E4CB-9745-8ED7-77501E6A3685}" destId="{D8AFF4E4-E91B-224B-837C-C84AE80358B6}" srcOrd="0" destOrd="0" parTransId="{80C75DA2-3DFC-9745-9652-EB9426A77244}" sibTransId="{E0F4A5A6-4AB7-6F4A-BACB-94BDE9948FF7}"/>
+    <dgm:cxn modelId="{8784257A-931C-6946-8A5D-D3FB9E3E1614}" type="presOf" srcId="{FDABD4C3-4BCF-CE4C-B32A-675AC17A417B}" destId="{DDCA22CA-929D-7C40-96BB-37100ACE0295}" srcOrd="0" destOrd="0" presId="urn:microsoft.com/office/officeart/2008/layout/HalfCircleOrganizationChart"/>
+    <dgm:cxn modelId="{F0FF4423-BE03-0D4A-BCEC-7AA1E3EE3DCB}" type="presOf" srcId="{65CCBA4C-DDBE-D84E-8969-B24D3209E98D}" destId="{6F485D36-FC42-F942-B8C4-A56269F4E5A8}" srcOrd="0" destOrd="0" presId="urn:microsoft.com/office/officeart/2008/layout/HalfCircleOrganizationChart"/>
+    <dgm:cxn modelId="{515F2638-E768-7744-B538-E2A1F11AC868}" srcId="{844BFB3D-91A8-4C4E-BD4A-ED040FC5BAEC}" destId="{49706E14-51A7-7A49-94C3-153BB905A5AA}" srcOrd="1" destOrd="0" parTransId="{0A81C799-E59D-6144-A34D-9C108A11A59A}" sibTransId="{270DD2F7-B300-D54E-B6DD-985FE48232A9}"/>
+    <dgm:cxn modelId="{972EA66D-7BF5-A04F-99BB-CE73A81555F5}" type="presOf" srcId="{CE325756-8187-E24B-9D16-C0F7E17416A1}" destId="{CC278C6E-CAAB-6742-BE0A-70EC49533CC3}" srcOrd="1" destOrd="0" presId="urn:microsoft.com/office/officeart/2008/layout/HalfCircleOrganizationChart"/>
+    <dgm:cxn modelId="{3D6A8EA9-292D-DC48-AF37-4D2752978780}" srcId="{93D39F01-D7A7-8645-8268-D98F2FB67957}" destId="{0D019006-AAB0-8441-BBFE-A94C5D068F97}" srcOrd="2" destOrd="0" parTransId="{65CCBA4C-DDBE-D84E-8969-B24D3209E98D}" sibTransId="{1C99DB65-F15F-0C46-B7AA-F11A4272B1F1}"/>
     <dgm:cxn modelId="{FFECB3E4-098F-414D-B1EA-F8D7E9519AD3}" srcId="{C6134BB7-BDA7-0C46-A754-43E1539FA855}" destId="{98DA013F-EE79-7C42-863F-13A53D099995}" srcOrd="1" destOrd="0" parTransId="{D5332F42-32EF-AB48-AD03-80A410546265}" sibTransId="{AED8B962-FCE2-C647-81A2-2A25FD331754}"/>
-    <dgm:cxn modelId="{7DBFC0E1-382F-FA4B-9ACD-3A353013940A}" type="presOf" srcId="{49706E14-51A7-7A49-94C3-153BB905A5AA}" destId="{C4F021CB-DD4D-DE4D-AF76-3D5926A41C6C}" srcOrd="1" destOrd="0" presId="urn:microsoft.com/office/officeart/2008/layout/HalfCircleOrganizationChart"/>
-    <dgm:cxn modelId="{5C09D1C5-8487-3948-9892-6F365AA22185}" type="presOf" srcId="{8298B447-E4CB-9745-8ED7-77501E6A3685}" destId="{905CAC0D-7F33-1449-BADB-62381662CE68}" srcOrd="0" destOrd="0" presId="urn:microsoft.com/office/officeart/2008/layout/HalfCircleOrganizationChart"/>
-    <dgm:cxn modelId="{BDFC5990-4BA2-044D-A80E-778CD5988E86}" type="presOf" srcId="{B30AF451-210A-0648-921F-5E9AEEDAF2DE}" destId="{3C62D288-5135-3843-B4BF-5612B8C9AE21}" srcOrd="1" destOrd="0" presId="urn:microsoft.com/office/officeart/2008/layout/HalfCircleOrganizationChart"/>
-    <dgm:cxn modelId="{C737DD64-6341-E143-9333-01D8D3CCF4C3}" srcId="{4F0E1DFC-8BCE-4B48-800B-CA949BBBA04D}" destId="{9AE7D88A-CE81-7E4B-B0B3-E920F572DD11}" srcOrd="1" destOrd="0" parTransId="{C7BD36D9-5D57-3644-B269-B9C5C30979A0}" sibTransId="{8F3EEFC9-CAC1-6F4F-8CB1-5F4BCBA8987D}"/>
-    <dgm:cxn modelId="{F56D1D00-89F4-1048-B424-649814829395}" type="presOf" srcId="{844BFB3D-91A8-4C4E-BD4A-ED040FC5BAEC}" destId="{C6DD3C19-5163-7F43-8517-53E0A1254A20}" srcOrd="0" destOrd="0" presId="urn:microsoft.com/office/officeart/2008/layout/HalfCircleOrganizationChart"/>
-    <dgm:cxn modelId="{E2F33C3C-2104-FE45-8AE9-364E0908184F}" type="presOf" srcId="{63ED8B29-B523-CC45-8BC8-D555D91852A3}" destId="{7D91FEA1-2DE5-8D43-AD32-334E72300C89}" srcOrd="1" destOrd="0" presId="urn:microsoft.com/office/officeart/2008/layout/HalfCircleOrganizationChart"/>
-    <dgm:cxn modelId="{F0FF4423-BE03-0D4A-BCEC-7AA1E3EE3DCB}" type="presOf" srcId="{65CCBA4C-DDBE-D84E-8969-B24D3209E98D}" destId="{6F485D36-FC42-F942-B8C4-A56269F4E5A8}" srcOrd="0" destOrd="0" presId="urn:microsoft.com/office/officeart/2008/layout/HalfCircleOrganizationChart"/>
-    <dgm:cxn modelId="{00BF2522-1281-A14F-A974-B2785340E904}" type="presOf" srcId="{B30AF451-210A-0648-921F-5E9AEEDAF2DE}" destId="{F11A1292-5ED6-1440-B858-78C401006084}" srcOrd="0" destOrd="0" presId="urn:microsoft.com/office/officeart/2008/layout/HalfCircleOrganizationChart"/>
-    <dgm:cxn modelId="{D3E882EE-CCDB-1F44-B985-AE13CA9C1FD0}" srcId="{49706E14-51A7-7A49-94C3-153BB905A5AA}" destId="{AB30E957-E4C4-A348-BE2A-BAB96A81C68E}" srcOrd="1" destOrd="0" parTransId="{085B0388-7CF8-6D4A-91D5-3334F6FF34B0}" sibTransId="{14D16C03-7DFF-024C-BF03-8B7F6B996B02}"/>
-    <dgm:cxn modelId="{EE3A5D3B-9238-D04B-9FD4-EC2E4CC1A6B1}" srcId="{8298B447-E4CB-9745-8ED7-77501E6A3685}" destId="{CE325756-8187-E24B-9D16-C0F7E17416A1}" srcOrd="1" destOrd="0" parTransId="{608B68AC-6184-2845-972A-4B3FCBFAEFDE}" sibTransId="{D67372BD-57C0-B348-8475-B1FA4DEDD557}"/>
-    <dgm:cxn modelId="{972EA66D-7BF5-A04F-99BB-CE73A81555F5}" type="presOf" srcId="{CE325756-8187-E24B-9D16-C0F7E17416A1}" destId="{CC278C6E-CAAB-6742-BE0A-70EC49533CC3}" srcOrd="1" destOrd="0" presId="urn:microsoft.com/office/officeart/2008/layout/HalfCircleOrganizationChart"/>
-    <dgm:cxn modelId="{27786722-9DD1-B340-8616-F974D6998EA5}" type="presOf" srcId="{A5659CBF-7354-8B43-AF6C-E393CB185025}" destId="{8B2F67F6-6D69-2D46-B0E8-74FB4E55C4DC}" srcOrd="0" destOrd="0" presId="urn:microsoft.com/office/officeart/2008/layout/HalfCircleOrganizationChart"/>
-    <dgm:cxn modelId="{F800AA62-3E9D-F847-950C-A592EC311BCA}" type="presOf" srcId="{0A81C799-E59D-6144-A34D-9C108A11A59A}" destId="{5FE8C360-710C-794E-A4F8-244C905FEA13}" srcOrd="0" destOrd="0" presId="urn:microsoft.com/office/officeart/2008/layout/HalfCircleOrganizationChart"/>
-    <dgm:cxn modelId="{D4521A9C-77BF-BB4D-A64D-5B6711A0CF8F}" type="presOf" srcId="{52E8E076-B56D-884A-9709-740E25DA0ADD}" destId="{31792343-F598-144A-9752-6534AC3D2EB6}" srcOrd="0" destOrd="0" presId="urn:microsoft.com/office/officeart/2008/layout/HalfCircleOrganizationChart"/>
-    <dgm:cxn modelId="{106FD975-B0B5-F745-8C82-E202107D8F78}" srcId="{C6134BB7-BDA7-0C46-A754-43E1539FA855}" destId="{63ED8B29-B523-CC45-8BC8-D555D91852A3}" srcOrd="0" destOrd="0" parTransId="{FDABD4C3-4BCF-CE4C-B32A-675AC17A417B}" sibTransId="{46A43B54-D464-C247-A352-C58D36BC20A5}"/>
-    <dgm:cxn modelId="{00C436E6-819E-B545-927A-D5C455C3DA14}" type="presOf" srcId="{98DA013F-EE79-7C42-863F-13A53D099995}" destId="{8CE25388-9AEE-CD47-96F2-1D17F9B275B0}" srcOrd="1" destOrd="0" presId="urn:microsoft.com/office/officeart/2008/layout/HalfCircleOrganizationChart"/>
-    <dgm:cxn modelId="{F9C412D7-EB54-C44A-A738-15F2EFF648E3}" type="presOf" srcId="{215540F3-7E05-6A49-B154-8CA7C04E2D9E}" destId="{45B3F5BB-3D9D-4C4A-875D-CDB62129165E}" srcOrd="0" destOrd="0" presId="urn:microsoft.com/office/officeart/2008/layout/HalfCircleOrganizationChart"/>
-    <dgm:cxn modelId="{F23F8D6A-274F-374C-82ED-9CF9E9AA0015}" type="presOf" srcId="{98DA013F-EE79-7C42-863F-13A53D099995}" destId="{C9600E08-C700-104F-AC38-D611C7C39124}" srcOrd="0" destOrd="0" presId="urn:microsoft.com/office/officeart/2008/layout/HalfCircleOrganizationChart"/>
-    <dgm:cxn modelId="{F69F16BD-1294-5F40-922D-797928169C29}" type="presOf" srcId="{0BDE024E-0B32-3A4B-90CA-2602D9221BEF}" destId="{4D98ECEC-D05A-2F4B-9248-54EE13156C92}" srcOrd="0" destOrd="0" presId="urn:microsoft.com/office/officeart/2008/layout/HalfCircleOrganizationChart"/>
-    <dgm:cxn modelId="{6855BF36-B77C-474D-AAAD-6015AA4607B3}" type="presOf" srcId="{AB30E957-E4C4-A348-BE2A-BAB96A81C68E}" destId="{1F1DCA84-AB96-414B-AC76-40448C2A762A}" srcOrd="0" destOrd="0" presId="urn:microsoft.com/office/officeart/2008/layout/HalfCircleOrganizationChart"/>
-    <dgm:cxn modelId="{5E0120AD-97CE-154B-AFF6-5C5752383A06}" type="presOf" srcId="{844BFB3D-91A8-4C4E-BD4A-ED040FC5BAEC}" destId="{168F479F-86B8-7147-9E64-9484FFD61BF8}" srcOrd="1" destOrd="0" presId="urn:microsoft.com/office/officeart/2008/layout/HalfCircleOrganizationChart"/>
-    <dgm:cxn modelId="{6E9813A0-B8B4-F84B-AFD4-B51FF239238A}" type="presOf" srcId="{C7BD36D9-5D57-3644-B269-B9C5C30979A0}" destId="{4C311BA5-01D7-0C4D-8CFE-D37CDB587069}" srcOrd="0" destOrd="0" presId="urn:microsoft.com/office/officeart/2008/layout/HalfCircleOrganizationChart"/>
-    <dgm:cxn modelId="{B1FFF42D-EC1C-E34F-A21F-98EF148F0407}" type="presOf" srcId="{0D019006-AAB0-8441-BBFE-A94C5D068F97}" destId="{42ACABE2-DAD8-5640-9308-8CA18259477B}" srcOrd="0" destOrd="0" presId="urn:microsoft.com/office/officeart/2008/layout/HalfCircleOrganizationChart"/>
-    <dgm:cxn modelId="{41C599B5-20CB-424D-BF0B-FDEDA1BBDC19}" type="presOf" srcId="{80F16AE9-BA8A-194A-A442-FDC9FED80C4D}" destId="{A7C06185-B48B-CC44-B1CA-97A40718CC1A}" srcOrd="1" destOrd="0" presId="urn:microsoft.com/office/officeart/2008/layout/HalfCircleOrganizationChart"/>
-    <dgm:cxn modelId="{477FE72F-2761-D74D-B0D5-013439A606A9}" srcId="{844BFB3D-91A8-4C4E-BD4A-ED040FC5BAEC}" destId="{4F0E1DFC-8BCE-4B48-800B-CA949BBBA04D}" srcOrd="2" destOrd="0" parTransId="{0BDE024E-0B32-3A4B-90CA-2602D9221BEF}" sibTransId="{A7DAC283-A0CE-634E-95D7-4BA1AD4217AC}"/>
-    <dgm:cxn modelId="{4FD281DE-D929-1D49-8235-A8B8BB7A13D2}" type="presOf" srcId="{C6134BB7-BDA7-0C46-A754-43E1539FA855}" destId="{7EBE6F90-A15A-2749-A1BA-56DA788768E3}" srcOrd="0" destOrd="0" presId="urn:microsoft.com/office/officeart/2008/layout/HalfCircleOrganizationChart"/>
-    <dgm:cxn modelId="{2BACFF86-D55A-7449-A82A-95B342DBC528}" type="presOf" srcId="{49E1D0BD-0B22-344E-9E61-9EE0E8CB8F16}" destId="{00C989B8-2A6F-024C-8B4C-D58A7FD85D16}" srcOrd="0" destOrd="0" presId="urn:microsoft.com/office/officeart/2008/layout/HalfCircleOrganizationChart"/>
-    <dgm:cxn modelId="{64808E8F-F22F-A34B-A5F3-028B54580120}" type="presOf" srcId="{0D019006-AAB0-8441-BBFE-A94C5D068F97}" destId="{7B6C9743-8E16-654D-A281-3C0F65E27843}" srcOrd="1" destOrd="0" presId="urn:microsoft.com/office/officeart/2008/layout/HalfCircleOrganizationChart"/>
-    <dgm:cxn modelId="{D20F8FD2-F19A-5343-A7DA-4A23883AB0A8}" srcId="{93D39F01-D7A7-8645-8268-D98F2FB67957}" destId="{8298B447-E4CB-9745-8ED7-77501E6A3685}" srcOrd="1" destOrd="0" parTransId="{CAD71EF4-DAE1-444D-9954-630CA9661F52}" sibTransId="{D5D14F7B-6CE5-3A49-8BFC-1FA76539F607}"/>
-    <dgm:cxn modelId="{73DDE0A0-4018-2048-B08B-2C9A07B8DFE8}" srcId="{8298B447-E4CB-9745-8ED7-77501E6A3685}" destId="{D8AFF4E4-E91B-224B-837C-C84AE80358B6}" srcOrd="0" destOrd="0" parTransId="{80C75DA2-3DFC-9745-9652-EB9426A77244}" sibTransId="{E0F4A5A6-4AB7-6F4A-BACB-94BDE9948FF7}"/>
-    <dgm:cxn modelId="{F578774D-9C0F-F04C-BF48-4D0C75D1C23D}" srcId="{93D39F01-D7A7-8645-8268-D98F2FB67957}" destId="{C6134BB7-BDA7-0C46-A754-43E1539FA855}" srcOrd="3" destOrd="0" parTransId="{A5659CBF-7354-8B43-AF6C-E393CB185025}" sibTransId="{BC80E2C4-0053-BC41-B5FD-4CF1BC6EC315}"/>
-    <dgm:cxn modelId="{515F2638-E768-7744-B538-E2A1F11AC868}" srcId="{844BFB3D-91A8-4C4E-BD4A-ED040FC5BAEC}" destId="{49706E14-51A7-7A49-94C3-153BB905A5AA}" srcOrd="1" destOrd="0" parTransId="{0A81C799-E59D-6144-A34D-9C108A11A59A}" sibTransId="{270DD2F7-B300-D54E-B6DD-985FE48232A9}"/>
-    <dgm:cxn modelId="{3CEEAE77-1242-9E42-A20B-B902368D9A27}" type="presOf" srcId="{9AE7D88A-CE81-7E4B-B0B3-E920F572DD11}" destId="{EB332AEA-9F5B-7247-BD2C-ADF9C672632E}" srcOrd="0" destOrd="0" presId="urn:microsoft.com/office/officeart/2008/layout/HalfCircleOrganizationChart"/>
-    <dgm:cxn modelId="{DD0BA552-D830-C34B-961E-FF22AAF7EECB}" srcId="{4F0E1DFC-8BCE-4B48-800B-CA949BBBA04D}" destId="{E33975C1-00DE-874F-B6E7-E89FA08C6664}" srcOrd="0" destOrd="0" parTransId="{215540F3-7E05-6A49-B154-8CA7C04E2D9E}" sibTransId="{365954CF-49F8-6543-A28B-9ECB70AB5466}"/>
-    <dgm:cxn modelId="{364CE470-29AB-9F4D-A5B7-C5F1247441C5}" type="presOf" srcId="{4F0E1DFC-8BCE-4B48-800B-CA949BBBA04D}" destId="{E00797FE-1822-5E4B-A497-5787826B496C}" srcOrd="1" destOrd="0" presId="urn:microsoft.com/office/officeart/2008/layout/HalfCircleOrganizationChart"/>
-    <dgm:cxn modelId="{3D6A8EA9-292D-DC48-AF37-4D2752978780}" srcId="{93D39F01-D7A7-8645-8268-D98F2FB67957}" destId="{0D019006-AAB0-8441-BBFE-A94C5D068F97}" srcOrd="2" destOrd="0" parTransId="{65CCBA4C-DDBE-D84E-8969-B24D3209E98D}" sibTransId="{1C99DB65-F15F-0C46-B7AA-F11A4272B1F1}"/>
-    <dgm:cxn modelId="{C30641F1-B180-BF43-880C-3E41908886D0}" type="presOf" srcId="{D8AFF4E4-E91B-224B-837C-C84AE80358B6}" destId="{FEDAE610-A231-6041-AEA0-9A73FF3CBF51}" srcOrd="1" destOrd="0" presId="urn:microsoft.com/office/officeart/2008/layout/HalfCircleOrganizationChart"/>
-    <dgm:cxn modelId="{08CECBF7-6287-D047-B5A9-26116507F5DA}" type="presOf" srcId="{CE325756-8187-E24B-9D16-C0F7E17416A1}" destId="{CD725205-A6B4-7441-8980-896E2CFA45F7}" srcOrd="0" destOrd="0" presId="urn:microsoft.com/office/officeart/2008/layout/HalfCircleOrganizationChart"/>
-    <dgm:cxn modelId="{DA06EB10-6908-5046-AB8D-EF950B893EC0}" type="presOf" srcId="{93D39F01-D7A7-8645-8268-D98F2FB67957}" destId="{9F8A746C-382D-904A-942A-0C06E726BBA0}" srcOrd="0" destOrd="0" presId="urn:microsoft.com/office/officeart/2008/layout/HalfCircleOrganizationChart"/>
-    <dgm:cxn modelId="{9BED379C-ED0B-604A-BCD7-A16A0FB5E76F}" type="presOf" srcId="{80F16AE9-BA8A-194A-A442-FDC9FED80C4D}" destId="{EBCDB603-880E-FA49-8814-542DC0CFC6F3}" srcOrd="0" destOrd="0" presId="urn:microsoft.com/office/officeart/2008/layout/HalfCircleOrganizationChart"/>
-    <dgm:cxn modelId="{E63E298D-C777-244C-9F76-2F1C6C2D85AB}" srcId="{844BFB3D-91A8-4C4E-BD4A-ED040FC5BAEC}" destId="{93D39F01-D7A7-8645-8268-D98F2FB67957}" srcOrd="0" destOrd="0" parTransId="{49E1D0BD-0B22-344E-9E61-9EE0E8CB8F16}" sibTransId="{0DB39949-F4BC-5249-8FA6-653104FE55EC}"/>
-    <dgm:cxn modelId="{9BE68AC7-C67F-C04B-B3FE-3838B1A371B5}" type="presOf" srcId="{93D39F01-D7A7-8645-8268-D98F2FB67957}" destId="{CF8D4989-10C2-124D-B56F-AFBF15FE11F1}" srcOrd="1" destOrd="0" presId="urn:microsoft.com/office/officeart/2008/layout/HalfCircleOrganizationChart"/>
-    <dgm:cxn modelId="{8784257A-931C-6946-8A5D-D3FB9E3E1614}" type="presOf" srcId="{FDABD4C3-4BCF-CE4C-B32A-675AC17A417B}" destId="{DDCA22CA-929D-7C40-96BB-37100ACE0295}" srcOrd="0" destOrd="0" presId="urn:microsoft.com/office/officeart/2008/layout/HalfCircleOrganizationChart"/>
-    <dgm:cxn modelId="{AA304A5D-B89E-6D41-92A7-D5C10D358F5A}" srcId="{909714E3-86DA-AB45-9E25-F61DB92D3265}" destId="{844BFB3D-91A8-4C4E-BD4A-ED040FC5BAEC}" srcOrd="0" destOrd="0" parTransId="{4537D776-A602-B040-8E9E-5DFCE24F21E7}" sibTransId="{12A19EBF-2C87-B147-9DCE-3B0C27F4201A}"/>
-    <dgm:cxn modelId="{CEB3CB0C-26F5-BA40-9579-AE21EBDC7876}" type="presOf" srcId="{C6134BB7-BDA7-0C46-A754-43E1539FA855}" destId="{C8310978-5AC6-1741-BD2E-E108D3D9F4EE}" srcOrd="1" destOrd="0" presId="urn:microsoft.com/office/officeart/2008/layout/HalfCircleOrganizationChart"/>
-    <dgm:cxn modelId="{33BE7E8C-EE5C-674A-9092-7ADA8AE5A572}" type="presOf" srcId="{4F0E1DFC-8BCE-4B48-800B-CA949BBBA04D}" destId="{85CB4ABC-A628-3445-AEF3-C002677DEE81}" srcOrd="0" destOrd="0" presId="urn:microsoft.com/office/officeart/2008/layout/HalfCircleOrganizationChart"/>
-    <dgm:cxn modelId="{6C24AE3D-2F80-5F47-9199-F9909FF387F7}" type="presOf" srcId="{909714E3-86DA-AB45-9E25-F61DB92D3265}" destId="{53852991-0C91-A54D-BEE5-845A35BCA526}" srcOrd="0" destOrd="0" presId="urn:microsoft.com/office/officeart/2008/layout/HalfCircleOrganizationChart"/>
-    <dgm:cxn modelId="{AF0A248B-D588-824F-9FE4-DCB1052DF205}" type="presOf" srcId="{D8AFF4E4-E91B-224B-837C-C84AE80358B6}" destId="{12C48166-73C4-9747-85E1-F24FF4C289FE}" srcOrd="0" destOrd="0" presId="urn:microsoft.com/office/officeart/2008/layout/HalfCircleOrganizationChart"/>
-    <dgm:cxn modelId="{3BB7F303-33EE-2443-B18F-274EFF243562}" type="presOf" srcId="{BBCD4285-0C47-9049-B9C3-F945428CB954}" destId="{CE0C1BE6-C747-0042-AB4E-36DC42FD71B2}" srcOrd="0" destOrd="0" presId="urn:microsoft.com/office/officeart/2008/layout/HalfCircleOrganizationChart"/>
-    <dgm:cxn modelId="{00E47490-AB71-6544-B9FC-D997363F2333}" type="presOf" srcId="{63ED8B29-B523-CC45-8BC8-D555D91852A3}" destId="{DEDDB231-FAF1-EC42-93DE-86B91BE34348}" srcOrd="0" destOrd="0" presId="urn:microsoft.com/office/officeart/2008/layout/HalfCircleOrganizationChart"/>
-    <dgm:cxn modelId="{FC0C8935-80A2-3646-B2D8-4F661DEED977}" type="presOf" srcId="{608B68AC-6184-2845-972A-4B3FCBFAEFDE}" destId="{0688E2E5-E36E-CD41-90CA-C2EFE1C6A421}" srcOrd="0" destOrd="0" presId="urn:microsoft.com/office/officeart/2008/layout/HalfCircleOrganizationChart"/>
-    <dgm:cxn modelId="{FD049B0A-55A3-6B4D-8A6B-B7833B1D316A}" type="presOf" srcId="{D5332F42-32EF-AB48-AD03-80A410546265}" destId="{1311BC5E-D9C9-D741-AAEC-ABF686C2C38A}" srcOrd="0" destOrd="0" presId="urn:microsoft.com/office/officeart/2008/layout/HalfCircleOrganizationChart"/>
-    <dgm:cxn modelId="{8C681224-FFE0-CE4C-9C5D-6268A5E41F9D}" srcId="{93D39F01-D7A7-8645-8268-D98F2FB67957}" destId="{80F16AE9-BA8A-194A-A442-FDC9FED80C4D}" srcOrd="0" destOrd="0" parTransId="{BBCD4285-0C47-9049-B9C3-F945428CB954}" sibTransId="{E5FD62A4-16C6-2D46-9F46-4E97BDE142DE}"/>
-    <dgm:cxn modelId="{693C8E88-266C-4440-A5A1-CF5A3306E709}" type="presOf" srcId="{AB30E957-E4C4-A348-BE2A-BAB96A81C68E}" destId="{BBBAB8C5-0DE5-3643-9777-22B2C3953BB4}" srcOrd="1" destOrd="0" presId="urn:microsoft.com/office/officeart/2008/layout/HalfCircleOrganizationChart"/>
-    <dgm:cxn modelId="{A493025B-FD17-4841-923C-92F812D76B07}" type="presOf" srcId="{CAD71EF4-DAE1-444D-9954-630CA9661F52}" destId="{36C10B0D-FA8D-8941-BDCA-710FD6F4870B}" srcOrd="0" destOrd="0" presId="urn:microsoft.com/office/officeart/2008/layout/HalfCircleOrganizationChart"/>
-    <dgm:cxn modelId="{14D9290F-BACC-BF45-86EA-5F396031235D}" type="presOf" srcId="{80C75DA2-3DFC-9745-9652-EB9426A77244}" destId="{BDFB205B-D8F5-1040-89D2-DCDD073B6DA6}" srcOrd="0" destOrd="0" presId="urn:microsoft.com/office/officeart/2008/layout/HalfCircleOrganizationChart"/>
-    <dgm:cxn modelId="{23575EB2-1440-F74B-81C5-8F13D1EB06B6}" type="presOf" srcId="{E33975C1-00DE-874F-B6E7-E89FA08C6664}" destId="{B2C81A12-E1A8-D544-9DE2-FF1CFDA8AC1D}" srcOrd="1" destOrd="0" presId="urn:microsoft.com/office/officeart/2008/layout/HalfCircleOrganizationChart"/>
-    <dgm:cxn modelId="{83030281-DCBF-2649-AD1B-7AAB5CDE7B46}" type="presOf" srcId="{49706E14-51A7-7A49-94C3-153BB905A5AA}" destId="{E1530F26-0C51-5E41-939C-988C655E0101}" srcOrd="0" destOrd="0" presId="urn:microsoft.com/office/officeart/2008/layout/HalfCircleOrganizationChart"/>
     <dgm:cxn modelId="{B976FD19-92DE-AE48-A8AD-069A78817A43}" type="presParOf" srcId="{53852991-0C91-A54D-BEE5-845A35BCA526}" destId="{9C6AE8FA-2787-764F-BFA5-0EA9FF1F14DF}" srcOrd="0" destOrd="0" presId="urn:microsoft.com/office/officeart/2008/layout/HalfCircleOrganizationChart"/>
     <dgm:cxn modelId="{EAFB4E52-B150-BA43-9957-86911775F97A}" type="presParOf" srcId="{9C6AE8FA-2787-764F-BFA5-0EA9FF1F14DF}" destId="{34231829-7584-7D49-AFA0-EE71C88BB773}" srcOrd="0" destOrd="0" presId="urn:microsoft.com/office/officeart/2008/layout/HalfCircleOrganizationChart"/>
     <dgm:cxn modelId="{C3D7CD5E-17A9-B645-818B-EA61AF7C4F3E}" type="presParOf" srcId="{34231829-7584-7D49-AFA0-EE71C88BB773}" destId="{C6DD3C19-5163-7F43-8517-53E0A1254A20}" srcOrd="0" destOrd="0" presId="urn:microsoft.com/office/officeart/2008/layout/HalfCircleOrganizationChart"/>
@@ -8506,14 +8506,14 @@
   <dgm:whole/>
   <dgm:extLst>
     <a:ext uri="http://schemas.microsoft.com/office/drawing/2008/diagram">
-      <dsp:dataModelExt xmlns:dsp="http://schemas.microsoft.com/office/drawing/2008/diagram" relId="rId7" minVer="http://schemas.openxmlformats.org/drawingml/2006/diagram"/>
+      <dsp:dataModelExt xmlns:dsp="http://schemas.microsoft.com/office/drawing/2008/diagram" xmlns="" relId="rId7" minVer="http://schemas.openxmlformats.org/drawingml/2006/diagram"/>
     </a:ext>
   </dgm:extLst>
 </dgm:dataModel>
 </file>
 
 <file path=ppt/diagrams/drawing1.xml><?xml version="1.0" encoding="utf-8"?>
-<dsp:drawing xmlns:dgm="http://schemas.openxmlformats.org/drawingml/2006/diagram" xmlns:dsp="http://schemas.microsoft.com/office/drawing/2008/diagram" xmlns:a="http://schemas.openxmlformats.org/drawingml/2006/main">
+<dsp:drawing xmlns:dgm="http://schemas.openxmlformats.org/drawingml/2006/diagram" xmlns:a="http://schemas.openxmlformats.org/drawingml/2006/main" xmlns:dsp="http://schemas.microsoft.com/office/drawing/2008/diagram">
   <dsp:spTree>
     <dsp:nvGrpSpPr>
       <dsp:cNvPr id="0" name=""/>
@@ -8591,8 +8591,8 @@
         </a:p>
       </dsp:txBody>
       <dsp:txXfrm>
-        <a:off x="3118563" y="2684743"/>
-        <a:ext cx="1065085" cy="1065085"/>
+        <a:off x="2897976" y="2464156"/>
+        <a:ext cx="1506259" cy="1506259"/>
       </dsp:txXfrm>
     </dsp:sp>
     <dsp:sp modelId="{C329B5B2-E90F-5B4A-991A-8FC1B4192D25}">
@@ -8665,9 +8665,9 @@
           <a:endParaRPr lang="en-US" sz="1500" kern="1200"/>
         </a:p>
       </dsp:txBody>
-      <dsp:txXfrm>
-        <a:off x="3543652" y="2075625"/>
-        <a:ext cx="214908" cy="307276"/>
+      <dsp:txXfrm rot="16200000">
+        <a:off x="3497600" y="1927147"/>
+        <a:ext cx="307011" cy="512128"/>
       </dsp:txXfrm>
     </dsp:sp>
     <dsp:sp modelId="{E63D1589-15EC-7245-84B0-59F57218363C}">
@@ -8741,8 +8741,8 @@
         </a:p>
       </dsp:txBody>
       <dsp:txXfrm>
-        <a:off x="2985426" y="277797"/>
-        <a:ext cx="1331358" cy="1331358"/>
+        <a:off x="2709693" y="2064"/>
+        <a:ext cx="1882824" cy="1882824"/>
       </dsp:txXfrm>
     </dsp:sp>
     <dsp:sp modelId="{3363E7E5-BBD1-1042-8106-D7C3196101E1}">
@@ -8815,9 +8815,9 @@
           <a:endParaRPr lang="en-US" sz="1500" kern="1200"/>
         </a:p>
       </dsp:txBody>
-      <dsp:txXfrm>
-        <a:off x="4400995" y="3573346"/>
-        <a:ext cx="229072" cy="307276"/>
+      <dsp:txXfrm rot="1856637">
+        <a:off x="4394008" y="3496161"/>
+        <a:ext cx="327246" cy="512128"/>
       </dsp:txXfrm>
     </dsp:sp>
     <dsp:sp modelId="{FDBDBB6E-D5CF-EF4B-AEA6-EA99398FEDF5}">
@@ -8891,8 +8891,8 @@
         </a:p>
       </dsp:txBody>
       <dsp:txXfrm>
-        <a:off x="4976586" y="3726586"/>
-        <a:ext cx="1331358" cy="1331358"/>
+        <a:off x="4700853" y="3450853"/>
+        <a:ext cx="1882824" cy="1882824"/>
       </dsp:txXfrm>
     </dsp:sp>
     <dsp:sp modelId="{4B2FA548-BB8D-524F-AE76-05AE8DF482C7}">
@@ -8965,9 +8965,9 @@
           <a:endParaRPr lang="en-US" sz="1500" kern="1200"/>
         </a:p>
       </dsp:txBody>
-      <dsp:txXfrm rot="10800000">
-        <a:off x="2662721" y="3577393"/>
-        <a:ext cx="252841" cy="288025"/>
+      <dsp:txXfrm rot="8719927">
+        <a:off x="2563979" y="3512203"/>
+        <a:ext cx="361202" cy="480043"/>
       </dsp:txXfrm>
     </dsp:sp>
     <dsp:sp modelId="{4D2DAA32-605F-8A45-AE11-4BB1939DFA85}">
@@ -9041,8 +9041,8 @@
         </a:p>
       </dsp:txBody>
       <dsp:txXfrm>
-        <a:off x="994267" y="3726586"/>
-        <a:ext cx="1331358" cy="1331358"/>
+        <a:off x="718534" y="3450853"/>
+        <a:ext cx="1882824" cy="1882824"/>
       </dsp:txXfrm>
     </dsp:sp>
   </dsp:spTree>
@@ -9050,7 +9050,7 @@
 </file>
 
 <file path=ppt/diagrams/drawing2.xml><?xml version="1.0" encoding="utf-8"?>
-<dsp:drawing xmlns:dgm="http://schemas.openxmlformats.org/drawingml/2006/diagram" xmlns:dsp="http://schemas.microsoft.com/office/drawing/2008/diagram" xmlns:a="http://schemas.openxmlformats.org/drawingml/2006/main">
+<dsp:drawing xmlns:dgm="http://schemas.openxmlformats.org/drawingml/2006/diagram" xmlns:a="http://schemas.openxmlformats.org/drawingml/2006/main" xmlns:dsp="http://schemas.microsoft.com/office/drawing/2008/diagram">
   <dsp:spTree>
     <dsp:nvGrpSpPr>
       <dsp:cNvPr id="0" name=""/>
@@ -9129,8 +9129,8 @@
         </a:p>
       </dsp:txBody>
       <dsp:txXfrm>
-        <a:off x="3118563" y="2684743"/>
-        <a:ext cx="1065085" cy="1065085"/>
+        <a:off x="2897976" y="2464156"/>
+        <a:ext cx="1506259" cy="1506259"/>
       </dsp:txXfrm>
     </dsp:sp>
     <dsp:sp modelId="{C329B5B2-E90F-5B4A-991A-8FC1B4192D25}">
@@ -9203,9 +9203,9 @@
           <a:endParaRPr lang="en-US" sz="1500" kern="1200"/>
         </a:p>
       </dsp:txBody>
-      <dsp:txXfrm>
-        <a:off x="3543652" y="2075625"/>
-        <a:ext cx="214908" cy="307276"/>
+      <dsp:txXfrm rot="16200000">
+        <a:off x="3497600" y="1927147"/>
+        <a:ext cx="307011" cy="512128"/>
       </dsp:txXfrm>
     </dsp:sp>
     <dsp:sp modelId="{E63D1589-15EC-7245-84B0-59F57218363C}">
@@ -9279,8 +9279,8 @@
         </a:p>
       </dsp:txBody>
       <dsp:txXfrm>
-        <a:off x="2985426" y="277797"/>
-        <a:ext cx="1331358" cy="1331358"/>
+        <a:off x="2709693" y="2064"/>
+        <a:ext cx="1882824" cy="1882824"/>
       </dsp:txXfrm>
     </dsp:sp>
     <dsp:sp modelId="{3363E7E5-BBD1-1042-8106-D7C3196101E1}">
@@ -9353,9 +9353,9 @@
           <a:endParaRPr lang="en-US" sz="1500" kern="1200"/>
         </a:p>
       </dsp:txBody>
-      <dsp:txXfrm>
-        <a:off x="4400995" y="3573346"/>
-        <a:ext cx="229072" cy="307276"/>
+      <dsp:txXfrm rot="1856637">
+        <a:off x="4394008" y="3496161"/>
+        <a:ext cx="327246" cy="512128"/>
       </dsp:txXfrm>
     </dsp:sp>
     <dsp:sp modelId="{FDBDBB6E-D5CF-EF4B-AEA6-EA99398FEDF5}">
@@ -9429,8 +9429,8 @@
         </a:p>
       </dsp:txBody>
       <dsp:txXfrm>
-        <a:off x="4976586" y="3726586"/>
-        <a:ext cx="1331358" cy="1331358"/>
+        <a:off x="4700853" y="3450853"/>
+        <a:ext cx="1882824" cy="1882824"/>
       </dsp:txXfrm>
     </dsp:sp>
     <dsp:sp modelId="{4B2FA548-BB8D-524F-AE76-05AE8DF482C7}">
@@ -9503,9 +9503,9 @@
           <a:endParaRPr lang="en-US" sz="1500" kern="1200"/>
         </a:p>
       </dsp:txBody>
-      <dsp:txXfrm rot="10800000">
-        <a:off x="2662721" y="3577393"/>
-        <a:ext cx="252841" cy="288025"/>
+      <dsp:txXfrm rot="8719927">
+        <a:off x="2563979" y="3512203"/>
+        <a:ext cx="361202" cy="480043"/>
       </dsp:txXfrm>
     </dsp:sp>
     <dsp:sp modelId="{4D2DAA32-605F-8A45-AE11-4BB1939DFA85}">
@@ -9579,8 +9579,8 @@
         </a:p>
       </dsp:txBody>
       <dsp:txXfrm>
-        <a:off x="994267" y="3726586"/>
-        <a:ext cx="1331358" cy="1331358"/>
+        <a:off x="718534" y="3450853"/>
+        <a:ext cx="1882824" cy="1882824"/>
       </dsp:txXfrm>
     </dsp:sp>
   </dsp:spTree>
@@ -9588,7 +9588,7 @@
 </file>
 
 <file path=ppt/diagrams/drawing3.xml><?xml version="1.0" encoding="utf-8"?>
-<dsp:drawing xmlns:dgm="http://schemas.openxmlformats.org/drawingml/2006/diagram" xmlns:dsp="http://schemas.microsoft.com/office/drawing/2008/diagram" xmlns:a="http://schemas.openxmlformats.org/drawingml/2006/main">
+<dsp:drawing xmlns:dgm="http://schemas.openxmlformats.org/drawingml/2006/diagram" xmlns:a="http://schemas.openxmlformats.org/drawingml/2006/main" xmlns:dsp="http://schemas.microsoft.com/office/drawing/2008/diagram">
   <dsp:spTree>
     <dsp:nvGrpSpPr>
       <dsp:cNvPr id="0" name=""/>
@@ -9667,8 +9667,8 @@
         </a:p>
       </dsp:txBody>
       <dsp:txXfrm>
-        <a:off x="3122598" y="2685163"/>
-        <a:ext cx="1057015" cy="1057015"/>
+        <a:off x="2903683" y="2466248"/>
+        <a:ext cx="1494845" cy="1494845"/>
       </dsp:txXfrm>
     </dsp:sp>
     <dsp:sp modelId="{C329B5B2-E90F-5B4A-991A-8FC1B4192D25}">
@@ -9741,9 +9741,9 @@
           <a:endParaRPr lang="en-US" sz="1500" kern="1200"/>
         </a:p>
       </dsp:txBody>
-      <dsp:txXfrm>
-        <a:off x="3544044" y="2079739"/>
-        <a:ext cx="214122" cy="304949"/>
+      <dsp:txXfrm rot="16200000">
+        <a:off x="3498161" y="1932207"/>
+        <a:ext cx="305888" cy="508247"/>
       </dsp:txXfrm>
     </dsp:sp>
     <dsp:sp modelId="{E63D1589-15EC-7245-84B0-59F57218363C}">
@@ -9818,8 +9818,8 @@
         </a:p>
       </dsp:txBody>
       <dsp:txXfrm>
-        <a:off x="2990471" y="294187"/>
-        <a:ext cx="1321269" cy="1321269"/>
+        <a:off x="2716827" y="20543"/>
+        <a:ext cx="1868557" cy="1868557"/>
       </dsp:txXfrm>
     </dsp:sp>
     <dsp:sp modelId="{3363E7E5-BBD1-1042-8106-D7C3196101E1}">
@@ -9892,9 +9892,9 @@
           <a:endParaRPr lang="en-US" sz="1500" kern="1200"/>
         </a:p>
       </dsp:txBody>
-      <dsp:txXfrm>
-        <a:off x="4395691" y="3567507"/>
-        <a:ext cx="228193" cy="304949"/>
+      <dsp:txXfrm rot="1856637">
+        <a:off x="4388731" y="3491002"/>
+        <a:ext cx="325990" cy="508247"/>
       </dsp:txXfrm>
     </dsp:sp>
     <dsp:sp modelId="{FDBDBB6E-D5CF-EF4B-AEA6-EA99398FEDF5}">
@@ -9968,8 +9968,8 @@
         </a:p>
       </dsp:txBody>
       <dsp:txXfrm>
-        <a:off x="4968530" y="3720285"/>
-        <a:ext cx="1321269" cy="1321269"/>
+        <a:off x="4694886" y="3446641"/>
+        <a:ext cx="1868557" cy="1868557"/>
       </dsp:txXfrm>
     </dsp:sp>
     <dsp:sp modelId="{4B2FA548-BB8D-524F-AE76-05AE8DF482C7}">
@@ -10042,9 +10042,9 @@
           <a:endParaRPr lang="en-US" sz="1500" kern="1200"/>
         </a:p>
       </dsp:txBody>
-      <dsp:txXfrm rot="10800000">
-        <a:off x="2668939" y="3571503"/>
-        <a:ext cx="251871" cy="285843"/>
+      <dsp:txXfrm rot="8719927">
+        <a:off x="2570577" y="3506922"/>
+        <a:ext cx="359815" cy="476405"/>
       </dsp:txXfrm>
     </dsp:sp>
     <dsp:sp modelId="{4D2DAA32-605F-8A45-AE11-4BB1939DFA85}">
@@ -10118,8 +10118,8 @@
         </a:p>
       </dsp:txBody>
       <dsp:txXfrm>
-        <a:off x="1012412" y="3720285"/>
-        <a:ext cx="1321269" cy="1321269"/>
+        <a:off x="738768" y="3446641"/>
+        <a:ext cx="1868557" cy="1868557"/>
       </dsp:txXfrm>
     </dsp:sp>
   </dsp:spTree>
@@ -10127,7 +10127,7 @@
 </file>
 
 <file path=ppt/diagrams/drawing4.xml><?xml version="1.0" encoding="utf-8"?>
-<dsp:drawing xmlns:dgm="http://schemas.openxmlformats.org/drawingml/2006/diagram" xmlns:dsp="http://schemas.microsoft.com/office/drawing/2008/diagram" xmlns:a="http://schemas.openxmlformats.org/drawingml/2006/main">
+<dsp:drawing xmlns:dgm="http://schemas.openxmlformats.org/drawingml/2006/diagram" xmlns:a="http://schemas.openxmlformats.org/drawingml/2006/main" xmlns:dsp="http://schemas.microsoft.com/office/drawing/2008/diagram">
   <dsp:spTree>
     <dsp:nvGrpSpPr>
       <dsp:cNvPr id="0" name=""/>
@@ -10206,8 +10206,8 @@
         </a:p>
       </dsp:txBody>
       <dsp:txXfrm>
-        <a:off x="3122598" y="2685163"/>
-        <a:ext cx="1057015" cy="1057015"/>
+        <a:off x="2903683" y="2466248"/>
+        <a:ext cx="1494845" cy="1494845"/>
       </dsp:txXfrm>
     </dsp:sp>
     <dsp:sp modelId="{C329B5B2-E90F-5B4A-991A-8FC1B4192D25}">
@@ -10280,9 +10280,9 @@
           <a:endParaRPr lang="en-US" sz="1500" kern="1200"/>
         </a:p>
       </dsp:txBody>
-      <dsp:txXfrm>
-        <a:off x="3544044" y="2079739"/>
-        <a:ext cx="214122" cy="304949"/>
+      <dsp:txXfrm rot="16200000">
+        <a:off x="3498161" y="1932207"/>
+        <a:ext cx="305888" cy="508247"/>
       </dsp:txXfrm>
     </dsp:sp>
     <dsp:sp modelId="{E63D1589-15EC-7245-84B0-59F57218363C}">
@@ -10357,8 +10357,8 @@
         </a:p>
       </dsp:txBody>
       <dsp:txXfrm>
-        <a:off x="2990471" y="294187"/>
-        <a:ext cx="1321269" cy="1321269"/>
+        <a:off x="2716827" y="20543"/>
+        <a:ext cx="1868557" cy="1868557"/>
       </dsp:txXfrm>
     </dsp:sp>
     <dsp:sp modelId="{3363E7E5-BBD1-1042-8106-D7C3196101E1}">
@@ -10431,9 +10431,9 @@
           <a:endParaRPr lang="en-US" sz="1500" kern="1200"/>
         </a:p>
       </dsp:txBody>
-      <dsp:txXfrm>
-        <a:off x="4395691" y="3567507"/>
-        <a:ext cx="228193" cy="304949"/>
+      <dsp:txXfrm rot="1856637">
+        <a:off x="4388731" y="3491002"/>
+        <a:ext cx="325990" cy="508247"/>
       </dsp:txXfrm>
     </dsp:sp>
     <dsp:sp modelId="{FDBDBB6E-D5CF-EF4B-AEA6-EA99398FEDF5}">
@@ -10508,8 +10508,8 @@
         </a:p>
       </dsp:txBody>
       <dsp:txXfrm>
-        <a:off x="4968530" y="3720285"/>
-        <a:ext cx="1321269" cy="1321269"/>
+        <a:off x="4694886" y="3446641"/>
+        <a:ext cx="1868557" cy="1868557"/>
       </dsp:txXfrm>
     </dsp:sp>
     <dsp:sp modelId="{4B2FA548-BB8D-524F-AE76-05AE8DF482C7}">
@@ -10582,9 +10582,9 @@
           <a:endParaRPr lang="en-US" sz="1500" kern="1200"/>
         </a:p>
       </dsp:txBody>
-      <dsp:txXfrm rot="10800000">
-        <a:off x="2668939" y="3571503"/>
-        <a:ext cx="251871" cy="285843"/>
+      <dsp:txXfrm rot="8719927">
+        <a:off x="2570577" y="3506922"/>
+        <a:ext cx="359815" cy="476405"/>
       </dsp:txXfrm>
     </dsp:sp>
     <dsp:sp modelId="{4D2DAA32-605F-8A45-AE11-4BB1939DFA85}">
@@ -10658,8 +10658,8 @@
         </a:p>
       </dsp:txBody>
       <dsp:txXfrm>
-        <a:off x="1012412" y="3720285"/>
-        <a:ext cx="1321269" cy="1321269"/>
+        <a:off x="738768" y="3446641"/>
+        <a:ext cx="1868557" cy="1868557"/>
       </dsp:txXfrm>
     </dsp:sp>
   </dsp:spTree>
@@ -10667,7 +10667,7 @@
 </file>
 
 <file path=ppt/diagrams/drawing5.xml><?xml version="1.0" encoding="utf-8"?>
-<dsp:drawing xmlns:dgm="http://schemas.openxmlformats.org/drawingml/2006/diagram" xmlns:dsp="http://schemas.microsoft.com/office/drawing/2008/diagram" xmlns:a="http://schemas.openxmlformats.org/drawingml/2006/main">
+<dsp:drawing xmlns:dgm="http://schemas.openxmlformats.org/drawingml/2006/diagram" xmlns:a="http://schemas.openxmlformats.org/drawingml/2006/main" xmlns:dsp="http://schemas.microsoft.com/office/drawing/2008/diagram">
   <dsp:spTree>
     <dsp:nvGrpSpPr>
       <dsp:cNvPr id="0" name=""/>
@@ -10746,8 +10746,8 @@
         </a:p>
       </dsp:txBody>
       <dsp:txXfrm>
-        <a:off x="3122598" y="2685163"/>
-        <a:ext cx="1057015" cy="1057015"/>
+        <a:off x="2903683" y="2466248"/>
+        <a:ext cx="1494845" cy="1494845"/>
       </dsp:txXfrm>
     </dsp:sp>
     <dsp:sp modelId="{C329B5B2-E90F-5B4A-991A-8FC1B4192D25}">
@@ -10820,9 +10820,9 @@
           <a:endParaRPr lang="en-US" sz="1500" kern="1200"/>
         </a:p>
       </dsp:txBody>
-      <dsp:txXfrm>
-        <a:off x="3544044" y="2079739"/>
-        <a:ext cx="214122" cy="304949"/>
+      <dsp:txXfrm rot="16200000">
+        <a:off x="3498161" y="1932207"/>
+        <a:ext cx="305888" cy="508247"/>
       </dsp:txXfrm>
     </dsp:sp>
     <dsp:sp modelId="{E63D1589-15EC-7245-84B0-59F57218363C}">
@@ -10897,8 +10897,8 @@
         </a:p>
       </dsp:txBody>
       <dsp:txXfrm>
-        <a:off x="2990471" y="294187"/>
-        <a:ext cx="1321269" cy="1321269"/>
+        <a:off x="2716827" y="20543"/>
+        <a:ext cx="1868557" cy="1868557"/>
       </dsp:txXfrm>
     </dsp:sp>
     <dsp:sp modelId="{3363E7E5-BBD1-1042-8106-D7C3196101E1}">
@@ -10971,9 +10971,9 @@
           <a:endParaRPr lang="en-US" sz="1500" kern="1200"/>
         </a:p>
       </dsp:txBody>
-      <dsp:txXfrm>
-        <a:off x="4395691" y="3567507"/>
-        <a:ext cx="228193" cy="304949"/>
+      <dsp:txXfrm rot="1856637">
+        <a:off x="4388731" y="3491002"/>
+        <a:ext cx="325990" cy="508247"/>
       </dsp:txXfrm>
     </dsp:sp>
     <dsp:sp modelId="{FDBDBB6E-D5CF-EF4B-AEA6-EA99398FEDF5}">
@@ -11048,8 +11048,8 @@
         </a:p>
       </dsp:txBody>
       <dsp:txXfrm>
-        <a:off x="4968530" y="3720285"/>
-        <a:ext cx="1321269" cy="1321269"/>
+        <a:off x="4694886" y="3446641"/>
+        <a:ext cx="1868557" cy="1868557"/>
       </dsp:txXfrm>
     </dsp:sp>
     <dsp:sp modelId="{4B2FA548-BB8D-524F-AE76-05AE8DF482C7}">
@@ -11122,9 +11122,9 @@
           <a:endParaRPr lang="en-US" sz="1500" kern="1200"/>
         </a:p>
       </dsp:txBody>
-      <dsp:txXfrm rot="10800000">
-        <a:off x="2668939" y="3571503"/>
-        <a:ext cx="251871" cy="285843"/>
+      <dsp:txXfrm rot="8719927">
+        <a:off x="2570577" y="3506922"/>
+        <a:ext cx="359815" cy="476405"/>
       </dsp:txXfrm>
     </dsp:sp>
     <dsp:sp modelId="{4D2DAA32-605F-8A45-AE11-4BB1939DFA85}">
@@ -11199,8 +11199,8 @@
         </a:p>
       </dsp:txBody>
       <dsp:txXfrm>
-        <a:off x="1012412" y="3720285"/>
-        <a:ext cx="1321269" cy="1321269"/>
+        <a:off x="738768" y="3446641"/>
+        <a:ext cx="1868557" cy="1868557"/>
       </dsp:txXfrm>
     </dsp:sp>
   </dsp:spTree>
@@ -11208,7 +11208,7 @@
 </file>
 
 <file path=ppt/diagrams/drawing6.xml><?xml version="1.0" encoding="utf-8"?>
-<dsp:drawing xmlns:dgm="http://schemas.openxmlformats.org/drawingml/2006/diagram" xmlns:dsp="http://schemas.microsoft.com/office/drawing/2008/diagram" xmlns:a="http://schemas.openxmlformats.org/drawingml/2006/main">
+<dsp:drawing xmlns:dgm="http://schemas.openxmlformats.org/drawingml/2006/diagram" xmlns:a="http://schemas.openxmlformats.org/drawingml/2006/main" xmlns:dsp="http://schemas.microsoft.com/office/drawing/2008/diagram">
   <dsp:spTree>
     <dsp:nvGrpSpPr>
       <dsp:cNvPr id="0" name=""/>
@@ -23541,7 +23541,8 @@
           <a:p>
             <a:fld id="{D6E1C13F-47A8-2448-98AF-244C101D4DA4}" type="datetimeFigureOut">
               <a:rPr lang="en-US" smtClean="0"/>
-              <a:t>6/7/14</a:t>
+              <a:pPr/>
+              <a:t>6/19/2014</a:t>
             </a:fld>
             <a:endParaRPr lang="en-US"/>
           </a:p>
@@ -23700,6 +23701,7 @@
           <a:p>
             <a:fld id="{EC4012B3-17B1-3444-AD8F-7606EB397691}" type="slidenum">
               <a:rPr lang="en-US" smtClean="0"/>
+              <a:pPr/>
               <a:t>‹#›</a:t>
             </a:fld>
             <a:endParaRPr lang="en-US"/>
@@ -23709,7 +23711,7 @@
     </p:spTree>
     <p:extLst>
       <p:ext uri="{BB962C8B-B14F-4D97-AF65-F5344CB8AC3E}">
-        <p14:creationId xmlns:p14="http://schemas.microsoft.com/office/powerpoint/2010/main" val="894323315"/>
+        <p14:creationId xmlns:p14="http://schemas.microsoft.com/office/powerpoint/2010/main" xmlns="" val="894323315"/>
       </p:ext>
     </p:extLst>
   </p:cSld>
@@ -23888,6 +23890,7 @@
           <a:p>
             <a:fld id="{EC4012B3-17B1-3444-AD8F-7606EB397691}" type="slidenum">
               <a:rPr lang="en-US" smtClean="0"/>
+              <a:pPr/>
               <a:t>1</a:t>
             </a:fld>
             <a:endParaRPr lang="en-US"/>
@@ -23897,7 +23900,7 @@
     </p:spTree>
     <p:extLst>
       <p:ext uri="{BB962C8B-B14F-4D97-AF65-F5344CB8AC3E}">
-        <p14:creationId xmlns:p14="http://schemas.microsoft.com/office/powerpoint/2010/main" val="3655743633"/>
+        <p14:creationId xmlns:p14="http://schemas.microsoft.com/office/powerpoint/2010/main" xmlns="" val="3655743633"/>
       </p:ext>
     </p:extLst>
   </p:cSld>
@@ -23980,6 +23983,7 @@
           <a:p>
             <a:fld id="{EC4012B3-17B1-3444-AD8F-7606EB397691}" type="slidenum">
               <a:rPr lang="en-US" smtClean="0"/>
+              <a:pPr/>
               <a:t>10</a:t>
             </a:fld>
             <a:endParaRPr lang="en-US"/>
@@ -23989,7 +23993,7 @@
     </p:spTree>
     <p:extLst>
       <p:ext uri="{BB962C8B-B14F-4D97-AF65-F5344CB8AC3E}">
-        <p14:creationId xmlns:p14="http://schemas.microsoft.com/office/powerpoint/2010/main" val="2074946651"/>
+        <p14:creationId xmlns:p14="http://schemas.microsoft.com/office/powerpoint/2010/main" xmlns="" val="2074946651"/>
       </p:ext>
     </p:extLst>
   </p:cSld>
@@ -24072,6 +24076,7 @@
           <a:p>
             <a:fld id="{EC4012B3-17B1-3444-AD8F-7606EB397691}" type="slidenum">
               <a:rPr lang="en-US" smtClean="0"/>
+              <a:pPr/>
               <a:t>11</a:t>
             </a:fld>
             <a:endParaRPr lang="en-US"/>
@@ -24081,7 +24086,7 @@
     </p:spTree>
     <p:extLst>
       <p:ext uri="{BB962C8B-B14F-4D97-AF65-F5344CB8AC3E}">
-        <p14:creationId xmlns:p14="http://schemas.microsoft.com/office/powerpoint/2010/main" val="2074946651"/>
+        <p14:creationId xmlns:p14="http://schemas.microsoft.com/office/powerpoint/2010/main" xmlns="" val="2074946651"/>
       </p:ext>
     </p:extLst>
   </p:cSld>
@@ -24164,6 +24169,7 @@
           <a:p>
             <a:fld id="{EC4012B3-17B1-3444-AD8F-7606EB397691}" type="slidenum">
               <a:rPr lang="en-US" smtClean="0"/>
+              <a:pPr/>
               <a:t>12</a:t>
             </a:fld>
             <a:endParaRPr lang="en-US"/>
@@ -24173,7 +24179,7 @@
     </p:spTree>
     <p:extLst>
       <p:ext uri="{BB962C8B-B14F-4D97-AF65-F5344CB8AC3E}">
-        <p14:creationId xmlns:p14="http://schemas.microsoft.com/office/powerpoint/2010/main" val="2074946651"/>
+        <p14:creationId xmlns:p14="http://schemas.microsoft.com/office/powerpoint/2010/main" xmlns="" val="2074946651"/>
       </p:ext>
     </p:extLst>
   </p:cSld>
@@ -24256,6 +24262,7 @@
           <a:p>
             <a:fld id="{EC4012B3-17B1-3444-AD8F-7606EB397691}" type="slidenum">
               <a:rPr lang="en-US" smtClean="0"/>
+              <a:pPr/>
               <a:t>13</a:t>
             </a:fld>
             <a:endParaRPr lang="en-US"/>
@@ -24265,7 +24272,7 @@
     </p:spTree>
     <p:extLst>
       <p:ext uri="{BB962C8B-B14F-4D97-AF65-F5344CB8AC3E}">
-        <p14:creationId xmlns:p14="http://schemas.microsoft.com/office/powerpoint/2010/main" val="2074946651"/>
+        <p14:creationId xmlns:p14="http://schemas.microsoft.com/office/powerpoint/2010/main" xmlns="" val="2074946651"/>
       </p:ext>
     </p:extLst>
   </p:cSld>
@@ -24344,6 +24351,7 @@
           <a:p>
             <a:fld id="{EC4012B3-17B1-3444-AD8F-7606EB397691}" type="slidenum">
               <a:rPr lang="en-US" smtClean="0"/>
+              <a:pPr/>
               <a:t>15</a:t>
             </a:fld>
             <a:endParaRPr lang="en-US"/>
@@ -24353,7 +24361,7 @@
     </p:spTree>
     <p:extLst>
       <p:ext uri="{BB962C8B-B14F-4D97-AF65-F5344CB8AC3E}">
-        <p14:creationId xmlns:p14="http://schemas.microsoft.com/office/powerpoint/2010/main" val="154060295"/>
+        <p14:creationId xmlns:p14="http://schemas.microsoft.com/office/powerpoint/2010/main" xmlns="" val="154060295"/>
       </p:ext>
     </p:extLst>
   </p:cSld>
@@ -24436,6 +24444,7 @@
           <a:p>
             <a:fld id="{EC4012B3-17B1-3444-AD8F-7606EB397691}" type="slidenum">
               <a:rPr lang="en-US" smtClean="0"/>
+              <a:pPr/>
               <a:t>20</a:t>
             </a:fld>
             <a:endParaRPr lang="en-US"/>
@@ -24445,7 +24454,7 @@
     </p:spTree>
     <p:extLst>
       <p:ext uri="{BB962C8B-B14F-4D97-AF65-F5344CB8AC3E}">
-        <p14:creationId xmlns:p14="http://schemas.microsoft.com/office/powerpoint/2010/main" val="201837229"/>
+        <p14:creationId xmlns:p14="http://schemas.microsoft.com/office/powerpoint/2010/main" xmlns="" val="201837229"/>
       </p:ext>
     </p:extLst>
   </p:cSld>
@@ -24500,12 +24509,22 @@
           <a:lstStyle/>
           <a:p>
             <a:r>
+              <a:rPr lang="en-US" altLang="zh-CN" dirty="0" smtClean="0"/>
+              <a:t>Yuxiao Xie</a:t>
+            </a:r>
+          </a:p>
+          <a:p>
+            <a:r>
               <a:rPr lang="en-US" dirty="0" smtClean="0"/>
               <a:t>We</a:t>
             </a:r>
             <a:r>
               <a:rPr lang="en-US" baseline="0" dirty="0" smtClean="0"/>
-              <a:t> want to find the best tradeoff between economic constraints, time constraints, and quality constraints. In the end we chose the most high space and time complexity yet basic algorithm that can still meet the economic and time constraints, to get the best of all these worlds. </a:t>
+              <a:t> </a:t>
+            </a:r>
+            <a:r>
+              <a:rPr lang="en-US" baseline="0" dirty="0" smtClean="0"/>
+              <a:t>want to find the best tradeoff between economic constraints, time constraints, and quality constraints. In the end we chose the most high space and time complexity yet basic algorithm that can still meet the economic and time constraints, to get the best of all these worlds. </a:t>
             </a:r>
             <a:endParaRPr lang="en-US" dirty="0" smtClean="0"/>
           </a:p>
@@ -24516,15 +24535,13 @@
             </a:r>
             <a:r>
               <a:rPr lang="en-US" baseline="0" dirty="0" smtClean="0"/>
-              <a:t> O complexity is large – can use faster approximations later</a:t>
+              <a:t> O complexity is large – can use faster approximations </a:t>
             </a:r>
-          </a:p>
-          <a:p>
             <a:r>
               <a:rPr lang="en-US" baseline="0" dirty="0" smtClean="0"/>
-              <a:t>Shirley</a:t>
+              <a:t>later</a:t>
             </a:r>
-            <a:endParaRPr lang="en-US" dirty="0"/>
+            <a:endParaRPr lang="en-US" baseline="0" dirty="0" smtClean="0"/>
           </a:p>
         </p:txBody>
       </p:sp>
@@ -24545,6 +24562,7 @@
           <a:p>
             <a:fld id="{EC4012B3-17B1-3444-AD8F-7606EB397691}" type="slidenum">
               <a:rPr lang="en-US" smtClean="0"/>
+              <a:pPr/>
               <a:t>21</a:t>
             </a:fld>
             <a:endParaRPr lang="en-US"/>
@@ -24554,7 +24572,7 @@
     </p:spTree>
     <p:extLst>
       <p:ext uri="{BB962C8B-B14F-4D97-AF65-F5344CB8AC3E}">
-        <p14:creationId xmlns:p14="http://schemas.microsoft.com/office/powerpoint/2010/main" val="2984937676"/>
+        <p14:creationId xmlns:p14="http://schemas.microsoft.com/office/powerpoint/2010/main" xmlns="" val="2984937676"/>
       </p:ext>
     </p:extLst>
   </p:cSld>
@@ -24609,24 +24627,28 @@
           <a:lstStyle/>
           <a:p>
             <a:r>
+              <a:rPr lang="en-US" altLang="zh-CN" dirty="0" smtClean="0"/>
+              <a:t>Yuxiao Xie</a:t>
+            </a:r>
+          </a:p>
+          <a:p>
+            <a:r>
               <a:rPr lang="en-US" dirty="0" smtClean="0"/>
               <a:t>Many</a:t>
             </a:r>
             <a:r>
               <a:rPr lang="en-US" baseline="0" dirty="0" smtClean="0"/>
-              <a:t> colors and noisy backgrounds with many different aggregates don’t make much of a difference</a:t>
+              <a:t> </a:t>
+            </a:r>
+            <a:r>
+              <a:rPr lang="en-US" baseline="0" dirty="0" smtClean="0"/>
+              <a:t>colors and noisy backgrounds with many different aggregates don’t make much of a difference</a:t>
             </a:r>
           </a:p>
           <a:p>
             <a:r>
               <a:rPr lang="en-US" baseline="0" dirty="0" smtClean="0"/>
               <a:t>Different types of hands do not make a difference</a:t>
-            </a:r>
-          </a:p>
-          <a:p>
-            <a:r>
-              <a:rPr lang="en-US" baseline="0" dirty="0" smtClean="0"/>
-              <a:t>Shirley</a:t>
             </a:r>
           </a:p>
           <a:p>
@@ -24825,6 +24847,7 @@
           <a:p>
             <a:fld id="{EC4012B3-17B1-3444-AD8F-7606EB397691}" type="slidenum">
               <a:rPr lang="en-US" smtClean="0"/>
+              <a:pPr/>
               <a:t>22</a:t>
             </a:fld>
             <a:endParaRPr lang="en-US"/>
@@ -24834,7 +24857,7 @@
     </p:spTree>
     <p:extLst>
       <p:ext uri="{BB962C8B-B14F-4D97-AF65-F5344CB8AC3E}">
-        <p14:creationId xmlns:p14="http://schemas.microsoft.com/office/powerpoint/2010/main" val="226467566"/>
+        <p14:creationId xmlns:p14="http://schemas.microsoft.com/office/powerpoint/2010/main" xmlns="" val="226467566"/>
       </p:ext>
     </p:extLst>
   </p:cSld>
@@ -24925,6 +24948,7 @@
           <a:p>
             <a:fld id="{EC4012B3-17B1-3444-AD8F-7606EB397691}" type="slidenum">
               <a:rPr lang="en-US" smtClean="0"/>
+              <a:pPr/>
               <a:t>23</a:t>
             </a:fld>
             <a:endParaRPr lang="en-US"/>
@@ -24934,7 +24958,7 @@
     </p:spTree>
     <p:extLst>
       <p:ext uri="{BB962C8B-B14F-4D97-AF65-F5344CB8AC3E}">
-        <p14:creationId xmlns:p14="http://schemas.microsoft.com/office/powerpoint/2010/main" val="359874697"/>
+        <p14:creationId xmlns:p14="http://schemas.microsoft.com/office/powerpoint/2010/main" xmlns="" val="359874697"/>
       </p:ext>
     </p:extLst>
   </p:cSld>
@@ -25025,6 +25049,7 @@
           <a:p>
             <a:fld id="{EC4012B3-17B1-3444-AD8F-7606EB397691}" type="slidenum">
               <a:rPr lang="en-US" smtClean="0"/>
+              <a:pPr/>
               <a:t>24</a:t>
             </a:fld>
             <a:endParaRPr lang="en-US"/>
@@ -25034,7 +25059,7 @@
     </p:spTree>
     <p:extLst>
       <p:ext uri="{BB962C8B-B14F-4D97-AF65-F5344CB8AC3E}">
-        <p14:creationId xmlns:p14="http://schemas.microsoft.com/office/powerpoint/2010/main" val="379247178"/>
+        <p14:creationId xmlns:p14="http://schemas.microsoft.com/office/powerpoint/2010/main" xmlns="" val="379247178"/>
       </p:ext>
     </p:extLst>
   </p:cSld>
@@ -25089,18 +25114,18 @@
           <a:lstStyle/>
           <a:p>
             <a:r>
-              <a:rPr lang="en-US" dirty="0" smtClean="0"/>
-              <a:t>Shirley</a:t>
-            </a:r>
-            <a:r>
-              <a:rPr lang="en-US" baseline="0" dirty="0" smtClean="0"/>
-              <a:t> Qi</a:t>
+              <a:rPr lang="en-US" altLang="zh-CN" dirty="0" smtClean="0"/>
+              <a:t>Yuxiao Xie</a:t>
             </a:r>
           </a:p>
           <a:p>
             <a:r>
               <a:rPr lang="en-US" baseline="0" dirty="0" smtClean="0"/>
-              <a:t>Visual Identifiers are useful in 3 big areas.</a:t>
+              <a:t>Visual </a:t>
+            </a:r>
+            <a:r>
+              <a:rPr lang="en-US" baseline="0" dirty="0" smtClean="0"/>
+              <a:t>Identifiers are useful in 3 big areas.</a:t>
             </a:r>
           </a:p>
           <a:p>
@@ -25173,6 +25198,7 @@
           <a:p>
             <a:fld id="{EC4012B3-17B1-3444-AD8F-7606EB397691}" type="slidenum">
               <a:rPr lang="en-US" smtClean="0"/>
+              <a:pPr/>
               <a:t>2</a:t>
             </a:fld>
             <a:endParaRPr lang="en-US"/>
@@ -25182,7 +25208,7 @@
     </p:spTree>
     <p:extLst>
       <p:ext uri="{BB962C8B-B14F-4D97-AF65-F5344CB8AC3E}">
-        <p14:creationId xmlns:p14="http://schemas.microsoft.com/office/powerpoint/2010/main" val="2105463320"/>
+        <p14:creationId xmlns:p14="http://schemas.microsoft.com/office/powerpoint/2010/main" xmlns="" val="2105463320"/>
       </p:ext>
     </p:extLst>
   </p:cSld>
@@ -25237,8 +25263,8 @@
           <a:lstStyle/>
           <a:p>
             <a:r>
-              <a:rPr lang="en-US" dirty="0" smtClean="0"/>
-              <a:t>Shirley</a:t>
+              <a:rPr lang="en-US" altLang="zh-CN" smtClean="0"/>
+              <a:t>Yuxiao Xie</a:t>
             </a:r>
             <a:endParaRPr lang="en-US" dirty="0"/>
           </a:p>
@@ -25261,6 +25287,7 @@
           <a:p>
             <a:fld id="{EC4012B3-17B1-3444-AD8F-7606EB397691}" type="slidenum">
               <a:rPr lang="en-US" smtClean="0"/>
+              <a:pPr/>
               <a:t>26</a:t>
             </a:fld>
             <a:endParaRPr lang="en-US"/>
@@ -25270,7 +25297,7 @@
     </p:spTree>
     <p:extLst>
       <p:ext uri="{BB962C8B-B14F-4D97-AF65-F5344CB8AC3E}">
-        <p14:creationId xmlns:p14="http://schemas.microsoft.com/office/powerpoint/2010/main" val="1151225940"/>
+        <p14:creationId xmlns:p14="http://schemas.microsoft.com/office/powerpoint/2010/main" xmlns="" val="1151225940"/>
       </p:ext>
     </p:extLst>
   </p:cSld>
@@ -25325,18 +25352,18 @@
           <a:lstStyle/>
           <a:p>
             <a:r>
-              <a:rPr lang="en-US" dirty="0" smtClean="0"/>
-              <a:t>Shirley</a:t>
-            </a:r>
-            <a:r>
-              <a:rPr lang="en-US" baseline="0" dirty="0" smtClean="0"/>
-              <a:t> Qi</a:t>
+              <a:rPr lang="en-US" altLang="zh-CN" dirty="0" smtClean="0"/>
+              <a:t>Yuxiao Xie</a:t>
             </a:r>
           </a:p>
           <a:p>
             <a:r>
               <a:rPr lang="en-US" baseline="0" dirty="0" smtClean="0"/>
-              <a:t>Our product caters to all 3 areas. </a:t>
+              <a:t>Our </a:t>
+            </a:r>
+            <a:r>
+              <a:rPr lang="en-US" baseline="0" dirty="0" smtClean="0"/>
+              <a:t>product caters to all 3 areas. </a:t>
             </a:r>
             <a:endParaRPr lang="en-US" dirty="0"/>
           </a:p>
@@ -25359,6 +25386,7 @@
           <a:p>
             <a:fld id="{EC4012B3-17B1-3444-AD8F-7606EB397691}" type="slidenum">
               <a:rPr lang="en-US" smtClean="0"/>
+              <a:pPr/>
               <a:t>3</a:t>
             </a:fld>
             <a:endParaRPr lang="en-US"/>
@@ -25368,7 +25396,7 @@
     </p:spTree>
     <p:extLst>
       <p:ext uri="{BB962C8B-B14F-4D97-AF65-F5344CB8AC3E}">
-        <p14:creationId xmlns:p14="http://schemas.microsoft.com/office/powerpoint/2010/main" val="2105463320"/>
+        <p14:creationId xmlns:p14="http://schemas.microsoft.com/office/powerpoint/2010/main" xmlns="" val="2105463320"/>
       </p:ext>
     </p:extLst>
   </p:cSld>
@@ -25423,35 +25451,18 @@
           <a:lstStyle/>
           <a:p>
             <a:r>
-              <a:rPr lang="en-US" dirty="0" smtClean="0"/>
-              <a:t>Shirley</a:t>
+              <a:rPr lang="en-US" altLang="zh-CN" dirty="0" smtClean="0"/>
+              <a:t>Yuxiao Xie</a:t>
+            </a:r>
+          </a:p>
+          <a:p>
+            <a:r>
+              <a:rPr lang="en-US" baseline="0" dirty="0" smtClean="0"/>
+              <a:t>It </a:t>
             </a:r>
             <a:r>
               <a:rPr lang="en-US" baseline="0" dirty="0" smtClean="0"/>
-              <a:t> Qi</a:t>
-            </a:r>
-          </a:p>
-          <a:p>
-            <a:pPr marL="0" marR="0" indent="0" algn="l" defTabSz="457200" rtl="0" eaLnBrk="1" fontAlgn="auto" latinLnBrk="0" hangingPunct="1">
-              <a:lnSpc>
-                <a:spcPct val="100000"/>
-              </a:lnSpc>
-              <a:spcBef>
-                <a:spcPts val="0"/>
-              </a:spcBef>
-              <a:spcAft>
-                <a:spcPts val="0"/>
-              </a:spcAft>
-              <a:buClrTx/>
-              <a:buSzTx/>
-              <a:buFontTx/>
-              <a:buNone/>
-              <a:tabLst/>
-              <a:defRPr/>
-            </a:pPr>
-            <a:r>
-              <a:rPr lang="en-US" baseline="0" dirty="0" smtClean="0"/>
-              <a:t>It can be used in silent communication through hand gesture, as not all situations are talking-appropriate. The algorithm runs fast enough to be used in home front operations as well. </a:t>
+              <a:t>can be used in silent communication through hand gesture, as not all situations are talking-appropriate. The algorithm runs fast enough to be used in home front operations as well. </a:t>
             </a:r>
           </a:p>
         </p:txBody>
@@ -25473,6 +25484,7 @@
           <a:p>
             <a:fld id="{EC4012B3-17B1-3444-AD8F-7606EB397691}" type="slidenum">
               <a:rPr lang="en-US" smtClean="0"/>
+              <a:pPr/>
               <a:t>4</a:t>
             </a:fld>
             <a:endParaRPr lang="en-US"/>
@@ -25482,7 +25494,7 @@
     </p:spTree>
     <p:extLst>
       <p:ext uri="{BB962C8B-B14F-4D97-AF65-F5344CB8AC3E}">
-        <p14:creationId xmlns:p14="http://schemas.microsoft.com/office/powerpoint/2010/main" val="2105463320"/>
+        <p14:creationId xmlns:p14="http://schemas.microsoft.com/office/powerpoint/2010/main" xmlns="" val="2105463320"/>
       </p:ext>
     </p:extLst>
   </p:cSld>
@@ -25537,18 +25549,18 @@
           <a:lstStyle/>
           <a:p>
             <a:r>
-              <a:rPr lang="en-US" dirty="0" smtClean="0"/>
-              <a:t>Shirley</a:t>
-            </a:r>
-            <a:r>
-              <a:rPr lang="en-US" baseline="0" dirty="0" smtClean="0"/>
-              <a:t> Qi</a:t>
+              <a:rPr lang="en-US" altLang="zh-CN" dirty="0" smtClean="0"/>
+              <a:t>Yuxiao Xie</a:t>
             </a:r>
           </a:p>
           <a:p>
             <a:r>
               <a:rPr lang="en-US" baseline="0" dirty="0" smtClean="0"/>
-              <a:t>It introduces a security clearance level that does not use traditional input methods. </a:t>
+              <a:t>It </a:t>
+            </a:r>
+            <a:r>
+              <a:rPr lang="en-US" baseline="0" dirty="0" smtClean="0"/>
+              <a:t>introduces a security clearance level that does not use traditional input methods. </a:t>
             </a:r>
             <a:endParaRPr lang="en-US" dirty="0"/>
           </a:p>
@@ -25571,6 +25583,7 @@
           <a:p>
             <a:fld id="{EC4012B3-17B1-3444-AD8F-7606EB397691}" type="slidenum">
               <a:rPr lang="en-US" smtClean="0"/>
+              <a:pPr/>
               <a:t>5</a:t>
             </a:fld>
             <a:endParaRPr lang="en-US"/>
@@ -25580,7 +25593,7 @@
     </p:spTree>
     <p:extLst>
       <p:ext uri="{BB962C8B-B14F-4D97-AF65-F5344CB8AC3E}">
-        <p14:creationId xmlns:p14="http://schemas.microsoft.com/office/powerpoint/2010/main" val="2105463320"/>
+        <p14:creationId xmlns:p14="http://schemas.microsoft.com/office/powerpoint/2010/main" xmlns="" val="2105463320"/>
       </p:ext>
     </p:extLst>
   </p:cSld>
@@ -25635,18 +25648,18 @@
           <a:lstStyle/>
           <a:p>
             <a:r>
-              <a:rPr lang="en-US" dirty="0" smtClean="0"/>
-              <a:t>Shirley</a:t>
-            </a:r>
-            <a:r>
-              <a:rPr lang="en-US" baseline="0" dirty="0" smtClean="0"/>
-              <a:t> Qi</a:t>
+              <a:rPr lang="en-US" altLang="zh-CN" dirty="0" smtClean="0"/>
+              <a:t>Yuxiao Xie</a:t>
             </a:r>
           </a:p>
           <a:p>
             <a:r>
               <a:rPr lang="en-US" baseline="0" dirty="0" smtClean="0"/>
-              <a:t>Most importantly, it can be implemented in games such as rock-paper-scissors or in robots for robot games. </a:t>
+              <a:t>Most </a:t>
+            </a:r>
+            <a:r>
+              <a:rPr lang="en-US" baseline="0" dirty="0" smtClean="0"/>
+              <a:t>importantly, it can be implemented in games such as rock-paper-scissors or in robots for robot games. </a:t>
             </a:r>
             <a:endParaRPr lang="en-US" dirty="0"/>
           </a:p>
@@ -25669,6 +25682,7 @@
           <a:p>
             <a:fld id="{EC4012B3-17B1-3444-AD8F-7606EB397691}" type="slidenum">
               <a:rPr lang="en-US" smtClean="0"/>
+              <a:pPr/>
               <a:t>6</a:t>
             </a:fld>
             <a:endParaRPr lang="en-US"/>
@@ -25678,7 +25692,7 @@
     </p:spTree>
     <p:extLst>
       <p:ext uri="{BB962C8B-B14F-4D97-AF65-F5344CB8AC3E}">
-        <p14:creationId xmlns:p14="http://schemas.microsoft.com/office/powerpoint/2010/main" val="2105463320"/>
+        <p14:creationId xmlns:p14="http://schemas.microsoft.com/office/powerpoint/2010/main" xmlns="" val="2105463320"/>
       </p:ext>
     </p:extLst>
   </p:cSld>
@@ -25733,8 +25747,8 @@
           <a:lstStyle/>
           <a:p>
             <a:r>
-              <a:rPr lang="en-US" dirty="0" smtClean="0"/>
-              <a:t>Shirley</a:t>
+              <a:rPr lang="en-US" altLang="zh-CN" dirty="0" smtClean="0"/>
+              <a:t>Yuxiao Xie</a:t>
             </a:r>
           </a:p>
           <a:p>
@@ -25744,7 +25758,11 @@
             </a:r>
             <a:r>
               <a:rPr lang="en-US" baseline="0" dirty="0" smtClean="0"/>
-              <a:t> preprocessing step increases accuracy of the algorithm.</a:t>
+              <a:t> </a:t>
+            </a:r>
+            <a:r>
+              <a:rPr lang="en-US" baseline="0" dirty="0" smtClean="0"/>
+              <a:t>preprocessing step increases accuracy of the algorithm.</a:t>
             </a:r>
           </a:p>
           <a:p>
@@ -25773,6 +25791,7 @@
           <a:p>
             <a:fld id="{EC4012B3-17B1-3444-AD8F-7606EB397691}" type="slidenum">
               <a:rPr lang="en-US" smtClean="0"/>
+              <a:pPr/>
               <a:t>7</a:t>
             </a:fld>
             <a:endParaRPr lang="en-US"/>
@@ -25782,7 +25801,7 @@
     </p:spTree>
     <p:extLst>
       <p:ext uri="{BB962C8B-B14F-4D97-AF65-F5344CB8AC3E}">
-        <p14:creationId xmlns:p14="http://schemas.microsoft.com/office/powerpoint/2010/main" val="1692329079"/>
+        <p14:creationId xmlns:p14="http://schemas.microsoft.com/office/powerpoint/2010/main" xmlns="" val="1692329079"/>
       </p:ext>
     </p:extLst>
   </p:cSld>
@@ -25865,6 +25884,7 @@
           <a:p>
             <a:fld id="{EC4012B3-17B1-3444-AD8F-7606EB397691}" type="slidenum">
               <a:rPr lang="en-US" smtClean="0"/>
+              <a:pPr/>
               <a:t>8</a:t>
             </a:fld>
             <a:endParaRPr lang="en-US"/>
@@ -25874,7 +25894,7 @@
     </p:spTree>
     <p:extLst>
       <p:ext uri="{BB962C8B-B14F-4D97-AF65-F5344CB8AC3E}">
-        <p14:creationId xmlns:p14="http://schemas.microsoft.com/office/powerpoint/2010/main" val="2074946651"/>
+        <p14:creationId xmlns:p14="http://schemas.microsoft.com/office/powerpoint/2010/main" xmlns="" val="2074946651"/>
       </p:ext>
     </p:extLst>
   </p:cSld>
@@ -25957,6 +25977,7 @@
           <a:p>
             <a:fld id="{EC4012B3-17B1-3444-AD8F-7606EB397691}" type="slidenum">
               <a:rPr lang="en-US" smtClean="0"/>
+              <a:pPr/>
               <a:t>9</a:t>
             </a:fld>
             <a:endParaRPr lang="en-US"/>
@@ -25966,7 +25987,7 @@
     </p:spTree>
     <p:extLst>
       <p:ext uri="{BB962C8B-B14F-4D97-AF65-F5344CB8AC3E}">
-        <p14:creationId xmlns:p14="http://schemas.microsoft.com/office/powerpoint/2010/main" val="2074946651"/>
+        <p14:creationId xmlns:p14="http://schemas.microsoft.com/office/powerpoint/2010/main" xmlns="" val="2074946651"/>
       </p:ext>
     </p:extLst>
   </p:cSld>
@@ -26170,7 +26191,8 @@
           <a:p>
             <a:fld id="{FA4F093F-E480-2245-AD62-9CA164B83B8E}" type="datetimeFigureOut">
               <a:rPr lang="en-US" smtClean="0"/>
-              <a:t>6/7/14</a:t>
+              <a:pPr/>
+              <a:t>6/19/2014</a:t>
             </a:fld>
             <a:endParaRPr lang="en-US"/>
           </a:p>
@@ -26212,6 +26234,7 @@
           <a:p>
             <a:fld id="{7A54243E-BF6B-F846-BDB6-BFE2BF3A6064}" type="slidenum">
               <a:rPr lang="en-US" smtClean="0"/>
+              <a:pPr/>
               <a:t>‹#›</a:t>
             </a:fld>
             <a:endParaRPr lang="en-US"/>
@@ -26335,7 +26358,8 @@
           <a:p>
             <a:fld id="{FA4F093F-E480-2245-AD62-9CA164B83B8E}" type="datetimeFigureOut">
               <a:rPr lang="en-US" smtClean="0"/>
-              <a:t>6/7/14</a:t>
+              <a:pPr/>
+              <a:t>6/19/2014</a:t>
             </a:fld>
             <a:endParaRPr lang="en-US"/>
           </a:p>
@@ -26377,6 +26401,7 @@
           <a:p>
             <a:fld id="{7A54243E-BF6B-F846-BDB6-BFE2BF3A6064}" type="slidenum">
               <a:rPr lang="en-US" smtClean="0"/>
+              <a:pPr/>
               <a:t>‹#›</a:t>
             </a:fld>
             <a:endParaRPr lang="en-US"/>
@@ -26510,7 +26535,8 @@
           <a:p>
             <a:fld id="{FA4F093F-E480-2245-AD62-9CA164B83B8E}" type="datetimeFigureOut">
               <a:rPr lang="en-US" smtClean="0"/>
-              <a:t>6/7/14</a:t>
+              <a:pPr/>
+              <a:t>6/19/2014</a:t>
             </a:fld>
             <a:endParaRPr lang="en-US"/>
           </a:p>
@@ -26552,6 +26578,7 @@
           <a:p>
             <a:fld id="{7A54243E-BF6B-F846-BDB6-BFE2BF3A6064}" type="slidenum">
               <a:rPr lang="en-US" smtClean="0"/>
+              <a:pPr/>
               <a:t>‹#›</a:t>
             </a:fld>
             <a:endParaRPr lang="en-US"/>
@@ -26675,7 +26702,8 @@
           <a:p>
             <a:fld id="{FA4F093F-E480-2245-AD62-9CA164B83B8E}" type="datetimeFigureOut">
               <a:rPr lang="en-US" smtClean="0"/>
-              <a:t>6/7/14</a:t>
+              <a:pPr/>
+              <a:t>6/19/2014</a:t>
             </a:fld>
             <a:endParaRPr lang="en-US"/>
           </a:p>
@@ -26717,6 +26745,7 @@
           <a:p>
             <a:fld id="{7A54243E-BF6B-F846-BDB6-BFE2BF3A6064}" type="slidenum">
               <a:rPr lang="en-US" smtClean="0"/>
+              <a:pPr/>
               <a:t>‹#›</a:t>
             </a:fld>
             <a:endParaRPr lang="en-US"/>
@@ -26916,7 +26945,8 @@
           <a:p>
             <a:fld id="{FA4F093F-E480-2245-AD62-9CA164B83B8E}" type="datetimeFigureOut">
               <a:rPr lang="en-US" smtClean="0"/>
-              <a:t>6/7/14</a:t>
+              <a:pPr/>
+              <a:t>6/19/2014</a:t>
             </a:fld>
             <a:endParaRPr lang="en-US"/>
           </a:p>
@@ -26958,6 +26988,7 @@
           <a:p>
             <a:fld id="{7A54243E-BF6B-F846-BDB6-BFE2BF3A6064}" type="slidenum">
               <a:rPr lang="en-US" smtClean="0"/>
+              <a:pPr/>
               <a:t>‹#›</a:t>
             </a:fld>
             <a:endParaRPr lang="en-US"/>
@@ -27199,7 +27230,8 @@
           <a:p>
             <a:fld id="{FA4F093F-E480-2245-AD62-9CA164B83B8E}" type="datetimeFigureOut">
               <a:rPr lang="en-US" smtClean="0"/>
-              <a:t>6/7/14</a:t>
+              <a:pPr/>
+              <a:t>6/19/2014</a:t>
             </a:fld>
             <a:endParaRPr lang="en-US"/>
           </a:p>
@@ -27241,6 +27273,7 @@
           <a:p>
             <a:fld id="{7A54243E-BF6B-F846-BDB6-BFE2BF3A6064}" type="slidenum">
               <a:rPr lang="en-US" smtClean="0"/>
+              <a:pPr/>
               <a:t>‹#›</a:t>
             </a:fld>
             <a:endParaRPr lang="en-US"/>
@@ -27628,7 +27661,8 @@
           <a:p>
             <a:fld id="{FA4F093F-E480-2245-AD62-9CA164B83B8E}" type="datetimeFigureOut">
               <a:rPr lang="en-US" smtClean="0"/>
-              <a:t>6/7/14</a:t>
+              <a:pPr/>
+              <a:t>6/19/2014</a:t>
             </a:fld>
             <a:endParaRPr lang="en-US"/>
           </a:p>
@@ -27670,6 +27704,7 @@
           <a:p>
             <a:fld id="{7A54243E-BF6B-F846-BDB6-BFE2BF3A6064}" type="slidenum">
               <a:rPr lang="en-US" smtClean="0"/>
+              <a:pPr/>
               <a:t>‹#›</a:t>
             </a:fld>
             <a:endParaRPr lang="en-US"/>
@@ -27741,7 +27776,8 @@
           <a:p>
             <a:fld id="{FA4F093F-E480-2245-AD62-9CA164B83B8E}" type="datetimeFigureOut">
               <a:rPr lang="en-US" smtClean="0"/>
-              <a:t>6/7/14</a:t>
+              <a:pPr/>
+              <a:t>6/19/2014</a:t>
             </a:fld>
             <a:endParaRPr lang="en-US"/>
           </a:p>
@@ -27783,6 +27819,7 @@
           <a:p>
             <a:fld id="{7A54243E-BF6B-F846-BDB6-BFE2BF3A6064}" type="slidenum">
               <a:rPr lang="en-US" smtClean="0"/>
+              <a:pPr/>
               <a:t>‹#›</a:t>
             </a:fld>
             <a:endParaRPr lang="en-US"/>
@@ -27831,7 +27868,8 @@
           <a:p>
             <a:fld id="{FA4F093F-E480-2245-AD62-9CA164B83B8E}" type="datetimeFigureOut">
               <a:rPr lang="en-US" smtClean="0"/>
-              <a:t>6/7/14</a:t>
+              <a:pPr/>
+              <a:t>6/19/2014</a:t>
             </a:fld>
             <a:endParaRPr lang="en-US"/>
           </a:p>
@@ -27873,6 +27911,7 @@
           <a:p>
             <a:fld id="{7A54243E-BF6B-F846-BDB6-BFE2BF3A6064}" type="slidenum">
               <a:rPr lang="en-US" smtClean="0"/>
+              <a:pPr/>
               <a:t>‹#›</a:t>
             </a:fld>
             <a:endParaRPr lang="en-US"/>
@@ -28020,7 +28059,8 @@
           <a:p>
             <a:fld id="{FA4F093F-E480-2245-AD62-9CA164B83B8E}" type="datetimeFigureOut">
               <a:rPr lang="en-US" smtClean="0"/>
-              <a:t>6/7/14</a:t>
+              <a:pPr/>
+              <a:t>6/19/2014</a:t>
             </a:fld>
             <a:endParaRPr lang="en-US"/>
           </a:p>
@@ -28062,6 +28102,7 @@
           <a:p>
             <a:fld id="{7A54243E-BF6B-F846-BDB6-BFE2BF3A6064}" type="slidenum">
               <a:rPr lang="en-US" smtClean="0"/>
+              <a:pPr/>
               <a:t>‹#›</a:t>
             </a:fld>
             <a:endParaRPr lang="en-US"/>
@@ -28338,7 +28379,8 @@
           <a:p>
             <a:fld id="{FA4F093F-E480-2245-AD62-9CA164B83B8E}" type="datetimeFigureOut">
               <a:rPr lang="en-US" smtClean="0"/>
-              <a:t>6/7/14</a:t>
+              <a:pPr/>
+              <a:t>6/19/2014</a:t>
             </a:fld>
             <a:endParaRPr lang="en-US"/>
           </a:p>
@@ -28361,6 +28403,7 @@
           <a:p>
             <a:fld id="{7A54243E-BF6B-F846-BDB6-BFE2BF3A6064}" type="slidenum">
               <a:rPr lang="en-US" smtClean="0"/>
+              <a:pPr/>
               <a:t>‹#›</a:t>
             </a:fld>
             <a:endParaRPr lang="en-US"/>
@@ -28643,6 +28686,7 @@
           <a:p>
             <a:fld id="{7A54243E-BF6B-F846-BDB6-BFE2BF3A6064}" type="slidenum">
               <a:rPr lang="en-US" smtClean="0"/>
+              <a:pPr/>
               <a:t>‹#›</a:t>
             </a:fld>
             <a:endParaRPr lang="en-US"/>
@@ -28717,7 +28761,8 @@
           <a:p>
             <a:fld id="{FA4F093F-E480-2245-AD62-9CA164B83B8E}" type="datetimeFigureOut">
               <a:rPr lang="en-US" smtClean="0"/>
-              <a:t>6/7/14</a:t>
+              <a:pPr/>
+              <a:t>6/19/2014</a:t>
             </a:fld>
             <a:endParaRPr lang="en-US"/>
           </a:p>
@@ -28742,7 +28787,7 @@
   <p:timing>
     <p:tnLst>
       <p:par>
-        <p:cTn xmlns:p14="http://schemas.microsoft.com/office/powerpoint/2010/main" id="1" dur="indefinite" restart="never" nodeType="tmRoot"/>
+        <p:cTn id="1" dur="indefinite" restart="never" nodeType="tmRoot"/>
       </p:par>
     </p:tnLst>
   </p:timing>
@@ -29101,7 +29146,11 @@
             </a:r>
             <a:r>
               <a:rPr lang="en-US" dirty="0" smtClean="0"/>
-              <a:t>and Shirley Qi</a:t>
+              <a:t>and </a:t>
+            </a:r>
+            <a:r>
+              <a:rPr lang="en-US" dirty="0" smtClean="0"/>
+              <a:t>Yuxiao Xie</a:t>
             </a:r>
             <a:endParaRPr lang="en-US" dirty="0"/>
           </a:p>
@@ -29110,25 +29159,25 @@
     </p:spTree>
     <p:extLst>
       <p:ext uri="{BB962C8B-B14F-4D97-AF65-F5344CB8AC3E}">
-        <p14:creationId xmlns:p14="http://schemas.microsoft.com/office/powerpoint/2010/main" val="3086044872"/>
+        <p14:creationId xmlns:p14="http://schemas.microsoft.com/office/powerpoint/2010/main" xmlns="" val="3086044872"/>
       </p:ext>
     </p:extLst>
   </p:cSld>
   <p:clrMapOvr>
     <a:masterClrMapping/>
   </p:clrMapOvr>
-  <mc:AlternateContent xmlns:mc="http://schemas.openxmlformats.org/markup-compatibility/2006" xmlns:p14="http://schemas.microsoft.com/office/powerpoint/2010/main">
-    <mc:Choice Requires="p14">
+  <mc:AlternateContent xmlns:mc="http://schemas.openxmlformats.org/markup-compatibility/2006">
+    <mc:Choice xmlns:p14="http://schemas.microsoft.com/office/powerpoint/2010/main" xmlns="" Requires="p14">
       <p:transition p14:dur="0"/>
     </mc:Choice>
-    <mc:Fallback xmlns="">
-      <p:transition xmlns:p14="http://schemas.microsoft.com/office/powerpoint/2010/main"/>
+    <mc:Fallback>
+      <p:transition/>
     </mc:Fallback>
   </mc:AlternateContent>
   <p:timing>
     <p:tnLst>
       <p:par>
-        <p:cTn xmlns:p14="http://schemas.microsoft.com/office/powerpoint/2010/main" id="1" dur="indefinite" restart="never" nodeType="tmRoot"/>
+        <p:cTn id="1" dur="indefinite" restart="never" nodeType="tmRoot"/>
       </p:par>
     </p:tnLst>
   </p:timing>
@@ -29421,7 +29470,7 @@
           <a:blip r:embed="rId3">
             <a:extLst>
               <a:ext uri="{28A0092B-C50C-407E-A947-70E740481C1C}">
-                <a14:useLocalDpi xmlns:a14="http://schemas.microsoft.com/office/drawing/2010/main" val="0"/>
+                <a14:useLocalDpi xmlns:a14="http://schemas.microsoft.com/office/drawing/2010/main" xmlns="" val="0"/>
               </a:ext>
             </a:extLst>
           </a:blip>
@@ -29463,7 +29512,7 @@
           <a:blip r:embed="rId4">
             <a:extLst>
               <a:ext uri="{28A0092B-C50C-407E-A947-70E740481C1C}">
-                <a14:useLocalDpi xmlns:a14="http://schemas.microsoft.com/office/drawing/2010/main" val="0"/>
+                <a14:useLocalDpi xmlns:a14="http://schemas.microsoft.com/office/drawing/2010/main" xmlns="" val="0"/>
               </a:ext>
             </a:extLst>
           </a:blip>
@@ -29525,7 +29574,7 @@
     </p:spTree>
     <p:extLst>
       <p:ext uri="{BB962C8B-B14F-4D97-AF65-F5344CB8AC3E}">
-        <p14:creationId xmlns:p14="http://schemas.microsoft.com/office/powerpoint/2010/main" val="154151852"/>
+        <p14:creationId xmlns:p14="http://schemas.microsoft.com/office/powerpoint/2010/main" xmlns="" val="154151852"/>
       </p:ext>
     </p:extLst>
   </p:cSld>
@@ -29535,7 +29584,7 @@
   <p:timing>
     <p:tnLst>
       <p:par>
-        <p:cTn xmlns:p14="http://schemas.microsoft.com/office/powerpoint/2010/main" id="1" dur="indefinite" restart="never" nodeType="tmRoot">
+        <p:cTn id="1" dur="indefinite" restart="never" nodeType="tmRoot">
           <p:childTnLst>
             <p:seq concurrent="1" nextAc="seek">
               <p:cTn id="2" dur="indefinite" nodeType="mainSeq">
@@ -30483,7 +30532,7 @@
           <p:nvPr>
             <p:extLst>
               <p:ext uri="{D42A27DB-BD31-4B8C-83A1-F6EECF244321}">
-                <p14:modId xmlns:p14="http://schemas.microsoft.com/office/powerpoint/2010/main" val="2402316473"/>
+                <p14:modId xmlns:p14="http://schemas.microsoft.com/office/powerpoint/2010/main" xmlns="" val="2402316473"/>
               </p:ext>
             </p:extLst>
           </p:nvPr>
@@ -31036,7 +31085,7 @@
             <p:ph sz="half" idx="2"/>
             <p:extLst>
               <p:ext uri="{D42A27DB-BD31-4B8C-83A1-F6EECF244321}">
-                <p14:modId xmlns:p14="http://schemas.microsoft.com/office/powerpoint/2010/main" val="4229705782"/>
+                <p14:modId xmlns:p14="http://schemas.microsoft.com/office/powerpoint/2010/main" xmlns="" val="4229705782"/>
               </p:ext>
             </p:extLst>
           </p:nvPr>
@@ -32042,7 +32091,7 @@
     </p:spTree>
     <p:extLst>
       <p:ext uri="{BB962C8B-B14F-4D97-AF65-F5344CB8AC3E}">
-        <p14:creationId xmlns:p14="http://schemas.microsoft.com/office/powerpoint/2010/main" val="154151852"/>
+        <p14:creationId xmlns:p14="http://schemas.microsoft.com/office/powerpoint/2010/main" xmlns="" val="154151852"/>
       </p:ext>
     </p:extLst>
   </p:cSld>
@@ -32052,7 +32101,7 @@
   <p:timing>
     <p:tnLst>
       <p:par>
-        <p:cTn xmlns:p14="http://schemas.microsoft.com/office/powerpoint/2010/main" id="1" dur="indefinite" restart="never" nodeType="tmRoot">
+        <p:cTn id="1" dur="indefinite" restart="never" nodeType="tmRoot">
           <p:childTnLst>
             <p:seq concurrent="1" nextAc="seek">
               <p:cTn id="2" dur="indefinite" nodeType="mainSeq">
@@ -33020,7 +33069,7 @@
             <p:ph sz="half" idx="2"/>
             <p:extLst>
               <p:ext uri="{D42A27DB-BD31-4B8C-83A1-F6EECF244321}">
-                <p14:modId xmlns:p14="http://schemas.microsoft.com/office/powerpoint/2010/main" val="2915684"/>
+                <p14:modId xmlns:p14="http://schemas.microsoft.com/office/powerpoint/2010/main" xmlns="" val="2915684"/>
               </p:ext>
             </p:extLst>
           </p:nvPr>
@@ -33632,7 +33681,7 @@
             <p:ph sz="half" idx="2"/>
             <p:extLst>
               <p:ext uri="{D42A27DB-BD31-4B8C-83A1-F6EECF244321}">
-                <p14:modId xmlns:p14="http://schemas.microsoft.com/office/powerpoint/2010/main" val="1804716669"/>
+                <p14:modId xmlns:p14="http://schemas.microsoft.com/office/powerpoint/2010/main" xmlns="" val="1804716669"/>
               </p:ext>
             </p:extLst>
           </p:nvPr>
@@ -34486,7 +34535,7 @@
     </p:spTree>
     <p:extLst>
       <p:ext uri="{BB962C8B-B14F-4D97-AF65-F5344CB8AC3E}">
-        <p14:creationId xmlns:p14="http://schemas.microsoft.com/office/powerpoint/2010/main" val="324378833"/>
+        <p14:creationId xmlns:p14="http://schemas.microsoft.com/office/powerpoint/2010/main" xmlns="" val="324378833"/>
       </p:ext>
     </p:extLst>
   </p:cSld>
@@ -34496,7 +34545,7 @@
   <p:timing>
     <p:tnLst>
       <p:par>
-        <p:cTn xmlns:p14="http://schemas.microsoft.com/office/powerpoint/2010/main" id="1" dur="indefinite" restart="never" nodeType="tmRoot">
+        <p:cTn id="1" dur="indefinite" restart="never" nodeType="tmRoot">
           <p:childTnLst>
             <p:seq concurrent="1" nextAc="seek">
               <p:cTn id="2" dur="indefinite" nodeType="mainSeq">
@@ -35152,7 +35201,7 @@
           <p:nvPr>
             <p:extLst>
               <p:ext uri="{D42A27DB-BD31-4B8C-83A1-F6EECF244321}">
-                <p14:modId xmlns:p14="http://schemas.microsoft.com/office/powerpoint/2010/main" val="3582007967"/>
+                <p14:modId xmlns:p14="http://schemas.microsoft.com/office/powerpoint/2010/main" xmlns="" val="3582007967"/>
               </p:ext>
             </p:extLst>
           </p:nvPr>
@@ -35780,7 +35829,7 @@
           <p:nvPr>
             <p:extLst>
               <p:ext uri="{D42A27DB-BD31-4B8C-83A1-F6EECF244321}">
-                <p14:modId xmlns:p14="http://schemas.microsoft.com/office/powerpoint/2010/main" val="2345842903"/>
+                <p14:modId xmlns:p14="http://schemas.microsoft.com/office/powerpoint/2010/main" xmlns="" val="2345842903"/>
               </p:ext>
             </p:extLst>
           </p:nvPr>
@@ -36384,7 +36433,7 @@
           <p:nvPr>
             <p:extLst>
               <p:ext uri="{D42A27DB-BD31-4B8C-83A1-F6EECF244321}">
-                <p14:modId xmlns:p14="http://schemas.microsoft.com/office/powerpoint/2010/main" val="3652416"/>
+                <p14:modId xmlns:p14="http://schemas.microsoft.com/office/powerpoint/2010/main" xmlns="" val="3652416"/>
               </p:ext>
             </p:extLst>
           </p:nvPr>
@@ -37034,7 +37083,7 @@
           <p:nvPr>
             <p:extLst>
               <p:ext uri="{D42A27DB-BD31-4B8C-83A1-F6EECF244321}">
-                <p14:modId xmlns:p14="http://schemas.microsoft.com/office/powerpoint/2010/main" val="1652561595"/>
+                <p14:modId xmlns:p14="http://schemas.microsoft.com/office/powerpoint/2010/main" xmlns="" val="1652561595"/>
               </p:ext>
             </p:extLst>
           </p:nvPr>
@@ -37632,7 +37681,7 @@
     </p:spTree>
     <p:extLst>
       <p:ext uri="{BB962C8B-B14F-4D97-AF65-F5344CB8AC3E}">
-        <p14:creationId xmlns:p14="http://schemas.microsoft.com/office/powerpoint/2010/main" val="154151852"/>
+        <p14:creationId xmlns:p14="http://schemas.microsoft.com/office/powerpoint/2010/main" xmlns="" val="154151852"/>
       </p:ext>
     </p:extLst>
   </p:cSld>
@@ -37642,7 +37691,7 @@
   <p:timing>
     <p:tnLst>
       <p:par>
-        <p:cTn xmlns:p14="http://schemas.microsoft.com/office/powerpoint/2010/main" id="1" dur="indefinite" restart="never" nodeType="tmRoot">
+        <p:cTn id="1" dur="indefinite" restart="never" nodeType="tmRoot">
           <p:childTnLst>
             <p:seq concurrent="1" nextAc="seek">
               <p:cTn id="2" dur="indefinite" nodeType="mainSeq">
@@ -38678,7 +38727,7 @@
           <a:blip r:embed="rId2">
             <a:extLst>
               <a:ext uri="{28A0092B-C50C-407E-A947-70E740481C1C}">
-                <a14:useLocalDpi xmlns:a14="http://schemas.microsoft.com/office/drawing/2010/main" val="0"/>
+                <a14:useLocalDpi xmlns:a14="http://schemas.microsoft.com/office/drawing/2010/main" xmlns="" val="0"/>
               </a:ext>
             </a:extLst>
           </a:blip>
@@ -38792,7 +38841,7 @@
           <a:blip r:embed="rId3">
             <a:extLst>
               <a:ext uri="{28A0092B-C50C-407E-A947-70E740481C1C}">
-                <a14:useLocalDpi xmlns:a14="http://schemas.microsoft.com/office/drawing/2010/main" val="0"/>
+                <a14:useLocalDpi xmlns:a14="http://schemas.microsoft.com/office/drawing/2010/main" xmlns="" val="0"/>
               </a:ext>
             </a:extLst>
           </a:blip>
@@ -38824,7 +38873,7 @@
     </p:spTree>
     <p:extLst>
       <p:ext uri="{BB962C8B-B14F-4D97-AF65-F5344CB8AC3E}">
-        <p14:creationId xmlns:p14="http://schemas.microsoft.com/office/powerpoint/2010/main" val="3499394878"/>
+        <p14:creationId xmlns:p14="http://schemas.microsoft.com/office/powerpoint/2010/main" xmlns="" val="3499394878"/>
       </p:ext>
     </p:extLst>
   </p:cSld>
@@ -38834,7 +38883,7 @@
   <p:timing>
     <p:tnLst>
       <p:par>
-        <p:cTn xmlns:p14="http://schemas.microsoft.com/office/powerpoint/2010/main" id="1" dur="indefinite" restart="never" nodeType="tmRoot">
+        <p:cTn id="1" dur="indefinite" restart="never" nodeType="tmRoot">
           <p:childTnLst>
             <p:seq concurrent="1" nextAc="seek">
               <p:cTn id="2" dur="indefinite" nodeType="mainSeq">
@@ -39298,7 +39347,7 @@
               <a:blip r:embed="rId3">
                 <a:extLst>
                   <a:ext uri="{28A0092B-C50C-407E-A947-70E740481C1C}">
-                    <a14:useLocalDpi xmlns:a14="http://schemas.microsoft.com/office/drawing/2010/main" val="0"/>
+                    <a14:useLocalDpi xmlns:a14="http://schemas.microsoft.com/office/drawing/2010/main" xmlns="" val="0"/>
                   </a:ext>
                 </a:extLst>
               </a:blip>
@@ -39437,7 +39486,7 @@
           <a:blip r:embed="rId4">
             <a:extLst>
               <a:ext uri="{28A0092B-C50C-407E-A947-70E740481C1C}">
-                <a14:useLocalDpi xmlns:a14="http://schemas.microsoft.com/office/drawing/2010/main" val="0"/>
+                <a14:useLocalDpi xmlns:a14="http://schemas.microsoft.com/office/drawing/2010/main" xmlns="" val="0"/>
               </a:ext>
             </a:extLst>
           </a:blip>
@@ -39544,21 +39593,21 @@
     </p:spTree>
     <p:extLst>
       <p:ext uri="{BB962C8B-B14F-4D97-AF65-F5344CB8AC3E}">
-        <p14:creationId xmlns:p14="http://schemas.microsoft.com/office/powerpoint/2010/main" val="3028320859"/>
+        <p14:creationId xmlns:p14="http://schemas.microsoft.com/office/powerpoint/2010/main" xmlns="" val="3028320859"/>
       </p:ext>
     </p:extLst>
   </p:cSld>
   <p:clrMapOvr>
     <a:masterClrMapping/>
   </p:clrMapOvr>
-  <mc:AlternateContent xmlns:mc="http://schemas.openxmlformats.org/markup-compatibility/2006" xmlns:p14="http://schemas.microsoft.com/office/powerpoint/2010/main">
-    <mc:Choice Requires="p14">
+  <mc:AlternateContent xmlns:mc="http://schemas.openxmlformats.org/markup-compatibility/2006">
+    <mc:Choice xmlns:p14="http://schemas.microsoft.com/office/powerpoint/2010/main" xmlns="" Requires="p14">
       <p:transition spd="med" p14:dur="700">
         <p:fade/>
       </p:transition>
     </mc:Choice>
-    <mc:Fallback xmlns="">
-      <p:transition xmlns:p14="http://schemas.microsoft.com/office/powerpoint/2010/main" spd="med">
+    <mc:Fallback>
+      <p:transition spd="med">
         <p:fade/>
       </p:transition>
     </mc:Fallback>
@@ -39566,7 +39615,7 @@
   <p:timing>
     <p:tnLst>
       <p:par>
-        <p:cTn xmlns:p14="http://schemas.microsoft.com/office/powerpoint/2010/main" id="1" dur="indefinite" restart="never" nodeType="tmRoot">
+        <p:cTn id="1" dur="indefinite" restart="never" nodeType="tmRoot">
           <p:childTnLst>
             <p:seq concurrent="1" nextAc="seek">
               <p:cTn id="2" dur="indefinite" nodeType="mainSeq">
@@ -40151,7 +40200,7 @@
           <a:blip r:embed="rId2">
             <a:extLst>
               <a:ext uri="{28A0092B-C50C-407E-A947-70E740481C1C}">
-                <a14:useLocalDpi xmlns:a14="http://schemas.microsoft.com/office/drawing/2010/main" val="0"/>
+                <a14:useLocalDpi xmlns:a14="http://schemas.microsoft.com/office/drawing/2010/main" xmlns="" val="0"/>
               </a:ext>
             </a:extLst>
           </a:blip>
@@ -40214,7 +40263,7 @@
     </p:spTree>
     <p:extLst>
       <p:ext uri="{BB962C8B-B14F-4D97-AF65-F5344CB8AC3E}">
-        <p14:creationId xmlns:p14="http://schemas.microsoft.com/office/powerpoint/2010/main" val="3380650302"/>
+        <p14:creationId xmlns:p14="http://schemas.microsoft.com/office/powerpoint/2010/main" xmlns="" val="3380650302"/>
       </p:ext>
     </p:extLst>
   </p:cSld>
@@ -40224,7 +40273,7 @@
   <p:timing>
     <p:tnLst>
       <p:par>
-        <p:cTn xmlns:p14="http://schemas.microsoft.com/office/powerpoint/2010/main" id="1" dur="indefinite" restart="never" nodeType="tmRoot">
+        <p:cTn id="1" dur="indefinite" restart="never" nodeType="tmRoot">
           <p:childTnLst>
             <p:seq concurrent="1" nextAc="seek">
               <p:cTn id="2" dur="indefinite" nodeType="mainSeq">
@@ -40882,7 +40931,7 @@
     </p:spTree>
     <p:extLst>
       <p:ext uri="{BB962C8B-B14F-4D97-AF65-F5344CB8AC3E}">
-        <p14:creationId xmlns:p14="http://schemas.microsoft.com/office/powerpoint/2010/main" val="872922450"/>
+        <p14:creationId xmlns:p14="http://schemas.microsoft.com/office/powerpoint/2010/main" xmlns="" val="872922450"/>
       </p:ext>
     </p:extLst>
   </p:cSld>
@@ -40892,7 +40941,7 @@
   <p:timing>
     <p:tnLst>
       <p:par>
-        <p:cTn xmlns:p14="http://schemas.microsoft.com/office/powerpoint/2010/main" id="1" dur="indefinite" restart="never" nodeType="tmRoot">
+        <p:cTn id="1" dur="indefinite" restart="never" nodeType="tmRoot">
           <p:childTnLst>
             <p:seq concurrent="1" nextAc="seek">
               <p:cTn id="2" dur="indefinite" nodeType="mainSeq">
@@ -41801,7 +41850,7 @@
             <a:blip r:embed="rId2">
               <a:extLst>
                 <a:ext uri="{28A0092B-C50C-407E-A947-70E740481C1C}">
-                  <a14:useLocalDpi xmlns:a14="http://schemas.microsoft.com/office/drawing/2010/main" val="0"/>
+                  <a14:useLocalDpi xmlns:a14="http://schemas.microsoft.com/office/drawing/2010/main" xmlns="" val="0"/>
                 </a:ext>
               </a:extLst>
             </a:blip>
@@ -41884,7 +41933,7 @@
             <a:blip r:embed="rId2">
               <a:extLst>
                 <a:ext uri="{28A0092B-C50C-407E-A947-70E740481C1C}">
-                  <a14:useLocalDpi xmlns:a14="http://schemas.microsoft.com/office/drawing/2010/main" val="0"/>
+                  <a14:useLocalDpi xmlns:a14="http://schemas.microsoft.com/office/drawing/2010/main" xmlns="" val="0"/>
                 </a:ext>
               </a:extLst>
             </a:blip>
@@ -42097,7 +42146,7 @@
     </p:spTree>
     <p:extLst>
       <p:ext uri="{BB962C8B-B14F-4D97-AF65-F5344CB8AC3E}">
-        <p14:creationId xmlns:p14="http://schemas.microsoft.com/office/powerpoint/2010/main" val="495591598"/>
+        <p14:creationId xmlns:p14="http://schemas.microsoft.com/office/powerpoint/2010/main" xmlns="" val="495591598"/>
       </p:ext>
     </p:extLst>
   </p:cSld>
@@ -42107,7 +42156,7 @@
   <p:timing>
     <p:tnLst>
       <p:par>
-        <p:cTn xmlns:p14="http://schemas.microsoft.com/office/powerpoint/2010/main" id="1" dur="indefinite" restart="never" nodeType="tmRoot">
+        <p:cTn id="1" dur="indefinite" restart="never" nodeType="tmRoot">
           <p:childTnLst>
             <p:seq concurrent="1" nextAc="seek">
               <p:cTn id="2" dur="indefinite" nodeType="mainSeq">
@@ -42595,7 +42644,7 @@
           <a:blip r:embed="rId2">
             <a:extLst>
               <a:ext uri="{28A0092B-C50C-407E-A947-70E740481C1C}">
-                <a14:useLocalDpi xmlns:a14="http://schemas.microsoft.com/office/drawing/2010/main" val="0"/>
+                <a14:useLocalDpi xmlns:a14="http://schemas.microsoft.com/office/drawing/2010/main" xmlns="" val="0"/>
               </a:ext>
             </a:extLst>
           </a:blip>
@@ -42663,7 +42712,7 @@
           <a:blip r:embed="rId3">
             <a:extLst>
               <a:ext uri="{28A0092B-C50C-407E-A947-70E740481C1C}">
-                <a14:useLocalDpi xmlns:a14="http://schemas.microsoft.com/office/drawing/2010/main" val="0"/>
+                <a14:useLocalDpi xmlns:a14="http://schemas.microsoft.com/office/drawing/2010/main" xmlns="" val="0"/>
               </a:ext>
             </a:extLst>
           </a:blip>
@@ -42748,7 +42797,7 @@
           <a:blip r:embed="rId4">
             <a:extLst>
               <a:ext uri="{28A0092B-C50C-407E-A947-70E740481C1C}">
-                <a14:useLocalDpi xmlns:a14="http://schemas.microsoft.com/office/drawing/2010/main" val="0"/>
+                <a14:useLocalDpi xmlns:a14="http://schemas.microsoft.com/office/drawing/2010/main" xmlns="" val="0"/>
               </a:ext>
             </a:extLst>
           </a:blip>
@@ -42778,7 +42827,7 @@
     </p:spTree>
     <p:extLst>
       <p:ext uri="{BB962C8B-B14F-4D97-AF65-F5344CB8AC3E}">
-        <p14:creationId xmlns:p14="http://schemas.microsoft.com/office/powerpoint/2010/main" val="350410440"/>
+        <p14:creationId xmlns:p14="http://schemas.microsoft.com/office/powerpoint/2010/main" xmlns="" val="350410440"/>
       </p:ext>
     </p:extLst>
   </p:cSld>
@@ -42788,7 +42837,7 @@
   <p:timing>
     <p:tnLst>
       <p:par>
-        <p:cTn xmlns:p14="http://schemas.microsoft.com/office/powerpoint/2010/main" id="1" dur="indefinite" restart="never" nodeType="tmRoot">
+        <p:cTn id="1" dur="indefinite" restart="never" nodeType="tmRoot">
           <p:childTnLst>
             <p:seq concurrent="1" nextAc="seek">
               <p:cTn id="2" dur="indefinite" nodeType="mainSeq">
@@ -43216,7 +43265,7 @@
             <p:ph sz="half" idx="2"/>
             <p:extLst>
               <p:ext uri="{D42A27DB-BD31-4B8C-83A1-F6EECF244321}">
-                <p14:modId xmlns:p14="http://schemas.microsoft.com/office/powerpoint/2010/main" val="3625876832"/>
+                <p14:modId xmlns:p14="http://schemas.microsoft.com/office/powerpoint/2010/main" xmlns="" val="3625876832"/>
               </p:ext>
             </p:extLst>
           </p:nvPr>
@@ -43234,20 +43283,20 @@
     </p:spTree>
     <p:extLst>
       <p:ext uri="{BB962C8B-B14F-4D97-AF65-F5344CB8AC3E}">
-        <p14:creationId xmlns:p14="http://schemas.microsoft.com/office/powerpoint/2010/main" val="1527294026"/>
+        <p14:creationId xmlns:p14="http://schemas.microsoft.com/office/powerpoint/2010/main" xmlns="" val="1527294026"/>
       </p:ext>
     </p:extLst>
   </p:cSld>
   <p:clrMapOvr>
     <a:masterClrMapping/>
   </p:clrMapOvr>
-  <p:transition xmlns:p14="http://schemas.microsoft.com/office/powerpoint/2010/main">
+  <p:transition>
     <p:fade/>
   </p:transition>
   <p:timing>
     <p:tnLst>
       <p:par>
-        <p:cTn xmlns:p14="http://schemas.microsoft.com/office/powerpoint/2010/main" id="1" dur="indefinite" restart="never" nodeType="tmRoot"/>
+        <p:cTn id="1" dur="indefinite" restart="never" nodeType="tmRoot"/>
       </p:par>
     </p:tnLst>
   </p:timing>
@@ -43278,7 +43327,7 @@
           <p:nvPr>
             <p:extLst>
               <p:ext uri="{D42A27DB-BD31-4B8C-83A1-F6EECF244321}">
-                <p14:modId xmlns:p14="http://schemas.microsoft.com/office/powerpoint/2010/main" val="1194874373"/>
+                <p14:modId xmlns:p14="http://schemas.microsoft.com/office/powerpoint/2010/main" xmlns="" val="1194874373"/>
               </p:ext>
             </p:extLst>
           </p:nvPr>
@@ -43324,7 +43373,7 @@
     </p:spTree>
     <p:extLst>
       <p:ext uri="{BB962C8B-B14F-4D97-AF65-F5344CB8AC3E}">
-        <p14:creationId xmlns:p14="http://schemas.microsoft.com/office/powerpoint/2010/main" val="579456155"/>
+        <p14:creationId xmlns:p14="http://schemas.microsoft.com/office/powerpoint/2010/main" xmlns="" val="579456155"/>
       </p:ext>
     </p:extLst>
   </p:cSld>
@@ -43334,7 +43383,7 @@
   <p:timing>
     <p:tnLst>
       <p:par>
-        <p:cTn xmlns:p14="http://schemas.microsoft.com/office/powerpoint/2010/main" id="1" dur="indefinite" restart="never" nodeType="tmRoot">
+        <p:cTn id="1" dur="indefinite" restart="never" nodeType="tmRoot">
           <p:childTnLst>
             <p:seq concurrent="1" nextAc="seek">
               <p:cTn id="2" dur="indefinite" nodeType="mainSeq">
@@ -43605,21 +43654,21 @@
     </p:spTree>
     <p:extLst>
       <p:ext uri="{BB962C8B-B14F-4D97-AF65-F5344CB8AC3E}">
-        <p14:creationId xmlns:p14="http://schemas.microsoft.com/office/powerpoint/2010/main" val="1444086478"/>
+        <p14:creationId xmlns:p14="http://schemas.microsoft.com/office/powerpoint/2010/main" xmlns="" val="1444086478"/>
       </p:ext>
     </p:extLst>
   </p:cSld>
   <p:clrMapOvr>
     <a:masterClrMapping/>
   </p:clrMapOvr>
-  <mc:AlternateContent xmlns:mc="http://schemas.openxmlformats.org/markup-compatibility/2006" xmlns:p14="http://schemas.microsoft.com/office/powerpoint/2010/main">
-    <mc:Choice Requires="p14">
+  <mc:AlternateContent xmlns:mc="http://schemas.openxmlformats.org/markup-compatibility/2006">
+    <mc:Choice xmlns:p14="http://schemas.microsoft.com/office/powerpoint/2010/main" xmlns="" Requires="p14">
       <p:transition spd="med" p14:dur="700">
         <p:fade/>
       </p:transition>
     </mc:Choice>
-    <mc:Fallback xmlns="">
-      <p:transition xmlns:p14="http://schemas.microsoft.com/office/powerpoint/2010/main" spd="med">
+    <mc:Fallback>
+      <p:transition spd="med">
         <p:fade/>
       </p:transition>
     </mc:Fallback>
@@ -43627,7 +43676,7 @@
   <p:timing>
     <p:tnLst>
       <p:par>
-        <p:cTn xmlns:p14="http://schemas.microsoft.com/office/powerpoint/2010/main" id="1" dur="indefinite" restart="never" nodeType="tmRoot">
+        <p:cTn id="1" dur="indefinite" restart="never" nodeType="tmRoot">
           <p:childTnLst>
             <p:seq concurrent="1" nextAc="seek">
               <p:cTn id="2" dur="indefinite" nodeType="mainSeq">
@@ -44019,20 +44068,20 @@
     </p:spTree>
     <p:extLst>
       <p:ext uri="{BB962C8B-B14F-4D97-AF65-F5344CB8AC3E}">
-        <p14:creationId xmlns:p14="http://schemas.microsoft.com/office/powerpoint/2010/main" val="960384312"/>
+        <p14:creationId xmlns:p14="http://schemas.microsoft.com/office/powerpoint/2010/main" xmlns="" val="960384312"/>
       </p:ext>
     </p:extLst>
   </p:cSld>
   <p:clrMapOvr>
     <a:masterClrMapping/>
   </p:clrMapOvr>
-  <p:transition xmlns:p14="http://schemas.microsoft.com/office/powerpoint/2010/main">
+  <p:transition>
     <p:fade/>
   </p:transition>
   <p:timing>
     <p:tnLst>
       <p:par>
-        <p:cTn xmlns:p14="http://schemas.microsoft.com/office/powerpoint/2010/main" id="1" dur="indefinite" restart="never" nodeType="tmRoot">
+        <p:cTn id="1" dur="indefinite" restart="never" nodeType="tmRoot">
           <p:childTnLst>
             <p:seq concurrent="1" nextAc="seek">
               <p:cTn id="2" dur="indefinite" nodeType="mainSeq">
@@ -44502,7 +44551,7 @@
           <a:blip r:embed="rId3">
             <a:extLst>
               <a:ext uri="{28A0092B-C50C-407E-A947-70E740481C1C}">
-                <a14:useLocalDpi xmlns:a14="http://schemas.microsoft.com/office/drawing/2010/main" val="0"/>
+                <a14:useLocalDpi xmlns:a14="http://schemas.microsoft.com/office/drawing/2010/main" xmlns="" val="0"/>
               </a:ext>
             </a:extLst>
           </a:blip>
@@ -44542,7 +44591,7 @@
           <a:blip r:embed="rId4">
             <a:extLst>
               <a:ext uri="{28A0092B-C50C-407E-A947-70E740481C1C}">
-                <a14:useLocalDpi xmlns:a14="http://schemas.microsoft.com/office/drawing/2010/main" val="0"/>
+                <a14:useLocalDpi xmlns:a14="http://schemas.microsoft.com/office/drawing/2010/main" xmlns="" val="0"/>
               </a:ext>
             </a:extLst>
           </a:blip>
@@ -44573,20 +44622,20 @@
     </p:spTree>
     <p:extLst>
       <p:ext uri="{BB962C8B-B14F-4D97-AF65-F5344CB8AC3E}">
-        <p14:creationId xmlns:p14="http://schemas.microsoft.com/office/powerpoint/2010/main" val="3055338291"/>
+        <p14:creationId xmlns:p14="http://schemas.microsoft.com/office/powerpoint/2010/main" xmlns="" val="3055338291"/>
       </p:ext>
     </p:extLst>
   </p:cSld>
   <p:clrMapOvr>
     <a:masterClrMapping/>
   </p:clrMapOvr>
-  <p:transition xmlns:p14="http://schemas.microsoft.com/office/powerpoint/2010/main">
+  <p:transition>
     <p:fade/>
   </p:transition>
   <p:timing>
     <p:tnLst>
       <p:par>
-        <p:cTn xmlns:p14="http://schemas.microsoft.com/office/powerpoint/2010/main" id="1" dur="indefinite" restart="never" nodeType="tmRoot"/>
+        <p:cTn id="1" dur="indefinite" restart="never" nodeType="tmRoot"/>
       </p:par>
     </p:tnLst>
   </p:timing>
@@ -44650,7 +44699,7 @@
           <a:blip r:embed="rId3">
             <a:extLst>
               <a:ext uri="{28A0092B-C50C-407E-A947-70E740481C1C}">
-                <a14:useLocalDpi xmlns:a14="http://schemas.microsoft.com/office/drawing/2010/main" val="0"/>
+                <a14:useLocalDpi xmlns:a14="http://schemas.microsoft.com/office/drawing/2010/main" xmlns="" val="0"/>
               </a:ext>
             </a:extLst>
           </a:blip>
@@ -44690,7 +44739,7 @@
           <a:blip r:embed="rId4">
             <a:extLst>
               <a:ext uri="{28A0092B-C50C-407E-A947-70E740481C1C}">
-                <a14:useLocalDpi xmlns:a14="http://schemas.microsoft.com/office/drawing/2010/main" val="0"/>
+                <a14:useLocalDpi xmlns:a14="http://schemas.microsoft.com/office/drawing/2010/main" xmlns="" val="0"/>
               </a:ext>
             </a:extLst>
           </a:blip>
@@ -44721,21 +44770,21 @@
     </p:spTree>
     <p:extLst>
       <p:ext uri="{BB962C8B-B14F-4D97-AF65-F5344CB8AC3E}">
-        <p14:creationId xmlns:p14="http://schemas.microsoft.com/office/powerpoint/2010/main" val="50505277"/>
+        <p14:creationId xmlns:p14="http://schemas.microsoft.com/office/powerpoint/2010/main" xmlns="" val="50505277"/>
       </p:ext>
     </p:extLst>
   </p:cSld>
   <p:clrMapOvr>
     <a:masterClrMapping/>
   </p:clrMapOvr>
-  <mc:AlternateContent xmlns:mc="http://schemas.openxmlformats.org/markup-compatibility/2006" xmlns:p14="http://schemas.microsoft.com/office/powerpoint/2010/main">
-    <mc:Choice Requires="p14">
+  <mc:AlternateContent xmlns:mc="http://schemas.openxmlformats.org/markup-compatibility/2006">
+    <mc:Choice xmlns:p14="http://schemas.microsoft.com/office/powerpoint/2010/main" xmlns="" Requires="p14">
       <p:transition spd="med" p14:dur="700">
         <p:fade/>
       </p:transition>
     </mc:Choice>
-    <mc:Fallback xmlns="">
-      <p:transition xmlns:p14="http://schemas.microsoft.com/office/powerpoint/2010/main" spd="med">
+    <mc:Fallback>
+      <p:transition spd="med">
         <p:fade/>
       </p:transition>
     </mc:Fallback>
@@ -44743,7 +44792,7 @@
   <p:timing>
     <p:tnLst>
       <p:par>
-        <p:cTn xmlns:p14="http://schemas.microsoft.com/office/powerpoint/2010/main" id="1" dur="indefinite" restart="never" nodeType="tmRoot"/>
+        <p:cTn id="1" dur="indefinite" restart="never" nodeType="tmRoot"/>
       </p:par>
     </p:tnLst>
   </p:timing>
@@ -44807,7 +44856,7 @@
           <a:blip r:embed="rId2">
             <a:extLst>
               <a:ext uri="{28A0092B-C50C-407E-A947-70E740481C1C}">
-                <a14:useLocalDpi xmlns:a14="http://schemas.microsoft.com/office/drawing/2010/main" val="0"/>
+                <a14:useLocalDpi xmlns:a14="http://schemas.microsoft.com/office/drawing/2010/main" xmlns="" val="0"/>
               </a:ext>
             </a:extLst>
           </a:blip>
@@ -44847,7 +44896,7 @@
           <a:blip r:embed="rId3">
             <a:extLst>
               <a:ext uri="{28A0092B-C50C-407E-A947-70E740481C1C}">
-                <a14:useLocalDpi xmlns:a14="http://schemas.microsoft.com/office/drawing/2010/main" val="0"/>
+                <a14:useLocalDpi xmlns:a14="http://schemas.microsoft.com/office/drawing/2010/main" xmlns="" val="0"/>
               </a:ext>
             </a:extLst>
           </a:blip>
@@ -44887,7 +44936,7 @@
           <a:blip r:embed="rId4">
             <a:extLst>
               <a:ext uri="{28A0092B-C50C-407E-A947-70E740481C1C}">
-                <a14:useLocalDpi xmlns:a14="http://schemas.microsoft.com/office/drawing/2010/main" val="0"/>
+                <a14:useLocalDpi xmlns:a14="http://schemas.microsoft.com/office/drawing/2010/main" xmlns="" val="0"/>
               </a:ext>
             </a:extLst>
           </a:blip>
@@ -44927,7 +44976,7 @@
           <a:blip r:embed="rId5">
             <a:extLst>
               <a:ext uri="{28A0092B-C50C-407E-A947-70E740481C1C}">
-                <a14:useLocalDpi xmlns:a14="http://schemas.microsoft.com/office/drawing/2010/main" val="0"/>
+                <a14:useLocalDpi xmlns:a14="http://schemas.microsoft.com/office/drawing/2010/main" xmlns="" val="0"/>
               </a:ext>
             </a:extLst>
           </a:blip>
@@ -45002,20 +45051,20 @@
     </p:spTree>
     <p:extLst>
       <p:ext uri="{BB962C8B-B14F-4D97-AF65-F5344CB8AC3E}">
-        <p14:creationId xmlns:p14="http://schemas.microsoft.com/office/powerpoint/2010/main" val="2855621033"/>
+        <p14:creationId xmlns:p14="http://schemas.microsoft.com/office/powerpoint/2010/main" xmlns="" val="2855621033"/>
       </p:ext>
     </p:extLst>
   </p:cSld>
   <p:clrMapOvr>
     <a:masterClrMapping/>
   </p:clrMapOvr>
-  <p:transition xmlns:p14="http://schemas.microsoft.com/office/powerpoint/2010/main">
+  <p:transition>
     <p:fade/>
   </p:transition>
   <p:timing>
     <p:tnLst>
       <p:par>
-        <p:cTn xmlns:p14="http://schemas.microsoft.com/office/powerpoint/2010/main" id="1" dur="indefinite" restart="never" nodeType="tmRoot"/>
+        <p:cTn id="1" dur="indefinite" restart="never" nodeType="tmRoot"/>
       </p:par>
     </p:tnLst>
   </p:timing>
@@ -45140,20 +45189,20 @@
     </p:spTree>
     <p:extLst>
       <p:ext uri="{BB962C8B-B14F-4D97-AF65-F5344CB8AC3E}">
-        <p14:creationId xmlns:p14="http://schemas.microsoft.com/office/powerpoint/2010/main" val="1350153887"/>
+        <p14:creationId xmlns:p14="http://schemas.microsoft.com/office/powerpoint/2010/main" xmlns="" val="1350153887"/>
       </p:ext>
     </p:extLst>
   </p:cSld>
   <p:clrMapOvr>
     <a:masterClrMapping/>
   </p:clrMapOvr>
-  <p:transition xmlns:p14="http://schemas.microsoft.com/office/powerpoint/2010/main">
+  <p:transition>
     <p:fade/>
   </p:transition>
   <p:timing>
     <p:tnLst>
       <p:par>
-        <p:cTn xmlns:p14="http://schemas.microsoft.com/office/powerpoint/2010/main" id="1" dur="indefinite" restart="never" nodeType="tmRoot"/>
+        <p:cTn id="1" dur="indefinite" restart="never" nodeType="tmRoot"/>
       </p:par>
     </p:tnLst>
   </p:timing>
@@ -45226,21 +45275,21 @@
     </p:spTree>
     <p:extLst>
       <p:ext uri="{BB962C8B-B14F-4D97-AF65-F5344CB8AC3E}">
-        <p14:creationId xmlns:p14="http://schemas.microsoft.com/office/powerpoint/2010/main" val="4261367807"/>
+        <p14:creationId xmlns:p14="http://schemas.microsoft.com/office/powerpoint/2010/main" xmlns="" val="4261367807"/>
       </p:ext>
     </p:extLst>
   </p:cSld>
   <p:clrMapOvr>
     <a:masterClrMapping/>
   </p:clrMapOvr>
-  <mc:AlternateContent xmlns:mc="http://schemas.openxmlformats.org/markup-compatibility/2006" xmlns:p14="http://schemas.microsoft.com/office/powerpoint/2010/main">
-    <mc:Choice Requires="p14">
+  <mc:AlternateContent xmlns:mc="http://schemas.openxmlformats.org/markup-compatibility/2006">
+    <mc:Choice xmlns:p14="http://schemas.microsoft.com/office/powerpoint/2010/main" xmlns="" Requires="p14">
       <p:transition spd="med" p14:dur="700">
         <p:fade/>
       </p:transition>
     </mc:Choice>
-    <mc:Fallback xmlns="">
-      <p:transition xmlns:p14="http://schemas.microsoft.com/office/powerpoint/2010/main" spd="med">
+    <mc:Fallback>
+      <p:transition spd="med">
         <p:fade/>
       </p:transition>
     </mc:Fallback>
@@ -45248,7 +45297,7 @@
   <p:timing>
     <p:tnLst>
       <p:par>
-        <p:cTn xmlns:p14="http://schemas.microsoft.com/office/powerpoint/2010/main" id="1" dur="indefinite" restart="never" nodeType="tmRoot"/>
+        <p:cTn id="1" dur="indefinite" restart="never" nodeType="tmRoot"/>
       </p:par>
     </p:tnLst>
   </p:timing>
@@ -45304,7 +45353,7 @@
             <p:ph sz="half" idx="2"/>
             <p:extLst>
               <p:ext uri="{D42A27DB-BD31-4B8C-83A1-F6EECF244321}">
-                <p14:modId xmlns:p14="http://schemas.microsoft.com/office/powerpoint/2010/main" val="3233878809"/>
+                <p14:modId xmlns:p14="http://schemas.microsoft.com/office/powerpoint/2010/main" xmlns="" val="3233878809"/>
               </p:ext>
             </p:extLst>
           </p:nvPr>
@@ -45322,21 +45371,21 @@
     </p:spTree>
     <p:extLst>
       <p:ext uri="{BB962C8B-B14F-4D97-AF65-F5344CB8AC3E}">
-        <p14:creationId xmlns:p14="http://schemas.microsoft.com/office/powerpoint/2010/main" val="1047917742"/>
+        <p14:creationId xmlns:p14="http://schemas.microsoft.com/office/powerpoint/2010/main" xmlns="" val="1047917742"/>
       </p:ext>
     </p:extLst>
   </p:cSld>
   <p:clrMapOvr>
     <a:masterClrMapping/>
   </p:clrMapOvr>
-  <mc:AlternateContent xmlns:mc="http://schemas.openxmlformats.org/markup-compatibility/2006" xmlns:p14="http://schemas.microsoft.com/office/powerpoint/2010/main">
-    <mc:Choice Requires="p14">
+  <mc:AlternateContent xmlns:mc="http://schemas.openxmlformats.org/markup-compatibility/2006">
+    <mc:Choice xmlns:p14="http://schemas.microsoft.com/office/powerpoint/2010/main" xmlns="" Requires="p14">
       <p:transition spd="med" p14:dur="700">
         <p:fade/>
       </p:transition>
     </mc:Choice>
-    <mc:Fallback xmlns="">
-      <p:transition xmlns:p14="http://schemas.microsoft.com/office/powerpoint/2010/main" spd="med">
+    <mc:Fallback>
+      <p:transition spd="med">
         <p:fade/>
       </p:transition>
     </mc:Fallback>
@@ -45344,7 +45393,7 @@
   <p:timing>
     <p:tnLst>
       <p:par>
-        <p:cTn xmlns:p14="http://schemas.microsoft.com/office/powerpoint/2010/main" id="1" dur="indefinite" restart="never" nodeType="tmRoot"/>
+        <p:cTn id="1" dur="indefinite" restart="never" nodeType="tmRoot"/>
       </p:par>
     </p:tnLst>
   </p:timing>
@@ -45400,7 +45449,7 @@
             <p:ph sz="half" idx="2"/>
             <p:extLst>
               <p:ext uri="{D42A27DB-BD31-4B8C-83A1-F6EECF244321}">
-                <p14:modId xmlns:p14="http://schemas.microsoft.com/office/powerpoint/2010/main" val="2230244946"/>
+                <p14:modId xmlns:p14="http://schemas.microsoft.com/office/powerpoint/2010/main" xmlns="" val="2230244946"/>
               </p:ext>
             </p:extLst>
           </p:nvPr>
@@ -45418,20 +45467,20 @@
     </p:spTree>
     <p:extLst>
       <p:ext uri="{BB962C8B-B14F-4D97-AF65-F5344CB8AC3E}">
-        <p14:creationId xmlns:p14="http://schemas.microsoft.com/office/powerpoint/2010/main" val="2283581209"/>
+        <p14:creationId xmlns:p14="http://schemas.microsoft.com/office/powerpoint/2010/main" xmlns="" val="2283581209"/>
       </p:ext>
     </p:extLst>
   </p:cSld>
   <p:clrMapOvr>
     <a:masterClrMapping/>
   </p:clrMapOvr>
-  <p:transition xmlns:p14="http://schemas.microsoft.com/office/powerpoint/2010/main">
+  <p:transition>
     <p:fade/>
   </p:transition>
   <p:timing>
     <p:tnLst>
       <p:par>
-        <p:cTn xmlns:p14="http://schemas.microsoft.com/office/powerpoint/2010/main" id="1" dur="indefinite" restart="never" nodeType="tmRoot"/>
+        <p:cTn id="1" dur="indefinite" restart="never" nodeType="tmRoot"/>
       </p:par>
     </p:tnLst>
   </p:timing>
@@ -45487,7 +45536,7 @@
             <p:ph sz="half" idx="2"/>
             <p:extLst>
               <p:ext uri="{D42A27DB-BD31-4B8C-83A1-F6EECF244321}">
-                <p14:modId xmlns:p14="http://schemas.microsoft.com/office/powerpoint/2010/main" val="634811496"/>
+                <p14:modId xmlns:p14="http://schemas.microsoft.com/office/powerpoint/2010/main" xmlns="" val="634811496"/>
               </p:ext>
             </p:extLst>
           </p:nvPr>
@@ -45505,21 +45554,21 @@
     </p:spTree>
     <p:extLst>
       <p:ext uri="{BB962C8B-B14F-4D97-AF65-F5344CB8AC3E}">
-        <p14:creationId xmlns:p14="http://schemas.microsoft.com/office/powerpoint/2010/main" val="1536169020"/>
+        <p14:creationId xmlns:p14="http://schemas.microsoft.com/office/powerpoint/2010/main" xmlns="" val="1536169020"/>
       </p:ext>
     </p:extLst>
   </p:cSld>
   <p:clrMapOvr>
     <a:masterClrMapping/>
   </p:clrMapOvr>
-  <mc:AlternateContent xmlns:mc="http://schemas.openxmlformats.org/markup-compatibility/2006" xmlns:p14="http://schemas.microsoft.com/office/powerpoint/2010/main">
-    <mc:Choice Requires="p14">
+  <mc:AlternateContent xmlns:mc="http://schemas.openxmlformats.org/markup-compatibility/2006">
+    <mc:Choice xmlns:p14="http://schemas.microsoft.com/office/powerpoint/2010/main" xmlns="" Requires="p14">
       <p:transition spd="med" p14:dur="700">
         <p:fade/>
       </p:transition>
     </mc:Choice>
-    <mc:Fallback xmlns="">
-      <p:transition xmlns:p14="http://schemas.microsoft.com/office/powerpoint/2010/main" spd="med">
+    <mc:Fallback>
+      <p:transition spd="med">
         <p:fade/>
       </p:transition>
     </mc:Fallback>
@@ -45527,7 +45576,7 @@
   <p:timing>
     <p:tnLst>
       <p:par>
-        <p:cTn xmlns:p14="http://schemas.microsoft.com/office/powerpoint/2010/main" id="1" dur="indefinite" restart="never" nodeType="tmRoot"/>
+        <p:cTn id="1" dur="indefinite" restart="never" nodeType="tmRoot"/>
       </p:par>
     </p:tnLst>
   </p:timing>
@@ -45583,7 +45632,7 @@
             <p:ph sz="half" idx="2"/>
             <p:extLst>
               <p:ext uri="{D42A27DB-BD31-4B8C-83A1-F6EECF244321}">
-                <p14:modId xmlns:p14="http://schemas.microsoft.com/office/powerpoint/2010/main" val="1701799179"/>
+                <p14:modId xmlns:p14="http://schemas.microsoft.com/office/powerpoint/2010/main" xmlns="" val="1701799179"/>
               </p:ext>
             </p:extLst>
           </p:nvPr>
@@ -45601,20 +45650,20 @@
     </p:spTree>
     <p:extLst>
       <p:ext uri="{BB962C8B-B14F-4D97-AF65-F5344CB8AC3E}">
-        <p14:creationId xmlns:p14="http://schemas.microsoft.com/office/powerpoint/2010/main" val="209404796"/>
+        <p14:creationId xmlns:p14="http://schemas.microsoft.com/office/powerpoint/2010/main" xmlns="" val="209404796"/>
       </p:ext>
     </p:extLst>
   </p:cSld>
   <p:clrMapOvr>
     <a:masterClrMapping/>
   </p:clrMapOvr>
-  <p:transition xmlns:p14="http://schemas.microsoft.com/office/powerpoint/2010/main">
+  <p:transition>
     <p:fade/>
   </p:transition>
   <p:timing>
     <p:tnLst>
       <p:par>
-        <p:cTn xmlns:p14="http://schemas.microsoft.com/office/powerpoint/2010/main" id="1" dur="indefinite" restart="never" nodeType="tmRoot"/>
+        <p:cTn id="1" dur="indefinite" restart="never" nodeType="tmRoot"/>
       </p:par>
     </p:tnLst>
   </p:timing>
@@ -45727,7 +45776,7 @@
           <a:blip r:embed="rId3">
             <a:extLst>
               <a:ext uri="{28A0092B-C50C-407E-A947-70E740481C1C}">
-                <a14:useLocalDpi xmlns:a14="http://schemas.microsoft.com/office/drawing/2010/main" val="0"/>
+                <a14:useLocalDpi xmlns:a14="http://schemas.microsoft.com/office/drawing/2010/main" xmlns="" val="0"/>
               </a:ext>
             </a:extLst>
           </a:blip>
@@ -45767,7 +45816,7 @@
           <a:blip r:embed="rId4">
             <a:extLst>
               <a:ext uri="{28A0092B-C50C-407E-A947-70E740481C1C}">
-                <a14:useLocalDpi xmlns:a14="http://schemas.microsoft.com/office/drawing/2010/main" val="0"/>
+                <a14:useLocalDpi xmlns:a14="http://schemas.microsoft.com/office/drawing/2010/main" xmlns="" val="0"/>
               </a:ext>
             </a:extLst>
           </a:blip>
@@ -45798,20 +45847,20 @@
     </p:spTree>
     <p:extLst>
       <p:ext uri="{BB962C8B-B14F-4D97-AF65-F5344CB8AC3E}">
-        <p14:creationId xmlns:p14="http://schemas.microsoft.com/office/powerpoint/2010/main" val="3988885523"/>
+        <p14:creationId xmlns:p14="http://schemas.microsoft.com/office/powerpoint/2010/main" xmlns="" val="3988885523"/>
       </p:ext>
     </p:extLst>
   </p:cSld>
   <p:clrMapOvr>
     <a:masterClrMapping/>
   </p:clrMapOvr>
-  <p:transition xmlns:p14="http://schemas.microsoft.com/office/powerpoint/2010/main">
+  <p:transition>
     <p:fade/>
   </p:transition>
   <p:timing>
     <p:tnLst>
       <p:par>
-        <p:cTn xmlns:p14="http://schemas.microsoft.com/office/powerpoint/2010/main" id="1" dur="indefinite" restart="never" nodeType="tmRoot">
+        <p:cTn id="1" dur="indefinite" restart="never" nodeType="tmRoot">
           <p:childTnLst>
             <p:seq concurrent="1" nextAc="seek">
               <p:cTn id="2" dur="indefinite" nodeType="mainSeq">
@@ -46499,7 +46548,7 @@
             <p:ph sz="half" idx="2"/>
             <p:extLst>
               <p:ext uri="{D42A27DB-BD31-4B8C-83A1-F6EECF244321}">
-                <p14:modId xmlns:p14="http://schemas.microsoft.com/office/powerpoint/2010/main" val="1678615767"/>
+                <p14:modId xmlns:p14="http://schemas.microsoft.com/office/powerpoint/2010/main" xmlns="" val="1678615767"/>
               </p:ext>
             </p:extLst>
           </p:nvPr>
@@ -46838,7 +46887,7 @@
           <p:nvPr>
             <p:extLst>
               <p:ext uri="{D42A27DB-BD31-4B8C-83A1-F6EECF244321}">
-                <p14:modId xmlns:p14="http://schemas.microsoft.com/office/powerpoint/2010/main" val="3681290981"/>
+                <p14:modId xmlns:p14="http://schemas.microsoft.com/office/powerpoint/2010/main" xmlns="" val="3681290981"/>
               </p:ext>
             </p:extLst>
           </p:nvPr>
@@ -47172,7 +47221,7 @@
           <a:blip r:embed="rId3">
             <a:extLst>
               <a:ext uri="{28A0092B-C50C-407E-A947-70E740481C1C}">
-                <a14:useLocalDpi xmlns:a14="http://schemas.microsoft.com/office/drawing/2010/main" val="0"/>
+                <a14:useLocalDpi xmlns:a14="http://schemas.microsoft.com/office/drawing/2010/main" xmlns="" val="0"/>
               </a:ext>
             </a:extLst>
           </a:blip>
@@ -47213,7 +47262,7 @@
           <a:blip r:embed="rId4">
             <a:extLst>
               <a:ext uri="{28A0092B-C50C-407E-A947-70E740481C1C}">
-                <a14:useLocalDpi xmlns:a14="http://schemas.microsoft.com/office/drawing/2010/main" val="0"/>
+                <a14:useLocalDpi xmlns:a14="http://schemas.microsoft.com/office/drawing/2010/main" xmlns="" val="0"/>
               </a:ext>
             </a:extLst>
           </a:blip>
@@ -47640,20 +47689,20 @@
     </p:spTree>
     <p:extLst>
       <p:ext uri="{BB962C8B-B14F-4D97-AF65-F5344CB8AC3E}">
-        <p14:creationId xmlns:p14="http://schemas.microsoft.com/office/powerpoint/2010/main" val="552769992"/>
+        <p14:creationId xmlns:p14="http://schemas.microsoft.com/office/powerpoint/2010/main" xmlns="" val="552769992"/>
       </p:ext>
     </p:extLst>
   </p:cSld>
   <p:clrMapOvr>
     <a:masterClrMapping/>
   </p:clrMapOvr>
-  <p:transition xmlns:p14="http://schemas.microsoft.com/office/powerpoint/2010/main">
+  <p:transition>
     <p:fade/>
   </p:transition>
   <p:timing>
     <p:tnLst>
       <p:par>
-        <p:cTn xmlns:p14="http://schemas.microsoft.com/office/powerpoint/2010/main" id="1" dur="indefinite" restart="never" nodeType="tmRoot">
+        <p:cTn id="1" dur="indefinite" restart="never" nodeType="tmRoot">
           <p:childTnLst>
             <p:seq concurrent="1" nextAc="seek">
               <p:cTn id="2" dur="indefinite" nodeType="mainSeq">
@@ -49083,7 +49132,7 @@
     </p:spTree>
     <p:extLst>
       <p:ext uri="{BB962C8B-B14F-4D97-AF65-F5344CB8AC3E}">
-        <p14:creationId xmlns:p14="http://schemas.microsoft.com/office/powerpoint/2010/main" val="4099229976"/>
+        <p14:creationId xmlns:p14="http://schemas.microsoft.com/office/powerpoint/2010/main" xmlns="" val="4099229976"/>
       </p:ext>
     </p:extLst>
   </p:cSld>
@@ -49093,7 +49142,7 @@
   <p:timing>
     <p:tnLst>
       <p:par>
-        <p:cTn xmlns:p14="http://schemas.microsoft.com/office/powerpoint/2010/main" id="1" dur="indefinite" restart="never" nodeType="tmRoot">
+        <p:cTn id="1" dur="indefinite" restart="never" nodeType="tmRoot">
           <p:childTnLst>
             <p:seq concurrent="1" nextAc="seek">
               <p:cTn id="2" dur="indefinite" nodeType="mainSeq">
